--- a/QAPYTH3/DG_10_Modules_and_Packages.pptx
+++ b/QAPYTH3/DG_10_Modules_and_Packages.pptx
@@ -5,10 +5,10 @@
     <p:sldMasterId id="2147483648" r:id="rId4"/>
   </p:sldMasterIdLst>
   <p:notesMasterIdLst>
-    <p:notesMasterId r:id="rId25"/>
+    <p:notesMasterId r:id="rId23"/>
   </p:notesMasterIdLst>
   <p:handoutMasterIdLst>
-    <p:handoutMasterId r:id="rId26"/>
+    <p:handoutMasterId r:id="rId24"/>
   </p:handoutMasterIdLst>
   <p:sldIdLst>
     <p:sldId id="278" r:id="rId5"/>
@@ -23,35 +23,26 @@
     <p:sldId id="290" r:id="rId14"/>
     <p:sldId id="291" r:id="rId15"/>
     <p:sldId id="292" r:id="rId16"/>
-    <p:sldId id="293" r:id="rId17"/>
-    <p:sldId id="294" r:id="rId18"/>
-    <p:sldId id="295" r:id="rId19"/>
-    <p:sldId id="296" r:id="rId20"/>
-    <p:sldId id="297" r:id="rId21"/>
-    <p:sldId id="298" r:id="rId22"/>
-    <p:sldId id="299" r:id="rId23"/>
-    <p:sldId id="300" r:id="rId24"/>
+    <p:sldId id="301" r:id="rId17"/>
+    <p:sldId id="293" r:id="rId18"/>
+    <p:sldId id="297" r:id="rId19"/>
+    <p:sldId id="298" r:id="rId20"/>
+    <p:sldId id="299" r:id="rId21"/>
+    <p:sldId id="300" r:id="rId22"/>
   </p:sldIdLst>
   <p:sldSz cx="12192000" cy="6858000"/>
   <p:notesSz cx="6645275" cy="9775825"/>
   <p:embeddedFontLst>
     <p:embeddedFont>
-      <p:font typeface="Calibri" panose="020F0502020204030204" pitchFamily="34" charset="0"/>
-      <p:regular r:id="rId27"/>
-      <p:bold r:id="rId28"/>
-      <p:italic r:id="rId29"/>
-      <p:boldItalic r:id="rId30"/>
-    </p:embeddedFont>
-    <p:embeddedFont>
       <p:font typeface="Montserrat" panose="00000500000000000000" pitchFamily="2" charset="0"/>
-      <p:regular r:id="rId31"/>
-      <p:bold r:id="rId32"/>
-      <p:italic r:id="rId33"/>
-      <p:boldItalic r:id="rId34"/>
+      <p:regular r:id="rId25"/>
+      <p:bold r:id="rId26"/>
+      <p:italic r:id="rId27"/>
+      <p:boldItalic r:id="rId28"/>
     </p:embeddedFont>
   </p:embeddedFontLst>
   <p:custDataLst>
-    <p:tags r:id="rId35"/>
+    <p:tags r:id="rId29"/>
   </p:custDataLst>
   <p:defaultTextStyle>
     <a:defPPr>
@@ -193,123 +184,9 @@
 <p1510:revInfo xmlns:a="http://schemas.openxmlformats.org/drawingml/2006/main" xmlns:r="http://schemas.openxmlformats.org/officeDocument/2006/relationships" xmlns:p1510="http://schemas.microsoft.com/office/powerpoint/2015/10/main">
   <p1510:revLst>
     <p1510:client id="{9AC20918-2DFE-4A0B-9468-20CB61179154}" v="1" dt="2023-07-07T14:44:57.637"/>
+    <p1510:client id="{ED4E49A2-B60F-3778-A76E-016642339AD1}" v="278" dt="2023-10-26T08:59:42.203"/>
   </p1510:revLst>
 </p1510:revInfo>
-</file>
-
-<file path=ppt/changesInfos/changesInfo1.xml><?xml version="1.0" encoding="utf-8"?>
-<pc:chgInfo xmlns:a="http://schemas.openxmlformats.org/drawingml/2006/main" xmlns:r="http://schemas.openxmlformats.org/officeDocument/2006/relationships" xmlns:ac="http://schemas.microsoft.com/office/drawing/2013/main/command" xmlns:pc="http://schemas.microsoft.com/office/powerpoint/2013/main/command">
-  <pc:docChgLst>
-    <pc:chgData name="Cameron, Donald" userId="S::dcameron@qa.com::bb530afb-d76a-48dc-8f54-1f1d419657df" providerId="AD" clId="Web-{1DC947FE-B7F3-54DC-CBCB-26C79A6F627F}"/>
-    <pc:docChg chg="modSld">
-      <pc:chgData name="Cameron, Donald" userId="S::dcameron@qa.com::bb530afb-d76a-48dc-8f54-1f1d419657df" providerId="AD" clId="Web-{1DC947FE-B7F3-54DC-CBCB-26C79A6F627F}" dt="2023-06-22T14:37:27.801" v="12" actId="1076"/>
-      <pc:docMkLst>
-        <pc:docMk/>
-      </pc:docMkLst>
-      <pc:sldChg chg="modSp">
-        <pc:chgData name="Cameron, Donald" userId="S::dcameron@qa.com::bb530afb-d76a-48dc-8f54-1f1d419657df" providerId="AD" clId="Web-{1DC947FE-B7F3-54DC-CBCB-26C79A6F627F}" dt="2023-06-22T14:36:27.142" v="6" actId="1076"/>
-        <pc:sldMkLst>
-          <pc:docMk/>
-          <pc:sldMk cId="3547098527" sldId="293"/>
-        </pc:sldMkLst>
-        <pc:spChg chg="mod">
-          <ac:chgData name="Cameron, Donald" userId="S::dcameron@qa.com::bb530afb-d76a-48dc-8f54-1f1d419657df" providerId="AD" clId="Web-{1DC947FE-B7F3-54DC-CBCB-26C79A6F627F}" dt="2023-06-22T14:35:57.594" v="2" actId="20577"/>
-          <ac:spMkLst>
-            <pc:docMk/>
-            <pc:sldMk cId="3547098527" sldId="293"/>
-            <ac:spMk id="13315" creationId="{00000000-0000-0000-0000-000000000000}"/>
-          </ac:spMkLst>
-        </pc:spChg>
-        <pc:spChg chg="mod">
-          <ac:chgData name="Cameron, Donald" userId="S::dcameron@qa.com::bb530afb-d76a-48dc-8f54-1f1d419657df" providerId="AD" clId="Web-{1DC947FE-B7F3-54DC-CBCB-26C79A6F627F}" dt="2023-06-22T14:36:19.939" v="4"/>
-          <ac:spMkLst>
-            <pc:docMk/>
-            <pc:sldMk cId="3547098527" sldId="293"/>
-            <ac:spMk id="13317" creationId="{00000000-0000-0000-0000-000000000000}"/>
-          </ac:spMkLst>
-        </pc:spChg>
-        <pc:spChg chg="mod">
-          <ac:chgData name="Cameron, Donald" userId="S::dcameron@qa.com::bb530afb-d76a-48dc-8f54-1f1d419657df" providerId="AD" clId="Web-{1DC947FE-B7F3-54DC-CBCB-26C79A6F627F}" dt="2023-06-22T14:36:24.236" v="5" actId="1076"/>
-          <ac:spMkLst>
-            <pc:docMk/>
-            <pc:sldMk cId="3547098527" sldId="293"/>
-            <ac:spMk id="13319" creationId="{00000000-0000-0000-0000-000000000000}"/>
-          </ac:spMkLst>
-        </pc:spChg>
-        <pc:spChg chg="mod">
-          <ac:chgData name="Cameron, Donald" userId="S::dcameron@qa.com::bb530afb-d76a-48dc-8f54-1f1d419657df" providerId="AD" clId="Web-{1DC947FE-B7F3-54DC-CBCB-26C79A6F627F}" dt="2023-06-22T14:36:27.142" v="6" actId="1076"/>
-          <ac:spMkLst>
-            <pc:docMk/>
-            <pc:sldMk cId="3547098527" sldId="293"/>
-            <ac:spMk id="13320" creationId="{00000000-0000-0000-0000-000000000000}"/>
-          </ac:spMkLst>
-        </pc:spChg>
-        <pc:grpChg chg="mod">
-          <ac:chgData name="Cameron, Donald" userId="S::dcameron@qa.com::bb530afb-d76a-48dc-8f54-1f1d419657df" providerId="AD" clId="Web-{1DC947FE-B7F3-54DC-CBCB-26C79A6F627F}" dt="2023-06-22T14:36:01.610" v="3" actId="1076"/>
-          <ac:grpSpMkLst>
-            <pc:docMk/>
-            <pc:sldMk cId="3547098527" sldId="293"/>
-            <ac:grpSpMk id="13316" creationId="{00000000-0000-0000-0000-000000000000}"/>
-          </ac:grpSpMkLst>
-        </pc:grpChg>
-      </pc:sldChg>
-      <pc:sldChg chg="modSp">
-        <pc:chgData name="Cameron, Donald" userId="S::dcameron@qa.com::bb530afb-d76a-48dc-8f54-1f1d419657df" providerId="AD" clId="Web-{1DC947FE-B7F3-54DC-CBCB-26C79A6F627F}" dt="2023-06-22T14:36:46.377" v="10" actId="20577"/>
-        <pc:sldMkLst>
-          <pc:docMk/>
-          <pc:sldMk cId="2820022184" sldId="294"/>
-        </pc:sldMkLst>
-        <pc:spChg chg="mod">
-          <ac:chgData name="Cameron, Donald" userId="S::dcameron@qa.com::bb530afb-d76a-48dc-8f54-1f1d419657df" providerId="AD" clId="Web-{1DC947FE-B7F3-54DC-CBCB-26C79A6F627F}" dt="2023-06-22T14:36:46.377" v="10" actId="20577"/>
-          <ac:spMkLst>
-            <pc:docMk/>
-            <pc:sldMk cId="2820022184" sldId="294"/>
-            <ac:spMk id="3" creationId="{00000000-0000-0000-0000-000000000000}"/>
-          </ac:spMkLst>
-        </pc:spChg>
-      </pc:sldChg>
-      <pc:sldChg chg="addSp modSp">
-        <pc:chgData name="Cameron, Donald" userId="S::dcameron@qa.com::bb530afb-d76a-48dc-8f54-1f1d419657df" providerId="AD" clId="Web-{1DC947FE-B7F3-54DC-CBCB-26C79A6F627F}" dt="2023-06-22T14:37:27.801" v="12" actId="1076"/>
-        <pc:sldMkLst>
-          <pc:docMk/>
-          <pc:sldMk cId="3968388398" sldId="295"/>
-        </pc:sldMkLst>
-        <pc:picChg chg="add mod">
-          <ac:chgData name="Cameron, Donald" userId="S::dcameron@qa.com::bb530afb-d76a-48dc-8f54-1f1d419657df" providerId="AD" clId="Web-{1DC947FE-B7F3-54DC-CBCB-26C79A6F627F}" dt="2023-06-22T14:37:27.801" v="12" actId="1076"/>
-          <ac:picMkLst>
-            <pc:docMk/>
-            <pc:sldMk cId="3968388398" sldId="295"/>
-            <ac:picMk id="3" creationId="{79F29F53-2F8F-65B3-FCFD-EFDF8E564AE9}"/>
-          </ac:picMkLst>
-        </pc:picChg>
-      </pc:sldChg>
-    </pc:docChg>
-  </pc:docChgLst>
-  <pc:docChgLst>
-    <pc:chgData name="Smith, Andy" userId="cc1a6aaa-0ed5-4ed1-bf09-18e6d00004d9" providerId="ADAL" clId="{9AC20918-2DFE-4A0B-9468-20CB61179154}"/>
-    <pc:docChg chg="modSld">
-      <pc:chgData name="Smith, Andy" userId="cc1a6aaa-0ed5-4ed1-bf09-18e6d00004d9" providerId="ADAL" clId="{9AC20918-2DFE-4A0B-9468-20CB61179154}" dt="2023-07-07T14:44:57.637" v="0" actId="478"/>
-      <pc:docMkLst>
-        <pc:docMk/>
-      </pc:docMkLst>
-      <pc:sldChg chg="delSp">
-        <pc:chgData name="Smith, Andy" userId="cc1a6aaa-0ed5-4ed1-bf09-18e6d00004d9" providerId="ADAL" clId="{9AC20918-2DFE-4A0B-9468-20CB61179154}" dt="2023-07-07T14:44:57.637" v="0" actId="478"/>
-        <pc:sldMkLst>
-          <pc:docMk/>
-          <pc:sldMk cId="3968388398" sldId="295"/>
-        </pc:sldMkLst>
-        <pc:picChg chg="del">
-          <ac:chgData name="Smith, Andy" userId="cc1a6aaa-0ed5-4ed1-bf09-18e6d00004d9" providerId="ADAL" clId="{9AC20918-2DFE-4A0B-9468-20CB61179154}" dt="2023-07-07T14:44:57.637" v="0" actId="478"/>
-          <ac:picMkLst>
-            <pc:docMk/>
-            <pc:sldMk cId="3968388398" sldId="295"/>
-            <ac:picMk id="3" creationId="{79F29F53-2F8F-65B3-FCFD-EFDF8E564AE9}"/>
-          </ac:picMkLst>
-        </pc:picChg>
-      </pc:sldChg>
-    </pc:docChg>
-  </pc:docChgLst>
-</pc:chgInfo>
 </file>
 
 <file path=ppt/handoutMasters/handoutMaster1.xml><?xml version="1.0" encoding="utf-8"?>
@@ -394,7 +271,7 @@
           <a:p>
             <a:fld id="{86D088FE-3E68-47FE-8BA4-634CD34BABBC}" type="datetimeFigureOut">
               <a:rPr lang="en-GB" smtClean="0"/>
-              <a:t>07/07/2023</a:t>
+              <a:t>31/01/2024</a:t>
             </a:fld>
             <a:endParaRPr lang="en-GB"/>
           </a:p>
@@ -564,7 +441,7 @@
             <a:fld id="{1D6B66C6-1E92-0F4E-A300-9D4ED1F0C23F}" type="datetimeFigureOut">
               <a:rPr lang="en-GB" smtClean="0"/>
               <a:pPr/>
-              <a:t>07/07/2023</a:t>
+              <a:t>31/01/2024</a:t>
             </a:fld>
             <a:endParaRPr lang="en-GB"/>
           </a:p>
@@ -1307,6 +1184,81 @@
       </p:grpSpPr>
       <p:sp>
         <p:nvSpPr>
+          <p:cNvPr id="2" name="Slide Image Placeholder 1"/>
+          <p:cNvSpPr>
+            <a:spLocks noGrp="1" noRot="1" noChangeAspect="1"/>
+          </p:cNvSpPr>
+          <p:nvPr>
+            <p:ph type="sldImg"/>
+          </p:nvPr>
+        </p:nvSpPr>
+        <p:spPr/>
+      </p:sp>
+      <p:sp>
+        <p:nvSpPr>
+          <p:cNvPr id="3" name="Notes Placeholder 2"/>
+          <p:cNvSpPr>
+            <a:spLocks noGrp="1"/>
+          </p:cNvSpPr>
+          <p:nvPr>
+            <p:ph type="body" idx="1"/>
+          </p:nvPr>
+        </p:nvSpPr>
+        <p:spPr>
+          <a:xfrm>
+            <a:off x="728663" y="4679950"/>
+            <a:ext cx="5400675" cy="4865688"/>
+          </a:xfrm>
+          <a:prstGeom prst="rect">
+            <a:avLst/>
+          </a:prstGeom>
+        </p:spPr>
+        <p:txBody>
+          <a:bodyPr/>
+          <a:lstStyle/>
+          <a:p>
+            <a:r>
+              <a:rPr lang="en-GB" dirty="0">
+                <a:latin typeface="Montserrat"/>
+              </a:rPr>
+              <a:t>A script is what we call a python file that is run from a command line. The 3 main methods of running python are from the command line, as a file in an IDE or as the functionality being imported and run in another file</a:t>
+            </a:r>
+            <a:endParaRPr lang="en-US" dirty="0"/>
+          </a:p>
+        </p:txBody>
+      </p:sp>
+    </p:spTree>
+    <p:extLst>
+      <p:ext uri="{BB962C8B-B14F-4D97-AF65-F5344CB8AC3E}">
+        <p14:creationId xmlns:p14="http://schemas.microsoft.com/office/powerpoint/2010/main" val="633577802"/>
+      </p:ext>
+    </p:extLst>
+  </p:cSld>
+  <p:clrMapOvr>
+    <a:masterClrMapping/>
+  </p:clrMapOvr>
+</p:notes>
+</file>
+
+<file path=ppt/notesSlides/notesSlide14.xml><?xml version="1.0" encoding="utf-8"?>
+<p:notes xmlns:a="http://schemas.openxmlformats.org/drawingml/2006/main" xmlns:r="http://schemas.openxmlformats.org/officeDocument/2006/relationships" xmlns:p="http://schemas.openxmlformats.org/presentationml/2006/main">
+  <p:cSld>
+    <p:spTree>
+      <p:nvGrpSpPr>
+        <p:cNvPr id="1" name=""/>
+        <p:cNvGrpSpPr/>
+        <p:nvPr/>
+      </p:nvGrpSpPr>
+      <p:grpSpPr>
+        <a:xfrm>
+          <a:off x="0" y="0"/>
+          <a:ext cx="0" cy="0"/>
+          <a:chOff x="0" y="0"/>
+          <a:chExt cx="0" cy="0"/>
+        </a:xfrm>
+      </p:grpSpPr>
+      <p:sp>
+        <p:nvSpPr>
           <p:cNvPr id="31749" name="Rectangle 2"/>
           <p:cNvSpPr>
             <a:spLocks noGrp="1" noRot="1" noChangeAspect="1" noChangeArrowheads="1" noTextEdit="1"/>
@@ -1486,507 +1438,7 @@
 </p:notes>
 </file>
 
-<file path=ppt/notesSlides/notesSlide14.xml><?xml version="1.0" encoding="utf-8"?>
-<p:notes xmlns:a="http://schemas.openxmlformats.org/drawingml/2006/main" xmlns:r="http://schemas.openxmlformats.org/officeDocument/2006/relationships" xmlns:p="http://schemas.openxmlformats.org/presentationml/2006/main">
-  <p:cSld>
-    <p:spTree>
-      <p:nvGrpSpPr>
-        <p:cNvPr id="1" name=""/>
-        <p:cNvGrpSpPr/>
-        <p:nvPr/>
-      </p:nvGrpSpPr>
-      <p:grpSpPr>
-        <a:xfrm>
-          <a:off x="0" y="0"/>
-          <a:ext cx="0" cy="0"/>
-          <a:chOff x="0" y="0"/>
-          <a:chExt cx="0" cy="0"/>
-        </a:xfrm>
-      </p:grpSpPr>
-      <p:sp>
-        <p:nvSpPr>
-          <p:cNvPr id="2" name="Slide Image Placeholder 1"/>
-          <p:cNvSpPr>
-            <a:spLocks noGrp="1" noRot="1" noChangeAspect="1"/>
-          </p:cNvSpPr>
-          <p:nvPr>
-            <p:ph type="sldImg"/>
-          </p:nvPr>
-        </p:nvSpPr>
-        <p:spPr/>
-      </p:sp>
-      <p:sp>
-        <p:nvSpPr>
-          <p:cNvPr id="3" name="Notes Placeholder 2"/>
-          <p:cNvSpPr>
-            <a:spLocks noGrp="1"/>
-          </p:cNvSpPr>
-          <p:nvPr>
-            <p:ph type="body" idx="1"/>
-          </p:nvPr>
-        </p:nvSpPr>
-        <p:spPr>
-          <a:xfrm>
-            <a:off x="728663" y="4679950"/>
-            <a:ext cx="5400675" cy="4865688"/>
-          </a:xfrm>
-          <a:prstGeom prst="rect">
-            <a:avLst/>
-          </a:prstGeom>
-        </p:spPr>
-        <p:txBody>
-          <a:bodyPr/>
-          <a:lstStyle/>
-          <a:p>
-            <a:pPr defTabSz="914292">
-              <a:tabLst>
-                <a:tab pos="273018" algn="l"/>
-                <a:tab pos="544450" algn="l"/>
-                <a:tab pos="796832" algn="l"/>
-                <a:tab pos="1069849" algn="l"/>
-                <a:tab pos="1342868" algn="l"/>
-                <a:tab pos="1614299" algn="l"/>
-                <a:tab pos="1887316" algn="l"/>
-                <a:tab pos="2158747" algn="l"/>
-                <a:tab pos="2412717" algn="l"/>
-                <a:tab pos="2684148" algn="l"/>
-              </a:tabLst>
-              <a:defRPr/>
-            </a:pPr>
-            <a:r>
-              <a:rPr lang="en-GB" b="1" dirty="0" err="1">
-                <a:latin typeface="Courier New" pitchFamily="49" charset="0"/>
-                <a:cs typeface="Courier New" pitchFamily="49" charset="0"/>
-              </a:rPr>
-              <a:t>pydoc</a:t>
-            </a:r>
-            <a:r>
-              <a:rPr lang="en-GB" dirty="0"/>
-              <a:t> is a Python program, although like most it can be loaded as a module. It is normally run from a command-line, but you will need to specify the full path to find it: typically C:\Python32\Lib\pydoc on Windows and /usr/local/lib/python3.2/pydoc.py on Linux.</a:t>
-            </a:r>
-          </a:p>
-          <a:p>
-            <a:r>
-              <a:rPr lang="en-GB" dirty="0"/>
-              <a:t>The '.</a:t>
-            </a:r>
-            <a:r>
-              <a:rPr lang="en-GB" dirty="0" err="1"/>
-              <a:t>py</a:t>
-            </a:r>
-            <a:r>
-              <a:rPr lang="en-GB" dirty="0"/>
-              <a:t>' suffix to </a:t>
-            </a:r>
-            <a:r>
-              <a:rPr lang="en-GB" dirty="0" err="1"/>
-              <a:t>pydoc</a:t>
-            </a:r>
-            <a:r>
-              <a:rPr lang="en-GB" dirty="0"/>
-              <a:t> is not required on Windows because of file extension association.  </a:t>
-            </a:r>
-          </a:p>
-          <a:p>
-            <a:r>
-              <a:rPr lang="en-GB" dirty="0"/>
-              <a:t>Note that in Python 3.2 the -g option is deprecated and replaced with -b (which appears to do the same thing).</a:t>
-            </a:r>
-          </a:p>
-          <a:p>
-            <a:pPr defTabSz="914292">
-              <a:tabLst>
-                <a:tab pos="273018" algn="l"/>
-                <a:tab pos="544450" algn="l"/>
-                <a:tab pos="796832" algn="l"/>
-                <a:tab pos="1069849" algn="l"/>
-                <a:tab pos="1342868" algn="l"/>
-                <a:tab pos="1614299" algn="l"/>
-                <a:tab pos="1887316" algn="l"/>
-                <a:tab pos="2158747" algn="l"/>
-                <a:tab pos="2412717" algn="l"/>
-                <a:tab pos="2684148" algn="l"/>
-              </a:tabLst>
-              <a:defRPr/>
-            </a:pPr>
-            <a:r>
-              <a:rPr lang="en-GB" dirty="0"/>
-              <a:t>The python standard documentation is usually bundled with the product. However, if you compiled python yourself on Linux, then you will have to generate it yourself, see Docs/README.txt.</a:t>
-            </a:r>
-          </a:p>
-          <a:p>
-            <a:pPr defTabSz="914292">
-              <a:tabLst>
-                <a:tab pos="273018" algn="l"/>
-                <a:tab pos="544450" algn="l"/>
-                <a:tab pos="796832" algn="l"/>
-                <a:tab pos="1069849" algn="l"/>
-                <a:tab pos="1342868" algn="l"/>
-                <a:tab pos="1614299" algn="l"/>
-                <a:tab pos="1887316" algn="l"/>
-                <a:tab pos="2158747" algn="l"/>
-                <a:tab pos="2412717" algn="l"/>
-                <a:tab pos="2684148" algn="l"/>
-              </a:tabLst>
-              <a:defRPr/>
-            </a:pPr>
-            <a:r>
-              <a:rPr lang="en-GB" dirty="0"/>
-              <a:t>  </a:t>
-            </a:r>
-          </a:p>
-          <a:p>
-            <a:endParaRPr lang="en-GB" dirty="0"/>
-          </a:p>
-        </p:txBody>
-      </p:sp>
-    </p:spTree>
-    <p:extLst>
-      <p:ext uri="{BB962C8B-B14F-4D97-AF65-F5344CB8AC3E}">
-        <p14:creationId xmlns:p14="http://schemas.microsoft.com/office/powerpoint/2010/main" val="709280477"/>
-      </p:ext>
-    </p:extLst>
-  </p:cSld>
-  <p:clrMapOvr>
-    <a:masterClrMapping/>
-  </p:clrMapOvr>
-</p:notes>
-</file>
-
 <file path=ppt/notesSlides/notesSlide15.xml><?xml version="1.0" encoding="utf-8"?>
-<p:notes xmlns:a="http://schemas.openxmlformats.org/drawingml/2006/main" xmlns:r="http://schemas.openxmlformats.org/officeDocument/2006/relationships" xmlns:p="http://schemas.openxmlformats.org/presentationml/2006/main">
-  <p:cSld>
-    <p:spTree>
-      <p:nvGrpSpPr>
-        <p:cNvPr id="1" name=""/>
-        <p:cNvGrpSpPr/>
-        <p:nvPr/>
-      </p:nvGrpSpPr>
-      <p:grpSpPr>
-        <a:xfrm>
-          <a:off x="0" y="0"/>
-          <a:ext cx="0" cy="0"/>
-          <a:chOff x="0" y="0"/>
-          <a:chExt cx="0" cy="0"/>
-        </a:xfrm>
-      </p:grpSpPr>
-      <p:sp>
-        <p:nvSpPr>
-          <p:cNvPr id="32773" name="Rectangle 2"/>
-          <p:cNvSpPr>
-            <a:spLocks noGrp="1" noRot="1" noChangeAspect="1" noChangeArrowheads="1" noTextEdit="1"/>
-          </p:cNvSpPr>
-          <p:nvPr>
-            <p:ph type="sldImg"/>
-          </p:nvPr>
-        </p:nvSpPr>
-        <p:spPr>
-          <a:ln/>
-        </p:spPr>
-      </p:sp>
-      <p:sp>
-        <p:nvSpPr>
-          <p:cNvPr id="32774" name="Rectangle 3"/>
-          <p:cNvSpPr>
-            <a:spLocks noGrp="1" noChangeArrowheads="1"/>
-          </p:cNvSpPr>
-          <p:nvPr>
-            <p:ph type="body" idx="1"/>
-          </p:nvPr>
-        </p:nvSpPr>
-        <p:spPr>
-          <a:xfrm>
-            <a:off x="728663" y="4679950"/>
-            <a:ext cx="5400675" cy="4865688"/>
-          </a:xfrm>
-          <a:prstGeom prst="rect">
-            <a:avLst/>
-          </a:prstGeom>
-          <a:noFill/>
-          <a:ln/>
-          <a:extLst>
-            <a:ext uri="{909E8E84-426E-40dd-AFC4-6F175D3DCCD1}">
-              <a14:hiddenFill xmlns="" xmlns:a14="http://schemas.microsoft.com/office/drawing/2010/main">
-                <a:solidFill>
-                  <a:srgbClr val="FFFFFF"/>
-                </a:solidFill>
-              </a14:hiddenFill>
-            </a:ext>
-            <a:ext uri="{91240B29-F687-4f45-9708-019B960494DF}">
-              <a14:hiddenLine xmlns="" xmlns:a14="http://schemas.microsoft.com/office/drawing/2010/main" w="9525">
-                <a:solidFill>
-                  <a:srgbClr val="000000"/>
-                </a:solidFill>
-                <a:miter lim="800000"/>
-                <a:headEnd/>
-                <a:tailEnd/>
-              </a14:hiddenLine>
-            </a:ext>
-          </a:extLst>
-        </p:spPr>
-        <p:txBody>
-          <a:bodyPr/>
-          <a:lstStyle/>
-          <a:p>
-            <a:r>
-              <a:rPr lang="en-GB" dirty="0"/>
-              <a:t>We can write a test harness for our modules, that is a main program which calls the module, exercising each function. But there are problems with this approach. In the passage of time, the test harness gets lost, or does not get delivered with the module. Modifications done to the module are often omitted from the test harness, and it gets out of step.</a:t>
-            </a:r>
-          </a:p>
-          <a:p>
-            <a:r>
-              <a:rPr lang="en-GB" dirty="0"/>
-              <a:t>A better strategy is to embed the tests inside the module - that way there is no extra test harness file to go missing, and the tests can be seen by anyone altering the code. Running the module as a main program will run the tests if we use the standard </a:t>
-            </a:r>
-            <a:r>
-              <a:rPr lang="en-GB" b="1" dirty="0" err="1">
-                <a:latin typeface="Courier New" pitchFamily="49" charset="0"/>
-              </a:rPr>
-              <a:t>doctest</a:t>
-            </a:r>
-            <a:r>
-              <a:rPr lang="en-GB" dirty="0"/>
-              <a:t> module.</a:t>
-            </a:r>
-          </a:p>
-          <a:p>
-            <a:r>
-              <a:rPr lang="en-GB" dirty="0"/>
-              <a:t>The </a:t>
-            </a:r>
-            <a:r>
-              <a:rPr lang="en-GB" b="1" dirty="0" err="1">
-                <a:latin typeface="Courier New" pitchFamily="49" charset="0"/>
-              </a:rPr>
-              <a:t>doctest</a:t>
-            </a:r>
-            <a:r>
-              <a:rPr lang="en-GB" dirty="0"/>
-              <a:t> module searches for </a:t>
-            </a:r>
-            <a:r>
-              <a:rPr lang="en-GB" dirty="0" err="1"/>
-              <a:t>docstrings</a:t>
-            </a:r>
-            <a:r>
-              <a:rPr lang="en-GB" dirty="0"/>
-              <a:t> and, in its simplest form, will just check these. If an interactive session is found within a </a:t>
-            </a:r>
-            <a:r>
-              <a:rPr lang="en-GB" dirty="0" err="1"/>
-              <a:t>docstring</a:t>
-            </a:r>
-            <a:r>
-              <a:rPr lang="en-GB" dirty="0"/>
-              <a:t>, then it will be seen as a test an run. It looks for the </a:t>
-            </a:r>
-            <a:r>
-              <a:rPr lang="en-GB" dirty="0">
-                <a:latin typeface="Courier New" pitchFamily="49" charset="0"/>
-              </a:rPr>
-              <a:t>&gt;&gt;&gt;</a:t>
-            </a:r>
-            <a:r>
-              <a:rPr lang="en-GB" dirty="0"/>
-              <a:t> prompt as a command with output which follows.</a:t>
-            </a:r>
-          </a:p>
-          <a:p>
-            <a:r>
-              <a:rPr lang="en-GB" dirty="0"/>
-              <a:t>The test for </a:t>
-            </a:r>
-            <a:r>
-              <a:rPr lang="en-GB" dirty="0">
-                <a:latin typeface="Courier New" pitchFamily="49" charset="0"/>
-              </a:rPr>
-              <a:t>__name__</a:t>
-            </a:r>
-            <a:r>
-              <a:rPr lang="en-GB" dirty="0"/>
-              <a:t> will only be true if the module is run as a program, not if it is imported. You don't have to use </a:t>
-            </a:r>
-            <a:r>
-              <a:rPr lang="en-GB" b="1" dirty="0" err="1">
-                <a:latin typeface="Courier New" pitchFamily="49" charset="0"/>
-              </a:rPr>
-              <a:t>doctest</a:t>
-            </a:r>
-            <a:r>
-              <a:rPr lang="en-GB" dirty="0"/>
-              <a:t>, you could write your own tests, but that is like reinventing the wheel. Note that if you execute the module as main then you will need a #! line and execute access on UNIX.</a:t>
-            </a:r>
-          </a:p>
-        </p:txBody>
-      </p:sp>
-    </p:spTree>
-    <p:extLst>
-      <p:ext uri="{BB962C8B-B14F-4D97-AF65-F5344CB8AC3E}">
-        <p14:creationId xmlns:p14="http://schemas.microsoft.com/office/powerpoint/2010/main" val="4044381225"/>
-      </p:ext>
-    </p:extLst>
-  </p:cSld>
-  <p:clrMapOvr>
-    <a:masterClrMapping/>
-  </p:clrMapOvr>
-</p:notes>
-</file>
-
-<file path=ppt/notesSlides/notesSlide16.xml><?xml version="1.0" encoding="utf-8"?>
-<p:notes xmlns:a="http://schemas.openxmlformats.org/drawingml/2006/main" xmlns:r="http://schemas.openxmlformats.org/officeDocument/2006/relationships" xmlns:p="http://schemas.openxmlformats.org/presentationml/2006/main">
-  <p:cSld>
-    <p:spTree>
-      <p:nvGrpSpPr>
-        <p:cNvPr id="1" name=""/>
-        <p:cNvGrpSpPr/>
-        <p:nvPr/>
-      </p:nvGrpSpPr>
-      <p:grpSpPr>
-        <a:xfrm>
-          <a:off x="0" y="0"/>
-          <a:ext cx="0" cy="0"/>
-          <a:chOff x="0" y="0"/>
-          <a:chExt cx="0" cy="0"/>
-        </a:xfrm>
-      </p:grpSpPr>
-      <p:sp>
-        <p:nvSpPr>
-          <p:cNvPr id="33794" name="Slide Image Placeholder 1"/>
-          <p:cNvSpPr>
-            <a:spLocks noGrp="1" noRot="1" noChangeAspect="1" noTextEdit="1"/>
-          </p:cNvSpPr>
-          <p:nvPr>
-            <p:ph type="sldImg"/>
-          </p:nvPr>
-        </p:nvSpPr>
-        <p:spPr>
-          <a:ln/>
-        </p:spPr>
-      </p:sp>
-      <p:sp>
-        <p:nvSpPr>
-          <p:cNvPr id="33795" name="Notes Placeholder 2"/>
-          <p:cNvSpPr>
-            <a:spLocks noGrp="1"/>
-          </p:cNvSpPr>
-          <p:nvPr>
-            <p:ph type="body" idx="1"/>
-          </p:nvPr>
-        </p:nvSpPr>
-        <p:spPr>
-          <a:xfrm>
-            <a:off x="728663" y="4679950"/>
-            <a:ext cx="5400675" cy="4865688"/>
-          </a:xfrm>
-          <a:prstGeom prst="rect">
-            <a:avLst/>
-          </a:prstGeom>
-          <a:noFill/>
-          <a:ln/>
-          <a:extLst>
-            <a:ext uri="{909E8E84-426E-40dd-AFC4-6F175D3DCCD1}">
-              <a14:hiddenFill xmlns="" xmlns:a14="http://schemas.microsoft.com/office/drawing/2010/main">
-                <a:solidFill>
-                  <a:srgbClr val="FFFFFF"/>
-                </a:solidFill>
-              </a14:hiddenFill>
-            </a:ext>
-            <a:ext uri="{91240B29-F687-4f45-9708-019B960494DF}">
-              <a14:hiddenLine xmlns="" xmlns:a14="http://schemas.microsoft.com/office/drawing/2010/main" w="9525">
-                <a:solidFill>
-                  <a:srgbClr val="000000"/>
-                </a:solidFill>
-                <a:miter lim="800000"/>
-                <a:headEnd/>
-                <a:tailEnd/>
-              </a14:hiddenLine>
-            </a:ext>
-          </a:extLst>
-        </p:spPr>
-        <p:txBody>
-          <a:bodyPr/>
-          <a:lstStyle/>
-          <a:p>
-            <a:r>
-              <a:rPr lang="en-GB" dirty="0"/>
-              <a:t>The Python debugger can be called in a number of ways.  </a:t>
-            </a:r>
-          </a:p>
-          <a:p>
-            <a:r>
-              <a:rPr lang="en-GB" dirty="0"/>
-              <a:t>It can be called explicitly within a program to debug a specific line, as shown in the first example on the slide. This is particularly useful when debugging calls to functions within modules or, as in the example, within classes (the </a:t>
-            </a:r>
-            <a:r>
-              <a:rPr lang="en-GB" b="1" dirty="0">
-                <a:latin typeface="Courier New" pitchFamily="49" charset="0"/>
-                <a:cs typeface="Courier New" pitchFamily="49" charset="0"/>
-              </a:rPr>
-              <a:t>__</a:t>
-            </a:r>
-            <a:r>
-              <a:rPr lang="en-GB" b="1" dirty="0" err="1">
-                <a:latin typeface="Courier New" pitchFamily="49" charset="0"/>
-                <a:cs typeface="Courier New" pitchFamily="49" charset="0"/>
-              </a:rPr>
-              <a:t>init</a:t>
-            </a:r>
-            <a:r>
-              <a:rPr lang="en-GB" b="1" dirty="0">
-                <a:latin typeface="Courier New" pitchFamily="49" charset="0"/>
-                <a:cs typeface="Courier New" pitchFamily="49" charset="0"/>
-              </a:rPr>
-              <a:t>__</a:t>
-            </a:r>
-            <a:r>
-              <a:rPr lang="en-GB" dirty="0"/>
-              <a:t> function is the object initialiser, as we shall see in the next chapter).</a:t>
-            </a:r>
-          </a:p>
-          <a:p>
-            <a:r>
-              <a:rPr lang="en-GB" dirty="0"/>
-              <a:t>Since </a:t>
-            </a:r>
-            <a:r>
-              <a:rPr lang="en-GB" b="1" dirty="0" err="1">
-                <a:latin typeface="Courier New" pitchFamily="49" charset="0"/>
-                <a:cs typeface="Courier New" pitchFamily="49" charset="0"/>
-              </a:rPr>
-              <a:t>pdb</a:t>
-            </a:r>
-            <a:r>
-              <a:rPr lang="en-GB" dirty="0"/>
-              <a:t> is a module, it can be invoked on the command-line using the </a:t>
-            </a:r>
-            <a:r>
-              <a:rPr lang="en-GB" b="1" dirty="0">
-                <a:latin typeface="Courier New" pitchFamily="49" charset="0"/>
-                <a:cs typeface="Courier New" pitchFamily="49" charset="0"/>
-              </a:rPr>
-              <a:t>-m</a:t>
-            </a:r>
-            <a:r>
-              <a:rPr lang="en-GB" dirty="0"/>
-              <a:t> option, which will attempt to debug the entire script. The advantage of the command-line method is that we do not need to alter the code in order to debug it.</a:t>
-            </a:r>
-          </a:p>
-        </p:txBody>
-      </p:sp>
-    </p:spTree>
-    <p:extLst>
-      <p:ext uri="{BB962C8B-B14F-4D97-AF65-F5344CB8AC3E}">
-        <p14:creationId xmlns:p14="http://schemas.microsoft.com/office/powerpoint/2010/main" val="3353724815"/>
-      </p:ext>
-    </p:extLst>
-  </p:cSld>
-  <p:clrMapOvr>
-    <a:masterClrMapping/>
-  </p:clrMapOvr>
-</p:notes>
-</file>
-
-<file path=ppt/notesSlides/notesSlide17.xml><?xml version="1.0" encoding="utf-8"?>
 <p:notes xmlns:a="http://schemas.openxmlformats.org/drawingml/2006/main" xmlns:r="http://schemas.openxmlformats.org/officeDocument/2006/relationships" xmlns:p="http://schemas.openxmlformats.org/presentationml/2006/main">
   <p:cSld>
     <p:spTree>
@@ -2194,7 +1646,7 @@
 </p:notes>
 </file>
 
-<file path=ppt/notesSlides/notesSlide18.xml><?xml version="1.0" encoding="utf-8"?>
+<file path=ppt/notesSlides/notesSlide16.xml><?xml version="1.0" encoding="utf-8"?>
 <p:notes xmlns:a="http://schemas.openxmlformats.org/drawingml/2006/main" xmlns:r="http://schemas.openxmlformats.org/officeDocument/2006/relationships" xmlns:p="http://schemas.openxmlformats.org/presentationml/2006/main">
   <p:cSld>
     <p:spTree>
@@ -2263,7 +1715,7 @@
 </p:notes>
 </file>
 
-<file path=ppt/notesSlides/notesSlide19.xml><?xml version="1.0" encoding="utf-8"?>
+<file path=ppt/notesSlides/notesSlide17.xml><?xml version="1.0" encoding="utf-8"?>
 <p:notes xmlns:a="http://schemas.openxmlformats.org/drawingml/2006/main" xmlns:r="http://schemas.openxmlformats.org/officeDocument/2006/relationships" xmlns:p="http://schemas.openxmlformats.org/presentationml/2006/main">
   <p:cSld>
     <p:spTree>
@@ -2469,109 +1921,7 @@
 </p:notes>
 </file>
 
-<file path=ppt/notesSlides/notesSlide2.xml><?xml version="1.0" encoding="utf-8"?>
-<p:notes xmlns:a="http://schemas.openxmlformats.org/drawingml/2006/main" xmlns:r="http://schemas.openxmlformats.org/officeDocument/2006/relationships" xmlns:p="http://schemas.openxmlformats.org/presentationml/2006/main">
-  <p:cSld>
-    <p:spTree>
-      <p:nvGrpSpPr>
-        <p:cNvPr id="1" name=""/>
-        <p:cNvGrpSpPr/>
-        <p:nvPr/>
-      </p:nvGrpSpPr>
-      <p:grpSpPr>
-        <a:xfrm>
-          <a:off x="0" y="0"/>
-          <a:ext cx="0" cy="0"/>
-          <a:chOff x="0" y="0"/>
-          <a:chExt cx="0" cy="0"/>
-        </a:xfrm>
-      </p:grpSpPr>
-      <p:sp>
-        <p:nvSpPr>
-          <p:cNvPr id="22533" name="Rectangle 2"/>
-          <p:cNvSpPr>
-            <a:spLocks noGrp="1" noChangeArrowheads="1"/>
-          </p:cNvSpPr>
-          <p:nvPr>
-            <p:ph type="body" idx="1"/>
-          </p:nvPr>
-        </p:nvSpPr>
-        <p:spPr>
-          <a:xfrm>
-            <a:off x="728663" y="4679950"/>
-            <a:ext cx="5400675" cy="4865688"/>
-          </a:xfrm>
-          <a:prstGeom prst="rect">
-            <a:avLst/>
-          </a:prstGeom>
-          <a:noFill/>
-          <a:ln/>
-          <a:extLst>
-            <a:ext uri="{909E8E84-426E-40dd-AFC4-6F175D3DCCD1}">
-              <a14:hiddenFill xmlns="" xmlns:a14="http://schemas.microsoft.com/office/drawing/2010/main">
-                <a:solidFill>
-                  <a:srgbClr val="FFFFFF"/>
-                </a:solidFill>
-              </a14:hiddenFill>
-            </a:ext>
-            <a:ext uri="{91240B29-F687-4f45-9708-019B960494DF}">
-              <a14:hiddenLine xmlns="" xmlns:a14="http://schemas.microsoft.com/office/drawing/2010/main" w="9525">
-                <a:solidFill>
-                  <a:srgbClr val="000000"/>
-                </a:solidFill>
-                <a:miter lim="800000"/>
-                <a:headEnd/>
-                <a:tailEnd/>
-              </a14:hiddenLine>
-            </a:ext>
-          </a:extLst>
-        </p:spPr>
-        <p:txBody>
-          <a:bodyPr lIns="87439" tIns="44514" rIns="87439" bIns="44514"/>
-          <a:lstStyle/>
-          <a:p>
-            <a:pPr>
-              <a:tabLst/>
-            </a:pPr>
-            <a:r>
-              <a:rPr lang="en-GB"/>
-              <a:t>We have already met modules that are bundled with Python, now we shall discuss writing our own.</a:t>
-            </a:r>
-          </a:p>
-        </p:txBody>
-      </p:sp>
-      <p:sp>
-        <p:nvSpPr>
-          <p:cNvPr id="22534" name="Rectangle 3"/>
-          <p:cNvSpPr>
-            <a:spLocks noGrp="1" noRot="1" noChangeAspect="1" noChangeArrowheads="1" noTextEdit="1"/>
-          </p:cNvSpPr>
-          <p:nvPr>
-            <p:ph type="sldImg"/>
-          </p:nvPr>
-        </p:nvSpPr>
-        <p:spPr>
-          <a:xfrm>
-            <a:off x="-101600" y="447675"/>
-            <a:ext cx="7029450" cy="3954463"/>
-          </a:xfrm>
-          <a:ln/>
-        </p:spPr>
-      </p:sp>
-    </p:spTree>
-    <p:extLst>
-      <p:ext uri="{BB962C8B-B14F-4D97-AF65-F5344CB8AC3E}">
-        <p14:creationId xmlns:p14="http://schemas.microsoft.com/office/powerpoint/2010/main" val="1565163405"/>
-      </p:ext>
-    </p:extLst>
-  </p:cSld>
-  <p:clrMapOvr>
-    <a:masterClrMapping/>
-  </p:clrMapOvr>
-</p:notes>
-</file>
-
-<file path=ppt/notesSlides/notesSlide20.xml><?xml version="1.0" encoding="utf-8"?>
+<file path=ppt/notesSlides/notesSlide18.xml><?xml version="1.0" encoding="utf-8"?>
 <p:notes xmlns:a="http://schemas.openxmlformats.org/drawingml/2006/main" xmlns:r="http://schemas.openxmlformats.org/officeDocument/2006/relationships" xmlns:p="http://schemas.openxmlformats.org/presentationml/2006/main">
   <p:cSld>
     <p:spTree>
@@ -2843,6 +2193,108 @@
     <p:extLst>
       <p:ext uri="{BB962C8B-B14F-4D97-AF65-F5344CB8AC3E}">
         <p14:creationId xmlns:p14="http://schemas.microsoft.com/office/powerpoint/2010/main" val="3386632569"/>
+      </p:ext>
+    </p:extLst>
+  </p:cSld>
+  <p:clrMapOvr>
+    <a:masterClrMapping/>
+  </p:clrMapOvr>
+</p:notes>
+</file>
+
+<file path=ppt/notesSlides/notesSlide2.xml><?xml version="1.0" encoding="utf-8"?>
+<p:notes xmlns:a="http://schemas.openxmlformats.org/drawingml/2006/main" xmlns:r="http://schemas.openxmlformats.org/officeDocument/2006/relationships" xmlns:p="http://schemas.openxmlformats.org/presentationml/2006/main">
+  <p:cSld>
+    <p:spTree>
+      <p:nvGrpSpPr>
+        <p:cNvPr id="1" name=""/>
+        <p:cNvGrpSpPr/>
+        <p:nvPr/>
+      </p:nvGrpSpPr>
+      <p:grpSpPr>
+        <a:xfrm>
+          <a:off x="0" y="0"/>
+          <a:ext cx="0" cy="0"/>
+          <a:chOff x="0" y="0"/>
+          <a:chExt cx="0" cy="0"/>
+        </a:xfrm>
+      </p:grpSpPr>
+      <p:sp>
+        <p:nvSpPr>
+          <p:cNvPr id="22533" name="Rectangle 2"/>
+          <p:cNvSpPr>
+            <a:spLocks noGrp="1" noChangeArrowheads="1"/>
+          </p:cNvSpPr>
+          <p:nvPr>
+            <p:ph type="body" idx="1"/>
+          </p:nvPr>
+        </p:nvSpPr>
+        <p:spPr>
+          <a:xfrm>
+            <a:off x="728663" y="4679950"/>
+            <a:ext cx="5400675" cy="4865688"/>
+          </a:xfrm>
+          <a:prstGeom prst="rect">
+            <a:avLst/>
+          </a:prstGeom>
+          <a:noFill/>
+          <a:ln/>
+          <a:extLst>
+            <a:ext uri="{909E8E84-426E-40dd-AFC4-6F175D3DCCD1}">
+              <a14:hiddenFill xmlns="" xmlns:a14="http://schemas.microsoft.com/office/drawing/2010/main">
+                <a:solidFill>
+                  <a:srgbClr val="FFFFFF"/>
+                </a:solidFill>
+              </a14:hiddenFill>
+            </a:ext>
+            <a:ext uri="{91240B29-F687-4f45-9708-019B960494DF}">
+              <a14:hiddenLine xmlns="" xmlns:a14="http://schemas.microsoft.com/office/drawing/2010/main" w="9525">
+                <a:solidFill>
+                  <a:srgbClr val="000000"/>
+                </a:solidFill>
+                <a:miter lim="800000"/>
+                <a:headEnd/>
+                <a:tailEnd/>
+              </a14:hiddenLine>
+            </a:ext>
+          </a:extLst>
+        </p:spPr>
+        <p:txBody>
+          <a:bodyPr lIns="87439" tIns="44514" rIns="87439" bIns="44514"/>
+          <a:lstStyle/>
+          <a:p>
+            <a:pPr>
+              <a:tabLst/>
+            </a:pPr>
+            <a:r>
+              <a:rPr lang="en-GB"/>
+              <a:t>We have already met modules that are bundled with Python, now we shall discuss writing our own.</a:t>
+            </a:r>
+          </a:p>
+        </p:txBody>
+      </p:sp>
+      <p:sp>
+        <p:nvSpPr>
+          <p:cNvPr id="22534" name="Rectangle 3"/>
+          <p:cNvSpPr>
+            <a:spLocks noGrp="1" noRot="1" noChangeAspect="1" noChangeArrowheads="1" noTextEdit="1"/>
+          </p:cNvSpPr>
+          <p:nvPr>
+            <p:ph type="sldImg"/>
+          </p:nvPr>
+        </p:nvSpPr>
+        <p:spPr>
+          <a:xfrm>
+            <a:off x="-101600" y="447675"/>
+            <a:ext cx="7029450" cy="3954463"/>
+          </a:xfrm>
+          <a:ln/>
+        </p:spPr>
+      </p:sp>
+    </p:spTree>
+    <p:extLst>
+      <p:ext uri="{BB962C8B-B14F-4D97-AF65-F5344CB8AC3E}">
+        <p14:creationId xmlns:p14="http://schemas.microsoft.com/office/powerpoint/2010/main" val="1565163405"/>
       </p:ext>
     </p:extLst>
   </p:cSld>
@@ -28687,7 +28139,7 @@
             </a:r>
           </a:p>
           <a:p>
-            <a:pPr lvl="1">
+            <a:pPr marL="441325" lvl="1" indent="-261938">
               <a:buFont typeface="Arial" panose="020B0604020202020204" pitchFamily="34" charset="0"/>
               <a:buChar char="•"/>
             </a:pPr>
@@ -28711,7 +28163,7 @@
             </a:r>
           </a:p>
           <a:p>
-            <a:pPr lvl="1">
+            <a:pPr marL="441325" lvl="1" indent="-261938">
               <a:buFont typeface="Arial" panose="020B0604020202020204" pitchFamily="34" charset="0"/>
               <a:buChar char="•"/>
             </a:pPr>
@@ -28741,7 +28193,7 @@
             </a:r>
           </a:p>
           <a:p>
-            <a:pPr lvl="1">
+            <a:pPr marL="441325" lvl="1" indent="-261938">
               <a:buFont typeface="Arial" panose="020B0604020202020204" pitchFamily="34" charset="0"/>
               <a:buChar char="•"/>
             </a:pPr>
@@ -28761,7 +28213,7 @@
             </a:r>
           </a:p>
           <a:p>
-            <a:pPr lvl="1">
+            <a:pPr marL="441325" lvl="1" indent="-261938">
               <a:buFont typeface="Arial" panose="020B0604020202020204" pitchFamily="34" charset="0"/>
               <a:buChar char="•"/>
             </a:pPr>
@@ -28793,7 +28245,7 @@
             </a:r>
           </a:p>
           <a:p>
-            <a:pPr lvl="1">
+            <a:pPr marL="441325" lvl="1" indent="-261938">
               <a:buFont typeface="Arial" panose="020B0604020202020204" pitchFamily="34" charset="0"/>
               <a:buChar char="•"/>
             </a:pPr>
@@ -28803,7 +28255,7 @@
             </a:r>
           </a:p>
           <a:p>
-            <a:pPr lvl="1">
+            <a:pPr marL="441325" lvl="1" indent="-261938">
               <a:buFont typeface="Arial" panose="020B0604020202020204" pitchFamily="34" charset="0"/>
               <a:buChar char="•"/>
             </a:pPr>
@@ -28822,7 +28274,7 @@
         </p:nvSpPr>
         <p:spPr>
           <a:xfrm>
-            <a:off x="1054031" y="3769073"/>
+            <a:off x="760116" y="3630573"/>
             <a:ext cx="5205271" cy="1200329"/>
           </a:xfrm>
           <a:prstGeom prst="rect">
@@ -28839,6 +28291,13 @@
               <a:schemeClr val="tx1"/>
             </a:solidFill>
           </a:ln>
+          <a:effectLst>
+            <a:outerShdw blurRad="50800" dist="38100" dir="2700000" algn="tl" rotWithShape="0">
+              <a:prstClr val="black">
+                <a:alpha val="40000"/>
+              </a:prstClr>
+            </a:outerShdw>
+          </a:effectLst>
         </p:spPr>
         <p:txBody>
           <a:bodyPr wrap="none" rtlCol="0">
@@ -28959,7 +28418,7 @@
         </p:nvSpPr>
         <p:spPr>
           <a:xfrm>
-            <a:off x="6756467" y="3907572"/>
+            <a:off x="6096000" y="3845933"/>
             <a:ext cx="2842647" cy="923330"/>
           </a:xfrm>
           <a:prstGeom prst="rect">
@@ -29059,77 +28518,68 @@
           <a:bodyPr/>
           <a:lstStyle/>
           <a:p>
-            <a:pPr marL="342900" indent="-342900">
+            <a:r>
+              <a:rPr lang="en-GB" b="1" dirty="0"/>
+              <a:t>No special header or footer required in the file</a:t>
+            </a:r>
+          </a:p>
+          <a:p>
+            <a:pPr marL="441325" lvl="1" indent="-261938">
               <a:buFont typeface="Arial" panose="020B0604020202020204" pitchFamily="34" charset="0"/>
               <a:buChar char="•"/>
             </a:pPr>
             <a:r>
-              <a:rPr lang="en-GB" b="1" dirty="0"/>
-              <a:t>No special header or footer required in the file</a:t>
-            </a:r>
-          </a:p>
-          <a:p>
-            <a:pPr lvl="1">
+              <a:rPr lang="en-GB" dirty="0"/>
+              <a:t>Just write your code without a 'main'</a:t>
+            </a:r>
+          </a:p>
+          <a:p>
+            <a:pPr marL="441325" lvl="1" indent="-261938">
               <a:buFont typeface="Arial" panose="020B0604020202020204" pitchFamily="34" charset="0"/>
               <a:buChar char="•"/>
             </a:pPr>
             <a:r>
               <a:rPr lang="en-GB" dirty="0"/>
-              <a:t>Just write your code without a 'main'</a:t>
-            </a:r>
-          </a:p>
-          <a:p>
-            <a:pPr lvl="1">
+              <a:t>Default documentation is generated and available through help()</a:t>
+            </a:r>
+          </a:p>
+          <a:p>
+            <a:r>
+              <a:rPr lang="en-GB" b="1" dirty="0"/>
+              <a:t>Conventions with underscores - reminder</a:t>
+            </a:r>
+          </a:p>
+          <a:p>
+            <a:pPr marL="441325" lvl="1" indent="-261938">
               <a:buFont typeface="Arial" panose="020B0604020202020204" pitchFamily="34" charset="0"/>
               <a:buChar char="•"/>
             </a:pPr>
             <a:r>
               <a:rPr lang="en-GB" dirty="0"/>
-              <a:t>Default documentation is generated and available through help()</a:t>
-            </a:r>
-          </a:p>
-          <a:p>
-            <a:pPr marL="342900" indent="-342900">
+              <a:t>Names beginning with one underscore are private to a module</a:t>
+            </a:r>
+          </a:p>
+          <a:p>
+            <a:pPr marL="465137" lvl="2" indent="-285750">
               <a:buFont typeface="Arial" panose="020B0604020202020204" pitchFamily="34" charset="0"/>
               <a:buChar char="•"/>
             </a:pPr>
             <a:r>
-              <a:rPr lang="en-GB" b="1" dirty="0"/>
-              <a:t>Conventions with underscores - reminder</a:t>
-            </a:r>
-          </a:p>
-          <a:p>
-            <a:pPr lvl="1">
+              <a:rPr lang="en-GB" sz="1800" dirty="0"/>
+              <a:t>Includes function names</a:t>
+            </a:r>
+          </a:p>
+          <a:p>
+            <a:pPr marL="441325" lvl="1" indent="-261938">
               <a:buFont typeface="Arial" panose="020B0604020202020204" pitchFamily="34" charset="0"/>
               <a:buChar char="•"/>
             </a:pPr>
             <a:r>
               <a:rPr lang="en-GB" dirty="0"/>
-              <a:t>Names beginning with one underscore are private to a module</a:t>
-            </a:r>
-          </a:p>
-          <a:p>
-            <a:pPr lvl="2"/>
-            <a:r>
-              <a:rPr lang="en-GB" sz="1800" dirty="0"/>
-              <a:t> Includes function names</a:t>
-            </a:r>
-          </a:p>
-          <a:p>
-            <a:pPr lvl="1">
-              <a:buFont typeface="Arial" panose="020B0604020202020204" pitchFamily="34" charset="0"/>
-              <a:buChar char="•"/>
-            </a:pPr>
-            <a:r>
-              <a:rPr lang="en-GB" dirty="0"/>
               <a:t>Names beginning and ending with two underscores have a special meaning</a:t>
             </a:r>
           </a:p>
           <a:p>
-            <a:pPr marL="342900" indent="-342900">
-              <a:buFont typeface="Arial" panose="020B0604020202020204" pitchFamily="34" charset="0"/>
-              <a:buChar char="•"/>
-            </a:pPr>
             <a:r>
               <a:rPr lang="en-GB" b="1" dirty="0"/>
               <a:t>Name of the module is available in </a:t>
@@ -29153,7 +28603,7 @@
         </p:nvSpPr>
         <p:spPr bwMode="auto">
           <a:xfrm>
-            <a:off x="1791418" y="4749879"/>
+            <a:off x="781050" y="4553936"/>
             <a:ext cx="5314950" cy="650875"/>
           </a:xfrm>
           <a:prstGeom prst="rect">
@@ -29173,7 +28623,13 @@
             <a:headEnd/>
             <a:tailEnd/>
           </a:ln>
-          <a:effectLst/>
+          <a:effectLst>
+            <a:outerShdw blurRad="50800" dist="38100" dir="2700000" algn="tl" rotWithShape="0">
+              <a:prstClr val="black">
+                <a:alpha val="40000"/>
+              </a:prstClr>
+            </a:outerShdw>
+          </a:effectLst>
         </p:spPr>
         <p:txBody>
           <a:bodyPr>
@@ -29377,42 +28833,34 @@
           </a:bodyPr>
           <a:lstStyle/>
           <a:p>
-            <a:pPr marL="342900" indent="-342900">
+            <a:r>
+              <a:rPr lang="en-GB" b="1" dirty="0"/>
+              <a:t>Code outside of a function is executed at import time</a:t>
+            </a:r>
+          </a:p>
+          <a:p>
+            <a:pPr marL="441325" lvl="1" indent="-261938">
               <a:buFont typeface="Arial" panose="020B0604020202020204" pitchFamily="34" charset="0"/>
               <a:buChar char="•"/>
             </a:pPr>
             <a:r>
+              <a:rPr lang="en-GB" sz="1800" dirty="0"/>
+              <a:t>That is undesirable if our module could be run as a program</a:t>
+            </a:r>
+          </a:p>
+          <a:p>
+            <a:r>
               <a:rPr lang="en-GB" b="1" dirty="0"/>
-              <a:t>Code outside of a function is executed at import time</a:t>
-            </a:r>
-          </a:p>
-          <a:p>
-            <a:pPr lvl="1">
+              <a:t>Fortunately, we can test the name of the module</a:t>
+            </a:r>
+          </a:p>
+          <a:p>
+            <a:pPr marL="441325" lvl="1" indent="-261938">
               <a:buFont typeface="Arial" panose="020B0604020202020204" pitchFamily="34" charset="0"/>
               <a:buChar char="•"/>
             </a:pPr>
             <a:r>
-              <a:rPr lang="en-GB" dirty="0"/>
-              <a:t>That is undesirable if our module could be run as a program</a:t>
-            </a:r>
-          </a:p>
-          <a:p>
-            <a:pPr marL="342900" indent="-342900">
-              <a:buFont typeface="Arial" panose="020B0604020202020204" pitchFamily="34" charset="0"/>
-              <a:buChar char="•"/>
-            </a:pPr>
-            <a:r>
-              <a:rPr lang="en-GB" b="1" dirty="0"/>
-              <a:t>Fortunately, we can test the name of the module</a:t>
-            </a:r>
-          </a:p>
-          <a:p>
-            <a:pPr lvl="1">
-              <a:buFont typeface="Arial" panose="020B0604020202020204" pitchFamily="34" charset="0"/>
-              <a:buChar char="•"/>
-            </a:pPr>
-            <a:r>
-              <a:rPr lang="en-GB" dirty="0"/>
+              <a:rPr lang="en-GB" sz="1800" dirty="0"/>
               <a:t>Will be __main__ if run as a program</a:t>
             </a:r>
           </a:p>
@@ -29447,22 +28895,22 @@
             <a:endParaRPr lang="en-GB" dirty="0"/>
           </a:p>
           <a:p>
-            <a:pPr lvl="1">
+            <a:pPr marL="441325" lvl="1" indent="-261938">
               <a:buFont typeface="Arial" panose="020B0604020202020204" pitchFamily="34" charset="0"/>
               <a:buChar char="•"/>
             </a:pPr>
             <a:r>
-              <a:rPr lang="en-GB" dirty="0"/>
+              <a:rPr lang="en-GB" sz="1800" dirty="0"/>
               <a:t>Using a function called </a:t>
             </a:r>
             <a:r>
-              <a:rPr lang="en-GB" dirty="0">
+              <a:rPr lang="en-GB" sz="1800" dirty="0">
                 <a:latin typeface="Courier New" panose="02070309020205020404" pitchFamily="49" charset="0"/>
               </a:rPr>
               <a:t>main()</a:t>
             </a:r>
             <a:r>
-              <a:rPr lang="en-GB" dirty="0"/>
+              <a:rPr lang="en-GB" sz="1800" dirty="0"/>
               <a:t> is not mandatory, but common practice</a:t>
             </a:r>
           </a:p>
@@ -29476,7 +28924,7 @@
         </p:nvSpPr>
         <p:spPr>
           <a:xfrm>
-            <a:off x="1061032" y="3082321"/>
+            <a:off x="767118" y="2919035"/>
             <a:ext cx="5065810" cy="2308324"/>
           </a:xfrm>
           <a:prstGeom prst="rect">
@@ -29493,6 +28941,13 @@
               <a:schemeClr val="tx1"/>
             </a:solidFill>
           </a:ln>
+          <a:effectLst>
+            <a:outerShdw blurRad="50800" dist="38100" dir="2700000" algn="tl" rotWithShape="0">
+              <a:prstClr val="black">
+                <a:alpha val="40000"/>
+              </a:prstClr>
+            </a:outerShdw>
+          </a:effectLst>
         </p:spPr>
         <p:txBody>
           <a:bodyPr wrap="none" rtlCol="0">
@@ -29570,7 +29025,7 @@
         </p:nvSpPr>
         <p:spPr>
           <a:xfrm>
-            <a:off x="6758900" y="3845933"/>
+            <a:off x="5953494" y="3611532"/>
             <a:ext cx="2891725" cy="923330"/>
           </a:xfrm>
           <a:prstGeom prst="rect">
@@ -29623,6 +29078,685 @@
       </p:grpSpPr>
       <p:sp>
         <p:nvSpPr>
+          <p:cNvPr id="2" name="Title 1"/>
+          <p:cNvSpPr>
+            <a:spLocks noGrp="1"/>
+          </p:cNvSpPr>
+          <p:nvPr>
+            <p:ph type="title"/>
+          </p:nvPr>
+        </p:nvSpPr>
+        <p:spPr/>
+        <p:txBody>
+          <a:bodyPr/>
+          <a:lstStyle/>
+          <a:p>
+            <a:r>
+              <a:rPr lang="en-GB" dirty="0"/>
+              <a:t>The 'main' trick</a:t>
+            </a:r>
+          </a:p>
+        </p:txBody>
+      </p:sp>
+      <p:sp>
+        <p:nvSpPr>
+          <p:cNvPr id="3" name="Content Placeholder 2"/>
+          <p:cNvSpPr>
+            <a:spLocks noGrp="1"/>
+          </p:cNvSpPr>
+          <p:nvPr>
+            <p:ph idx="1"/>
+          </p:nvPr>
+        </p:nvSpPr>
+        <p:spPr/>
+        <p:txBody>
+          <a:bodyPr>
+            <a:normAutofit lnSpcReduction="10000"/>
+          </a:bodyPr>
+          <a:lstStyle/>
+          <a:p>
+            <a:r>
+              <a:rPr lang="en-GB" b="1" dirty="0">
+                <a:latin typeface="Montserrat"/>
+              </a:rPr>
+              <a:t>When we use the attribute __name__ in the file that’s being run:</a:t>
+            </a:r>
+          </a:p>
+          <a:p>
+            <a:pPr marL="441325" indent="-349250">
+              <a:buFont typeface="Arial" panose="020B0604020202020204" pitchFamily="34" charset="0"/>
+              <a:buChar char="•"/>
+            </a:pPr>
+            <a:r>
+              <a:rPr lang="en-GB" sz="1800" dirty="0">
+                <a:latin typeface="Montserrat"/>
+              </a:rPr>
+              <a:t>It will return the name __main__</a:t>
+            </a:r>
+          </a:p>
+          <a:p>
+            <a:pPr marL="342900" indent="-342900">
+              <a:buSzPct val="114999"/>
+              <a:buFont typeface="Arial" panose="020B0604020202020204" pitchFamily="34" charset="0"/>
+              <a:buChar char="•"/>
+            </a:pPr>
+            <a:endParaRPr lang="en-GB" b="1" dirty="0"/>
+          </a:p>
+          <a:p>
+            <a:pPr>
+              <a:buSzPct val="114999"/>
+            </a:pPr>
+            <a:endParaRPr lang="en-GB" b="1" dirty="0"/>
+          </a:p>
+          <a:p>
+            <a:pPr>
+              <a:buSzPct val="114999"/>
+            </a:pPr>
+            <a:r>
+              <a:rPr lang="en-GB" b="1" dirty="0">
+                <a:latin typeface="Montserrat"/>
+              </a:rPr>
+              <a:t>Place the print(__name__) into a function and import into another file:</a:t>
+            </a:r>
+          </a:p>
+          <a:p>
+            <a:pPr marL="441325" indent="-349250">
+              <a:buSzPct val="114999"/>
+              <a:buFont typeface="Arial" panose="020B0604020202020204" pitchFamily="34" charset="0"/>
+              <a:buChar char="•"/>
+            </a:pPr>
+            <a:r>
+              <a:rPr lang="en-GB" sz="1800" dirty="0">
+                <a:latin typeface="Montserrat"/>
+              </a:rPr>
+              <a:t>Attribute __name__ will return  the name of the file it was imported from. </a:t>
+            </a:r>
+          </a:p>
+          <a:p>
+            <a:pPr marL="441325" indent="-349250">
+              <a:buSzPct val="114999"/>
+              <a:buFont typeface="Arial" panose="020B0604020202020204" pitchFamily="34" charset="0"/>
+              <a:buChar char="•"/>
+            </a:pPr>
+            <a:r>
+              <a:rPr lang="en-GB" sz="1800" dirty="0">
+                <a:latin typeface="Montserrat"/>
+              </a:rPr>
+              <a:t>NOT the name __main__</a:t>
+            </a:r>
+          </a:p>
+          <a:p>
+            <a:pPr marL="342900" indent="-342900">
+              <a:buSzPct val="114999"/>
+              <a:buFont typeface="Arial" panose="020B0604020202020204" pitchFamily="34" charset="0"/>
+              <a:buChar char="•"/>
+            </a:pPr>
+            <a:endParaRPr lang="en-GB" b="1" dirty="0">
+              <a:latin typeface="Montserrat"/>
+            </a:endParaRPr>
+          </a:p>
+          <a:p>
+            <a:pPr marL="342900" indent="-342900">
+              <a:buSzPct val="114999"/>
+              <a:buFont typeface="Arial" panose="020B0604020202020204" pitchFamily="34" charset="0"/>
+              <a:buChar char="•"/>
+            </a:pPr>
+            <a:endParaRPr lang="en-GB" b="1" dirty="0">
+              <a:latin typeface="Montserrat"/>
+            </a:endParaRPr>
+          </a:p>
+          <a:p>
+            <a:pPr marL="342900" indent="-342900">
+              <a:buSzPct val="114999"/>
+              <a:buFont typeface="Arial" panose="020B0604020202020204" pitchFamily="34" charset="0"/>
+              <a:buChar char="•"/>
+            </a:pPr>
+            <a:endParaRPr lang="en-GB" b="1" dirty="0">
+              <a:latin typeface="Montserrat"/>
+            </a:endParaRPr>
+          </a:p>
+          <a:p>
+            <a:pPr marL="342900" indent="-342900">
+              <a:buSzPct val="114999"/>
+              <a:buFont typeface="Arial" panose="020B0604020202020204" pitchFamily="34" charset="0"/>
+              <a:buChar char="•"/>
+            </a:pPr>
+            <a:endParaRPr lang="en-GB" b="1" dirty="0">
+              <a:latin typeface="Montserrat"/>
+            </a:endParaRPr>
+          </a:p>
+          <a:p>
+            <a:pPr>
+              <a:buSzPct val="114999"/>
+            </a:pPr>
+            <a:r>
+              <a:rPr lang="en-GB" b="1" dirty="0">
+                <a:latin typeface="Montserrat"/>
+              </a:rPr>
+              <a:t>To checks to see if the python file is being run as a script and not a module:</a:t>
+            </a:r>
+          </a:p>
+          <a:p>
+            <a:pPr marL="365125" indent="-273050">
+              <a:buSzPct val="114999"/>
+              <a:buFont typeface="Arial" panose="020B0604020202020204" pitchFamily="34" charset="0"/>
+              <a:buChar char="•"/>
+            </a:pPr>
+            <a:r>
+              <a:rPr lang="en-GB" sz="1800" dirty="0">
+                <a:latin typeface="Montserrat"/>
+              </a:rPr>
+              <a:t>Use If __name__ == "__main__" </a:t>
+            </a:r>
+          </a:p>
+        </p:txBody>
+      </p:sp>
+      <p:sp>
+        <p:nvSpPr>
+          <p:cNvPr id="7" name="TextBox 6">
+            <a:extLst>
+              <a:ext uri="{FF2B5EF4-FFF2-40B4-BE49-F238E27FC236}">
+                <a16:creationId xmlns:a16="http://schemas.microsoft.com/office/drawing/2014/main" id="{1C5A03F4-EBB9-DD18-469D-D27D65090591}"/>
+              </a:ext>
+            </a:extLst>
+          </p:cNvPr>
+          <p:cNvSpPr txBox="1"/>
+          <p:nvPr/>
+        </p:nvSpPr>
+        <p:spPr>
+          <a:xfrm>
+            <a:off x="828456" y="2028647"/>
+            <a:ext cx="2252540" cy="369332"/>
+          </a:xfrm>
+          <a:prstGeom prst="rect">
+            <a:avLst/>
+          </a:prstGeom>
+          <a:solidFill>
+            <a:schemeClr val="tx2">
+              <a:lumMod val="20000"/>
+              <a:lumOff val="80000"/>
+            </a:schemeClr>
+          </a:solidFill>
+          <a:ln>
+            <a:solidFill>
+              <a:schemeClr val="tx1"/>
+            </a:solidFill>
+          </a:ln>
+          <a:effectLst>
+            <a:outerShdw blurRad="50800" dist="38100" dir="2700000" algn="tl" rotWithShape="0">
+              <a:prstClr val="black">
+                <a:alpha val="40000"/>
+              </a:prstClr>
+            </a:outerShdw>
+          </a:effectLst>
+        </p:spPr>
+        <p:txBody>
+          <a:bodyPr wrap="none" lIns="91440" tIns="45720" rIns="91440" bIns="45720" rtlCol="0" anchor="t">
+            <a:spAutoFit/>
+          </a:bodyPr>
+          <a:lstStyle/>
+          <a:p>
+            <a:r>
+              <a:rPr lang="en-GB" dirty="0">
+                <a:latin typeface="Courier New"/>
+                <a:cs typeface="Courier New"/>
+              </a:rPr>
+              <a:t>print(__name__)</a:t>
+            </a:r>
+          </a:p>
+        </p:txBody>
+      </p:sp>
+      <p:sp>
+        <p:nvSpPr>
+          <p:cNvPr id="9" name="TextBox 8">
+            <a:extLst>
+              <a:ext uri="{FF2B5EF4-FFF2-40B4-BE49-F238E27FC236}">
+                <a16:creationId xmlns:a16="http://schemas.microsoft.com/office/drawing/2014/main" id="{8B725C86-F717-03B7-1AEB-4213CDA13E2D}"/>
+              </a:ext>
+            </a:extLst>
+          </p:cNvPr>
+          <p:cNvSpPr txBox="1"/>
+          <p:nvPr/>
+        </p:nvSpPr>
+        <p:spPr>
+          <a:xfrm>
+            <a:off x="828456" y="3892398"/>
+            <a:ext cx="4458272" cy="923330"/>
+          </a:xfrm>
+          <a:prstGeom prst="rect">
+            <a:avLst/>
+          </a:prstGeom>
+          <a:solidFill>
+            <a:schemeClr val="tx2">
+              <a:lumMod val="20000"/>
+              <a:lumOff val="80000"/>
+            </a:schemeClr>
+          </a:solidFill>
+          <a:ln>
+            <a:solidFill>
+              <a:schemeClr val="tx1"/>
+            </a:solidFill>
+          </a:ln>
+          <a:effectLst>
+            <a:outerShdw blurRad="50800" dist="38100" dir="2700000" algn="tl" rotWithShape="0">
+              <a:prstClr val="black">
+                <a:alpha val="40000"/>
+              </a:prstClr>
+            </a:outerShdw>
+          </a:effectLst>
+        </p:spPr>
+        <p:txBody>
+          <a:bodyPr wrap="none" lIns="91440" tIns="45720" rIns="91440" bIns="45720" rtlCol="0" anchor="t">
+            <a:spAutoFit/>
+          </a:bodyPr>
+          <a:lstStyle/>
+          <a:p>
+            <a:r>
+              <a:rPr lang="en-GB" dirty="0">
+                <a:latin typeface="Courier New"/>
+                <a:cs typeface="Courier New"/>
+              </a:rPr>
+              <a:t>form </a:t>
+            </a:r>
+            <a:r>
+              <a:rPr lang="en-GB" dirty="0" err="1">
+                <a:latin typeface="Courier New"/>
+                <a:cs typeface="Courier New"/>
+              </a:rPr>
+              <a:t>mainTest</a:t>
+            </a:r>
+            <a:r>
+              <a:rPr lang="en-GB" dirty="0">
+                <a:latin typeface="Courier New"/>
+                <a:cs typeface="Courier New"/>
+              </a:rPr>
+              <a:t> import </a:t>
+            </a:r>
+            <a:r>
+              <a:rPr lang="en-GB" dirty="0" err="1">
+                <a:latin typeface="Courier New"/>
+                <a:cs typeface="Courier New"/>
+              </a:rPr>
+              <a:t>importThis</a:t>
+            </a:r>
+            <a:endParaRPr lang="en-GB" dirty="0">
+              <a:latin typeface="Courier New"/>
+              <a:cs typeface="Courier New"/>
+            </a:endParaRPr>
+          </a:p>
+          <a:p>
+            <a:endParaRPr lang="en-GB" dirty="0">
+              <a:latin typeface="Courier New"/>
+              <a:cs typeface="Courier New"/>
+            </a:endParaRPr>
+          </a:p>
+          <a:p>
+            <a:r>
+              <a:rPr lang="en-GB" dirty="0" err="1">
+                <a:latin typeface="Courier New"/>
+                <a:cs typeface="Courier New"/>
+              </a:rPr>
+              <a:t>importThis</a:t>
+            </a:r>
+            <a:r>
+              <a:rPr lang="en-GB" dirty="0">
+                <a:latin typeface="Courier New"/>
+                <a:cs typeface="Courier New"/>
+              </a:rPr>
+              <a:t>()</a:t>
+            </a:r>
+          </a:p>
+        </p:txBody>
+      </p:sp>
+      <p:sp>
+        <p:nvSpPr>
+          <p:cNvPr id="4" name="Text Box 5">
+            <a:extLst>
+              <a:ext uri="{FF2B5EF4-FFF2-40B4-BE49-F238E27FC236}">
+                <a16:creationId xmlns:a16="http://schemas.microsoft.com/office/drawing/2014/main" id="{AC54CF5D-D776-9B04-FED9-0198BF45ED01}"/>
+              </a:ext>
+            </a:extLst>
+          </p:cNvPr>
+          <p:cNvSpPr txBox="1">
+            <a:spLocks noChangeArrowheads="1"/>
+          </p:cNvSpPr>
+          <p:nvPr/>
+        </p:nvSpPr>
+        <p:spPr bwMode="auto">
+          <a:xfrm>
+            <a:off x="4095846" y="4646451"/>
+            <a:ext cx="1191021" cy="338554"/>
+          </a:xfrm>
+          <a:prstGeom prst="rect">
+            <a:avLst/>
+          </a:prstGeom>
+          <a:solidFill>
+            <a:schemeClr val="accent2"/>
+          </a:solidFill>
+          <a:ln w="9525">
+            <a:solidFill>
+              <a:schemeClr val="tx1"/>
+            </a:solidFill>
+            <a:miter lim="800000"/>
+            <a:headEnd/>
+            <a:tailEnd/>
+          </a:ln>
+          <a:effectLst>
+            <a:outerShdw blurRad="50800" dist="38100" dir="2700000" algn="tl" rotWithShape="0">
+              <a:prstClr val="black">
+                <a:alpha val="40000"/>
+              </a:prstClr>
+            </a:outerShdw>
+          </a:effectLst>
+        </p:spPr>
+        <p:txBody>
+          <a:bodyPr wrap="square">
+            <a:spAutoFit/>
+          </a:bodyPr>
+          <a:lstStyle>
+            <a:lvl1pPr>
+              <a:defRPr sz="1000">
+                <a:solidFill>
+                  <a:schemeClr val="tx1"/>
+                </a:solidFill>
+                <a:latin typeface="Arial" charset="0"/>
+              </a:defRPr>
+            </a:lvl1pPr>
+            <a:lvl2pPr marL="742950" indent="-285750">
+              <a:defRPr sz="1000">
+                <a:solidFill>
+                  <a:schemeClr val="tx1"/>
+                </a:solidFill>
+                <a:latin typeface="Arial" charset="0"/>
+              </a:defRPr>
+            </a:lvl2pPr>
+            <a:lvl3pPr marL="1143000" indent="-228600">
+              <a:defRPr sz="1000">
+                <a:solidFill>
+                  <a:schemeClr val="tx1"/>
+                </a:solidFill>
+                <a:latin typeface="Arial" charset="0"/>
+              </a:defRPr>
+            </a:lvl3pPr>
+            <a:lvl4pPr marL="1600200" indent="-228600">
+              <a:defRPr sz="1000">
+                <a:solidFill>
+                  <a:schemeClr val="tx1"/>
+                </a:solidFill>
+                <a:latin typeface="Arial" charset="0"/>
+              </a:defRPr>
+            </a:lvl4pPr>
+            <a:lvl5pPr marL="2057400" indent="-228600">
+              <a:defRPr sz="1000">
+                <a:solidFill>
+                  <a:schemeClr val="tx1"/>
+                </a:solidFill>
+                <a:latin typeface="Arial" charset="0"/>
+              </a:defRPr>
+            </a:lvl5pPr>
+            <a:lvl6pPr marL="2514600" indent="-228600" eaLnBrk="0" fontAlgn="base" hangingPunct="0">
+              <a:spcBef>
+                <a:spcPct val="50000"/>
+              </a:spcBef>
+              <a:spcAft>
+                <a:spcPct val="0"/>
+              </a:spcAft>
+              <a:defRPr sz="1000">
+                <a:solidFill>
+                  <a:schemeClr val="tx1"/>
+                </a:solidFill>
+                <a:latin typeface="Arial" charset="0"/>
+              </a:defRPr>
+            </a:lvl6pPr>
+            <a:lvl7pPr marL="2971800" indent="-228600" eaLnBrk="0" fontAlgn="base" hangingPunct="0">
+              <a:spcBef>
+                <a:spcPct val="50000"/>
+              </a:spcBef>
+              <a:spcAft>
+                <a:spcPct val="0"/>
+              </a:spcAft>
+              <a:defRPr sz="1000">
+                <a:solidFill>
+                  <a:schemeClr val="tx1"/>
+                </a:solidFill>
+                <a:latin typeface="Arial" charset="0"/>
+              </a:defRPr>
+            </a:lvl7pPr>
+            <a:lvl8pPr marL="3429000" indent="-228600" eaLnBrk="0" fontAlgn="base" hangingPunct="0">
+              <a:spcBef>
+                <a:spcPct val="50000"/>
+              </a:spcBef>
+              <a:spcAft>
+                <a:spcPct val="0"/>
+              </a:spcAft>
+              <a:defRPr sz="1000">
+                <a:solidFill>
+                  <a:schemeClr val="tx1"/>
+                </a:solidFill>
+                <a:latin typeface="Arial" charset="0"/>
+              </a:defRPr>
+            </a:lvl8pPr>
+            <a:lvl9pPr marL="3886200" indent="-228600" eaLnBrk="0" fontAlgn="base" hangingPunct="0">
+              <a:spcBef>
+                <a:spcPct val="50000"/>
+              </a:spcBef>
+              <a:spcAft>
+                <a:spcPct val="0"/>
+              </a:spcAft>
+              <a:defRPr sz="1000">
+                <a:solidFill>
+                  <a:schemeClr val="tx1"/>
+                </a:solidFill>
+                <a:latin typeface="Arial" charset="0"/>
+              </a:defRPr>
+            </a:lvl9pPr>
+          </a:lstStyle>
+          <a:p>
+            <a:pPr>
+              <a:spcBef>
+                <a:spcPct val="0"/>
+              </a:spcBef>
+            </a:pPr>
+            <a:r>
+              <a:rPr lang="en-GB" sz="1600" dirty="0" err="1">
+                <a:ea typeface="+mn-lt"/>
+                <a:cs typeface="+mn-lt"/>
+              </a:rPr>
+              <a:t>mainTest</a:t>
+            </a:r>
+            <a:endParaRPr lang="en-GB" sz="1600" dirty="0">
+              <a:latin typeface="Courier New" panose="02070309020205020404" pitchFamily="49" charset="0"/>
+            </a:endParaRPr>
+          </a:p>
+        </p:txBody>
+      </p:sp>
+      <p:sp>
+        <p:nvSpPr>
+          <p:cNvPr id="6" name="Text Box 5">
+            <a:extLst>
+              <a:ext uri="{FF2B5EF4-FFF2-40B4-BE49-F238E27FC236}">
+                <a16:creationId xmlns:a16="http://schemas.microsoft.com/office/drawing/2014/main" id="{A2A5F68D-22F8-EF9C-CA79-5BC12AC2EB59}"/>
+              </a:ext>
+            </a:extLst>
+          </p:cNvPr>
+          <p:cNvSpPr txBox="1">
+            <a:spLocks noChangeArrowheads="1"/>
+          </p:cNvSpPr>
+          <p:nvPr/>
+        </p:nvSpPr>
+        <p:spPr bwMode="auto">
+          <a:xfrm>
+            <a:off x="2904686" y="2318491"/>
+            <a:ext cx="1191021" cy="338554"/>
+          </a:xfrm>
+          <a:prstGeom prst="rect">
+            <a:avLst/>
+          </a:prstGeom>
+          <a:solidFill>
+            <a:schemeClr val="accent2"/>
+          </a:solidFill>
+          <a:ln w="9525">
+            <a:solidFill>
+              <a:schemeClr val="tx1"/>
+            </a:solidFill>
+            <a:miter lim="800000"/>
+            <a:headEnd/>
+            <a:tailEnd/>
+          </a:ln>
+          <a:effectLst>
+            <a:outerShdw blurRad="50800" dist="38100" dir="2700000" algn="tl" rotWithShape="0">
+              <a:prstClr val="black">
+                <a:alpha val="40000"/>
+              </a:prstClr>
+            </a:outerShdw>
+          </a:effectLst>
+        </p:spPr>
+        <p:txBody>
+          <a:bodyPr wrap="square">
+            <a:spAutoFit/>
+          </a:bodyPr>
+          <a:lstStyle>
+            <a:lvl1pPr>
+              <a:defRPr sz="1000">
+                <a:solidFill>
+                  <a:schemeClr val="tx1"/>
+                </a:solidFill>
+                <a:latin typeface="Arial" charset="0"/>
+              </a:defRPr>
+            </a:lvl1pPr>
+            <a:lvl2pPr marL="742950" indent="-285750">
+              <a:defRPr sz="1000">
+                <a:solidFill>
+                  <a:schemeClr val="tx1"/>
+                </a:solidFill>
+                <a:latin typeface="Arial" charset="0"/>
+              </a:defRPr>
+            </a:lvl2pPr>
+            <a:lvl3pPr marL="1143000" indent="-228600">
+              <a:defRPr sz="1000">
+                <a:solidFill>
+                  <a:schemeClr val="tx1"/>
+                </a:solidFill>
+                <a:latin typeface="Arial" charset="0"/>
+              </a:defRPr>
+            </a:lvl3pPr>
+            <a:lvl4pPr marL="1600200" indent="-228600">
+              <a:defRPr sz="1000">
+                <a:solidFill>
+                  <a:schemeClr val="tx1"/>
+                </a:solidFill>
+                <a:latin typeface="Arial" charset="0"/>
+              </a:defRPr>
+            </a:lvl4pPr>
+            <a:lvl5pPr marL="2057400" indent="-228600">
+              <a:defRPr sz="1000">
+                <a:solidFill>
+                  <a:schemeClr val="tx1"/>
+                </a:solidFill>
+                <a:latin typeface="Arial" charset="0"/>
+              </a:defRPr>
+            </a:lvl5pPr>
+            <a:lvl6pPr marL="2514600" indent="-228600" eaLnBrk="0" fontAlgn="base" hangingPunct="0">
+              <a:spcBef>
+                <a:spcPct val="50000"/>
+              </a:spcBef>
+              <a:spcAft>
+                <a:spcPct val="0"/>
+              </a:spcAft>
+              <a:defRPr sz="1000">
+                <a:solidFill>
+                  <a:schemeClr val="tx1"/>
+                </a:solidFill>
+                <a:latin typeface="Arial" charset="0"/>
+              </a:defRPr>
+            </a:lvl6pPr>
+            <a:lvl7pPr marL="2971800" indent="-228600" eaLnBrk="0" fontAlgn="base" hangingPunct="0">
+              <a:spcBef>
+                <a:spcPct val="50000"/>
+              </a:spcBef>
+              <a:spcAft>
+                <a:spcPct val="0"/>
+              </a:spcAft>
+              <a:defRPr sz="1000">
+                <a:solidFill>
+                  <a:schemeClr val="tx1"/>
+                </a:solidFill>
+                <a:latin typeface="Arial" charset="0"/>
+              </a:defRPr>
+            </a:lvl7pPr>
+            <a:lvl8pPr marL="3429000" indent="-228600" eaLnBrk="0" fontAlgn="base" hangingPunct="0">
+              <a:spcBef>
+                <a:spcPct val="50000"/>
+              </a:spcBef>
+              <a:spcAft>
+                <a:spcPct val="0"/>
+              </a:spcAft>
+              <a:defRPr sz="1000">
+                <a:solidFill>
+                  <a:schemeClr val="tx1"/>
+                </a:solidFill>
+                <a:latin typeface="Arial" charset="0"/>
+              </a:defRPr>
+            </a:lvl8pPr>
+            <a:lvl9pPr marL="3886200" indent="-228600" eaLnBrk="0" fontAlgn="base" hangingPunct="0">
+              <a:spcBef>
+                <a:spcPct val="50000"/>
+              </a:spcBef>
+              <a:spcAft>
+                <a:spcPct val="0"/>
+              </a:spcAft>
+              <a:defRPr sz="1000">
+                <a:solidFill>
+                  <a:schemeClr val="tx1"/>
+                </a:solidFill>
+                <a:latin typeface="Arial" charset="0"/>
+              </a:defRPr>
+            </a:lvl9pPr>
+          </a:lstStyle>
+          <a:p>
+            <a:r>
+              <a:rPr lang="en-GB" sz="1600" dirty="0">
+                <a:ea typeface="+mn-lt"/>
+                <a:cs typeface="+mn-lt"/>
+              </a:rPr>
+              <a:t>__main__</a:t>
+            </a:r>
+            <a:endParaRPr lang="en-US" sz="1600" dirty="0"/>
+          </a:p>
+        </p:txBody>
+      </p:sp>
+    </p:spTree>
+    <p:extLst>
+      <p:ext uri="{BB962C8B-B14F-4D97-AF65-F5344CB8AC3E}">
+        <p14:creationId xmlns:p14="http://schemas.microsoft.com/office/powerpoint/2010/main" val="4056441204"/>
+      </p:ext>
+    </p:extLst>
+  </p:cSld>
+  <p:clrMapOvr>
+    <a:masterClrMapping/>
+  </p:clrMapOvr>
+</p:sld>
+</file>
+
+<file path=ppt/slides/slide14.xml><?xml version="1.0" encoding="utf-8"?>
+<p:sld xmlns:a="http://schemas.openxmlformats.org/drawingml/2006/main" xmlns:r="http://schemas.openxmlformats.org/officeDocument/2006/relationships" xmlns:p="http://schemas.openxmlformats.org/presentationml/2006/main">
+  <p:cSld>
+    <p:spTree>
+      <p:nvGrpSpPr>
+        <p:cNvPr id="1" name=""/>
+        <p:cNvGrpSpPr/>
+        <p:nvPr/>
+      </p:nvGrpSpPr>
+      <p:grpSpPr>
+        <a:xfrm>
+          <a:off x="0" y="0"/>
+          <a:ext cx="0" cy="0"/>
+          <a:chOff x="0" y="0"/>
+          <a:chExt cx="0" cy="0"/>
+        </a:xfrm>
+      </p:grpSpPr>
+      <p:sp>
+        <p:nvSpPr>
           <p:cNvPr id="13314" name="Rectangle 2"/>
           <p:cNvSpPr>
             <a:spLocks noGrp="1" noChangeArrowheads="1"/>
@@ -29686,7 +29820,7 @@
               <a:t>Used by the </a:t>
             </a:r>
             <a:r>
-              <a:rPr lang="en-GB" sz="1800" err="1">
+              <a:rPr lang="en-GB" sz="1800" dirty="0" err="1">
                 <a:latin typeface="Montserrat"/>
               </a:rPr>
               <a:t>pydoc</a:t>
@@ -29756,6 +29890,13 @@
               <a:headEnd/>
               <a:tailEnd/>
             </a:ln>
+            <a:effectLst>
+              <a:outerShdw blurRad="50800" dist="38100" dir="2700000" algn="tl" rotWithShape="0">
+                <a:prstClr val="black">
+                  <a:alpha val="40000"/>
+                </a:prstClr>
+              </a:outerShdw>
+            </a:effectLst>
           </p:spPr>
           <p:txBody>
             <a:bodyPr wrap="none">
@@ -30561,1940 +30702,7 @@
 </p:sld>
 </file>
 
-<file path=ppt/slides/slide14.xml><?xml version="1.0" encoding="utf-8"?>
-<p:sld xmlns:a="http://schemas.openxmlformats.org/drawingml/2006/main" xmlns:r="http://schemas.openxmlformats.org/officeDocument/2006/relationships" xmlns:p="http://schemas.openxmlformats.org/presentationml/2006/main">
-  <p:cSld>
-    <p:spTree>
-      <p:nvGrpSpPr>
-        <p:cNvPr id="1" name=""/>
-        <p:cNvGrpSpPr/>
-        <p:nvPr/>
-      </p:nvGrpSpPr>
-      <p:grpSpPr>
-        <a:xfrm>
-          <a:off x="0" y="0"/>
-          <a:ext cx="0" cy="0"/>
-          <a:chOff x="0" y="0"/>
-          <a:chExt cx="0" cy="0"/>
-        </a:xfrm>
-      </p:grpSpPr>
-      <p:sp>
-        <p:nvSpPr>
-          <p:cNvPr id="2" name="Title 1"/>
-          <p:cNvSpPr>
-            <a:spLocks noGrp="1"/>
-          </p:cNvSpPr>
-          <p:nvPr>
-            <p:ph type="title"/>
-          </p:nvPr>
-        </p:nvSpPr>
-        <p:spPr/>
-        <p:txBody>
-          <a:bodyPr/>
-          <a:lstStyle/>
-          <a:p>
-            <a:r>
-              <a:rPr lang="en-GB" dirty="0" err="1"/>
-              <a:t>pydoc</a:t>
-            </a:r>
-            <a:endParaRPr lang="en-GB" dirty="0"/>
-          </a:p>
-        </p:txBody>
-      </p:sp>
-      <p:sp>
-        <p:nvSpPr>
-          <p:cNvPr id="3" name="Content Placeholder 2"/>
-          <p:cNvSpPr>
-            <a:spLocks noGrp="1"/>
-          </p:cNvSpPr>
-          <p:nvPr>
-            <p:ph idx="1"/>
-          </p:nvPr>
-        </p:nvSpPr>
-        <p:spPr/>
-        <p:txBody>
-          <a:bodyPr>
-            <a:normAutofit lnSpcReduction="10000"/>
-          </a:bodyPr>
-          <a:lstStyle/>
-          <a:p>
-            <a:r>
-              <a:rPr lang="en-GB" b="1" dirty="0"/>
-              <a:t>A module in the standard library, but often run as main</a:t>
-            </a:r>
-            <a:endParaRPr lang="en-US"/>
-          </a:p>
-          <a:p>
-            <a:pPr marL="457200" lvl="1" indent="-228600">
-              <a:buFont typeface="Arial" panose="020B0604020202020204" pitchFamily="34" charset="0"/>
-              <a:buChar char="•"/>
-            </a:pPr>
-            <a:r>
-              <a:rPr lang="en-GB" dirty="0"/>
-              <a:t>Not in a directory that is normally in </a:t>
-            </a:r>
-            <a:r>
-              <a:rPr lang="en-GB" dirty="0">
-                <a:latin typeface="Courier New" panose="02070309020205020404" pitchFamily="49" charset="0"/>
-                <a:cs typeface="Courier New" panose="02070309020205020404" pitchFamily="49" charset="0"/>
-              </a:rPr>
-              <a:t>%path%</a:t>
-            </a:r>
-            <a:r>
-              <a:rPr lang="en-GB" dirty="0"/>
-              <a:t> or </a:t>
-            </a:r>
-            <a:r>
-              <a:rPr lang="en-GB" dirty="0">
-                <a:latin typeface="Courier New" panose="02070309020205020404" pitchFamily="49" charset="0"/>
-                <a:cs typeface="Courier New" panose="02070309020205020404" pitchFamily="49" charset="0"/>
-              </a:rPr>
-              <a:t>$PATH</a:t>
-            </a:r>
-          </a:p>
-          <a:p>
-            <a:pPr marL="514350" lvl="1" indent="0">
-              <a:buNone/>
-            </a:pPr>
-            <a:endParaRPr lang="en-GB" dirty="0"/>
-          </a:p>
-          <a:p>
-            <a:pPr marL="514350" lvl="1" indent="0">
-              <a:buNone/>
-            </a:pPr>
-            <a:endParaRPr lang="en-GB" dirty="0"/>
-          </a:p>
-          <a:p>
-            <a:pPr lvl="1">
-              <a:buFont typeface="Arial" panose="020B0604020202020204" pitchFamily="34" charset="0"/>
-              <a:buChar char="•"/>
-            </a:pPr>
-            <a:r>
-              <a:rPr lang="en-GB" dirty="0"/>
-              <a:t>With no options, gives help text for a module or python script</a:t>
-            </a:r>
-          </a:p>
-          <a:p>
-            <a:pPr lvl="2"/>
-            <a:r>
-              <a:rPr lang="en-GB" sz="1800" dirty="0"/>
-              <a:t> Imports the python file as a module</a:t>
-            </a:r>
-          </a:p>
-          <a:p>
-            <a:pPr lvl="2"/>
-            <a:endParaRPr lang="en-GB" sz="800" dirty="0"/>
-          </a:p>
-          <a:p>
-            <a:pPr lvl="1"/>
-            <a:endParaRPr lang="en-GB" dirty="0"/>
-          </a:p>
-          <a:p>
-            <a:pPr lvl="1">
-              <a:buFont typeface="Arial" panose="020B0604020202020204" pitchFamily="34" charset="0"/>
-              <a:buChar char="•"/>
-            </a:pPr>
-            <a:r>
-              <a:rPr lang="en-GB" dirty="0"/>
-              <a:t>Can generate HTML help text</a:t>
-            </a:r>
-          </a:p>
-          <a:p>
-            <a:pPr lvl="1"/>
-            <a:endParaRPr lang="en-GB" sz="800" dirty="0"/>
-          </a:p>
-          <a:p>
-            <a:pPr lvl="1"/>
-            <a:endParaRPr lang="en-GB" dirty="0"/>
-          </a:p>
-          <a:p>
-            <a:pPr lvl="2"/>
-            <a:r>
-              <a:rPr lang="en-GB" sz="1800" dirty="0"/>
-              <a:t> Generates </a:t>
-            </a:r>
-            <a:r>
-              <a:rPr lang="en-GB" sz="1800" i="1" dirty="0"/>
-              <a:t>module-name</a:t>
-            </a:r>
-            <a:r>
-              <a:rPr lang="en-GB" sz="1800" dirty="0">
-                <a:latin typeface="Courier New" panose="02070309020205020404" pitchFamily="49" charset="0"/>
-              </a:rPr>
-              <a:t>.html</a:t>
-            </a:r>
-            <a:r>
-              <a:rPr lang="en-GB" sz="1800" dirty="0"/>
-              <a:t> in the current directory</a:t>
-            </a:r>
-          </a:p>
-          <a:p>
-            <a:pPr marL="342900" indent="-342900">
-              <a:buFont typeface="Arial" panose="020B0604020202020204" pitchFamily="34" charset="0"/>
-              <a:buChar char="•"/>
-            </a:pPr>
-            <a:r>
-              <a:rPr lang="en-GB" b="1" dirty="0">
-                <a:latin typeface="Montserrat"/>
-              </a:rPr>
-              <a:t>Can manage a browser based help system</a:t>
-            </a:r>
-          </a:p>
-          <a:p>
-            <a:pPr lvl="1">
-              <a:buFont typeface="Arial" panose="020B0604020202020204" pitchFamily="34" charset="0"/>
-              <a:buChar char="•"/>
-            </a:pPr>
-            <a:r>
-              <a:rPr lang="en-GB" dirty="0"/>
-              <a:t>See the -b option, and -k for keyword search</a:t>
-            </a:r>
-          </a:p>
-          <a:p>
-            <a:pPr lvl="1"/>
-            <a:endParaRPr lang="en-GB" dirty="0"/>
-          </a:p>
-        </p:txBody>
-      </p:sp>
-      <p:sp>
-        <p:nvSpPr>
-          <p:cNvPr id="4" name="TextBox 3"/>
-          <p:cNvSpPr txBox="1"/>
-          <p:nvPr/>
-        </p:nvSpPr>
-        <p:spPr>
-          <a:xfrm>
-            <a:off x="1808871" y="2036184"/>
-            <a:ext cx="5065810" cy="671979"/>
-          </a:xfrm>
-          <a:prstGeom prst="rect">
-            <a:avLst/>
-          </a:prstGeom>
-          <a:solidFill>
-            <a:schemeClr val="bg1">
-              <a:lumMod val="95000"/>
-            </a:schemeClr>
-          </a:solidFill>
-          <a:ln>
-            <a:solidFill>
-              <a:schemeClr val="tx1"/>
-            </a:solidFill>
-          </a:ln>
-        </p:spPr>
-        <p:txBody>
-          <a:bodyPr wrap="none" rtlCol="0">
-            <a:spAutoFit/>
-          </a:bodyPr>
-          <a:lstStyle/>
-          <a:p>
-            <a:pPr>
-              <a:spcBef>
-                <a:spcPts val="200"/>
-              </a:spcBef>
-            </a:pPr>
-            <a:r>
-              <a:rPr lang="en-GB" dirty="0">
-                <a:latin typeface="Courier New" panose="02070309020205020404" pitchFamily="49" charset="0"/>
-              </a:rPr>
-              <a:t>C:\&gt; </a:t>
-            </a:r>
-            <a:r>
-              <a:rPr lang="en-GB" b="1" dirty="0">
-                <a:latin typeface="Courier New" panose="02070309020205020404" pitchFamily="49" charset="0"/>
-              </a:rPr>
-              <a:t>%PYTHONPATH%\</a:t>
-            </a:r>
-            <a:r>
-              <a:rPr lang="en-GB" b="1" dirty="0" err="1">
-                <a:latin typeface="Courier New" panose="02070309020205020404" pitchFamily="49" charset="0"/>
-              </a:rPr>
-              <a:t>pydoc</a:t>
-            </a:r>
-            <a:endParaRPr lang="en-GB" b="1" dirty="0">
-              <a:latin typeface="Courier New" panose="02070309020205020404" pitchFamily="49" charset="0"/>
-            </a:endParaRPr>
-          </a:p>
-          <a:p>
-            <a:pPr>
-              <a:spcBef>
-                <a:spcPts val="200"/>
-              </a:spcBef>
-            </a:pPr>
-            <a:r>
-              <a:rPr lang="en-GB" dirty="0">
-                <a:latin typeface="Courier New" panose="02070309020205020404" pitchFamily="49" charset="0"/>
-              </a:rPr>
-              <a:t>$ </a:t>
-            </a:r>
-            <a:r>
-              <a:rPr lang="en-GB" b="1" dirty="0">
-                <a:latin typeface="Courier New" panose="02070309020205020404" pitchFamily="49" charset="0"/>
-              </a:rPr>
-              <a:t>/usr/local/lib/python3.4/pydoc.py</a:t>
-            </a:r>
-          </a:p>
-        </p:txBody>
-      </p:sp>
-      <p:sp>
-        <p:nvSpPr>
-          <p:cNvPr id="5" name="TextBox 4"/>
-          <p:cNvSpPr txBox="1"/>
-          <p:nvPr/>
-        </p:nvSpPr>
-        <p:spPr>
-          <a:xfrm>
-            <a:off x="1808871" y="3574268"/>
-            <a:ext cx="3616873" cy="369332"/>
-          </a:xfrm>
-          <a:prstGeom prst="rect">
-            <a:avLst/>
-          </a:prstGeom>
-          <a:solidFill>
-            <a:schemeClr val="bg1">
-              <a:lumMod val="95000"/>
-            </a:schemeClr>
-          </a:solidFill>
-          <a:ln>
-            <a:solidFill>
-              <a:schemeClr val="tx1"/>
-            </a:solidFill>
-          </a:ln>
-        </p:spPr>
-        <p:txBody>
-          <a:bodyPr wrap="square" rtlCol="0">
-            <a:spAutoFit/>
-          </a:bodyPr>
-          <a:lstStyle/>
-          <a:p>
-            <a:r>
-              <a:rPr lang="en-GB" dirty="0">
-                <a:latin typeface="Courier New" panose="02070309020205020404" pitchFamily="49" charset="0"/>
-              </a:rPr>
-              <a:t>pydoc.py </a:t>
-            </a:r>
-            <a:r>
-              <a:rPr lang="en-GB" i="1" dirty="0"/>
-              <a:t>module-name</a:t>
-            </a:r>
-          </a:p>
-        </p:txBody>
-      </p:sp>
-      <p:sp>
-        <p:nvSpPr>
-          <p:cNvPr id="6" name="TextBox 5"/>
-          <p:cNvSpPr txBox="1"/>
-          <p:nvPr/>
-        </p:nvSpPr>
-        <p:spPr>
-          <a:xfrm>
-            <a:off x="1813950" y="4502274"/>
-            <a:ext cx="3606713" cy="369332"/>
-          </a:xfrm>
-          <a:prstGeom prst="rect">
-            <a:avLst/>
-          </a:prstGeom>
-          <a:solidFill>
-            <a:schemeClr val="bg1">
-              <a:lumMod val="95000"/>
-            </a:schemeClr>
-          </a:solidFill>
-          <a:ln>
-            <a:solidFill>
-              <a:schemeClr val="tx1"/>
-            </a:solidFill>
-          </a:ln>
-        </p:spPr>
-        <p:txBody>
-          <a:bodyPr wrap="square" rtlCol="0">
-            <a:spAutoFit/>
-          </a:bodyPr>
-          <a:lstStyle/>
-          <a:p>
-            <a:r>
-              <a:rPr lang="en-GB" dirty="0">
-                <a:latin typeface="Courier New" panose="02070309020205020404" pitchFamily="49" charset="0"/>
-              </a:rPr>
-              <a:t>pydoc.py -w </a:t>
-            </a:r>
-            <a:r>
-              <a:rPr lang="en-GB" i="1" dirty="0"/>
-              <a:t>module-name</a:t>
-            </a:r>
-          </a:p>
-        </p:txBody>
-      </p:sp>
-    </p:spTree>
-    <p:extLst>
-      <p:ext uri="{BB962C8B-B14F-4D97-AF65-F5344CB8AC3E}">
-        <p14:creationId xmlns:p14="http://schemas.microsoft.com/office/powerpoint/2010/main" val="2820022184"/>
-      </p:ext>
-    </p:extLst>
-  </p:cSld>
-  <p:clrMapOvr>
-    <a:masterClrMapping/>
-  </p:clrMapOvr>
-</p:sld>
-</file>
-
 <file path=ppt/slides/slide15.xml><?xml version="1.0" encoding="utf-8"?>
-<p:sld xmlns:a="http://schemas.openxmlformats.org/drawingml/2006/main" xmlns:r="http://schemas.openxmlformats.org/officeDocument/2006/relationships" xmlns:p="http://schemas.openxmlformats.org/presentationml/2006/main">
-  <p:cSld>
-    <p:spTree>
-      <p:nvGrpSpPr>
-        <p:cNvPr id="1" name=""/>
-        <p:cNvGrpSpPr/>
-        <p:nvPr/>
-      </p:nvGrpSpPr>
-      <p:grpSpPr>
-        <a:xfrm>
-          <a:off x="0" y="0"/>
-          <a:ext cx="0" cy="0"/>
-          <a:chOff x="0" y="0"/>
-          <a:chExt cx="0" cy="0"/>
-        </a:xfrm>
-      </p:grpSpPr>
-      <p:sp>
-        <p:nvSpPr>
-          <p:cNvPr id="14338" name="Rectangle 2"/>
-          <p:cNvSpPr>
-            <a:spLocks noGrp="1" noChangeArrowheads="1"/>
-          </p:cNvSpPr>
-          <p:nvPr>
-            <p:ph type="title"/>
-          </p:nvPr>
-        </p:nvSpPr>
-        <p:spPr/>
-        <p:txBody>
-          <a:bodyPr/>
-          <a:lstStyle/>
-          <a:p>
-            <a:pPr eaLnBrk="1" hangingPunct="1"/>
-            <a:r>
-              <a:rPr lang="en-GB" dirty="0"/>
-              <a:t>Testing a module</a:t>
-            </a:r>
-          </a:p>
-        </p:txBody>
-      </p:sp>
-      <p:sp>
-        <p:nvSpPr>
-          <p:cNvPr id="14339" name="Rectangle 3"/>
-          <p:cNvSpPr>
-            <a:spLocks noGrp="1" noChangeArrowheads="1"/>
-          </p:cNvSpPr>
-          <p:nvPr>
-            <p:ph idx="1"/>
-          </p:nvPr>
-        </p:nvSpPr>
-        <p:spPr/>
-        <p:txBody>
-          <a:bodyPr/>
-          <a:lstStyle/>
-          <a:p>
-            <a:r>
-              <a:rPr lang="en-GB" b="1" dirty="0"/>
-              <a:t>Run a module as a main program</a:t>
-            </a:r>
-          </a:p>
-          <a:p>
-            <a:endParaRPr lang="en-GB" dirty="0"/>
-          </a:p>
-          <a:p>
-            <a:pPr lvl="1"/>
-            <a:endParaRPr lang="en-GB" dirty="0"/>
-          </a:p>
-          <a:p>
-            <a:pPr lvl="1"/>
-            <a:endParaRPr lang="en-GB" dirty="0"/>
-          </a:p>
-          <a:p>
-            <a:r>
-              <a:rPr lang="en-GB" b="1" dirty="0"/>
-              <a:t>Testing is built into Python</a:t>
-            </a:r>
-          </a:p>
-          <a:p>
-            <a:pPr lvl="1">
-              <a:buFont typeface="Arial" panose="020B0604020202020204" pitchFamily="34" charset="0"/>
-              <a:buChar char="•"/>
-            </a:pPr>
-            <a:r>
-              <a:rPr lang="en-GB" dirty="0"/>
-              <a:t>Searches for </a:t>
-            </a:r>
-            <a:r>
-              <a:rPr lang="en-GB" dirty="0" err="1"/>
-              <a:t>docstrings</a:t>
-            </a:r>
-            <a:r>
-              <a:rPr lang="en-GB" dirty="0"/>
-              <a:t> containing interactive sessions</a:t>
-            </a:r>
-          </a:p>
-          <a:p>
-            <a:pPr lvl="1"/>
-            <a:endParaRPr lang="en-GB" dirty="0"/>
-          </a:p>
-          <a:p>
-            <a:pPr lvl="1"/>
-            <a:endParaRPr lang="en-GB" dirty="0"/>
-          </a:p>
-          <a:p>
-            <a:endParaRPr lang="en-GB" dirty="0"/>
-          </a:p>
-          <a:p>
-            <a:endParaRPr lang="en-GB" dirty="0"/>
-          </a:p>
-          <a:p>
-            <a:pPr lvl="1"/>
-            <a:endParaRPr lang="en-GB" dirty="0"/>
-          </a:p>
-          <a:p>
-            <a:endParaRPr lang="en-GB" dirty="0"/>
-          </a:p>
-          <a:p>
-            <a:r>
-              <a:rPr lang="en-GB" b="1" dirty="0"/>
-              <a:t>Run with the -v option</a:t>
-            </a:r>
-          </a:p>
-        </p:txBody>
-      </p:sp>
-      <p:sp>
-        <p:nvSpPr>
-          <p:cNvPr id="14340" name="Text Box 4"/>
-          <p:cNvSpPr txBox="1">
-            <a:spLocks noChangeArrowheads="1"/>
-          </p:cNvSpPr>
-          <p:nvPr/>
-        </p:nvSpPr>
-        <p:spPr bwMode="auto">
-          <a:xfrm>
-            <a:off x="1048778" y="1801021"/>
-            <a:ext cx="7964488" cy="925512"/>
-          </a:xfrm>
-          <a:prstGeom prst="rect">
-            <a:avLst/>
-          </a:prstGeom>
-          <a:solidFill>
-            <a:schemeClr val="tx2">
-              <a:lumMod val="20000"/>
-              <a:lumOff val="80000"/>
-            </a:schemeClr>
-          </a:solidFill>
-          <a:ln w="9525">
-            <a:solidFill>
-              <a:schemeClr val="tx1"/>
-            </a:solidFill>
-            <a:miter lim="800000"/>
-            <a:headEnd/>
-            <a:tailEnd/>
-          </a:ln>
-          <a:effectLst/>
-        </p:spPr>
-        <p:txBody>
-          <a:bodyPr>
-            <a:spAutoFit/>
-          </a:bodyPr>
-          <a:lstStyle>
-            <a:lvl1pPr>
-              <a:defRPr sz="1000">
-                <a:solidFill>
-                  <a:schemeClr val="tx1"/>
-                </a:solidFill>
-                <a:latin typeface="Arial" charset="0"/>
-              </a:defRPr>
-            </a:lvl1pPr>
-            <a:lvl2pPr marL="742950" indent="-285750">
-              <a:defRPr sz="1000">
-                <a:solidFill>
-                  <a:schemeClr val="tx1"/>
-                </a:solidFill>
-                <a:latin typeface="Arial" charset="0"/>
-              </a:defRPr>
-            </a:lvl2pPr>
-            <a:lvl3pPr marL="1143000" indent="-228600">
-              <a:defRPr sz="1000">
-                <a:solidFill>
-                  <a:schemeClr val="tx1"/>
-                </a:solidFill>
-                <a:latin typeface="Arial" charset="0"/>
-              </a:defRPr>
-            </a:lvl3pPr>
-            <a:lvl4pPr marL="1600200" indent="-228600">
-              <a:defRPr sz="1000">
-                <a:solidFill>
-                  <a:schemeClr val="tx1"/>
-                </a:solidFill>
-                <a:latin typeface="Arial" charset="0"/>
-              </a:defRPr>
-            </a:lvl4pPr>
-            <a:lvl5pPr marL="2057400" indent="-228600">
-              <a:defRPr sz="1000">
-                <a:solidFill>
-                  <a:schemeClr val="tx1"/>
-                </a:solidFill>
-                <a:latin typeface="Arial" charset="0"/>
-              </a:defRPr>
-            </a:lvl5pPr>
-            <a:lvl6pPr marL="2514600" indent="-228600" eaLnBrk="0" fontAlgn="base" hangingPunct="0">
-              <a:spcBef>
-                <a:spcPct val="50000"/>
-              </a:spcBef>
-              <a:spcAft>
-                <a:spcPct val="0"/>
-              </a:spcAft>
-              <a:defRPr sz="1000">
-                <a:solidFill>
-                  <a:schemeClr val="tx1"/>
-                </a:solidFill>
-                <a:latin typeface="Arial" charset="0"/>
-              </a:defRPr>
-            </a:lvl6pPr>
-            <a:lvl7pPr marL="2971800" indent="-228600" eaLnBrk="0" fontAlgn="base" hangingPunct="0">
-              <a:spcBef>
-                <a:spcPct val="50000"/>
-              </a:spcBef>
-              <a:spcAft>
-                <a:spcPct val="0"/>
-              </a:spcAft>
-              <a:defRPr sz="1000">
-                <a:solidFill>
-                  <a:schemeClr val="tx1"/>
-                </a:solidFill>
-                <a:latin typeface="Arial" charset="0"/>
-              </a:defRPr>
-            </a:lvl7pPr>
-            <a:lvl8pPr marL="3429000" indent="-228600" eaLnBrk="0" fontAlgn="base" hangingPunct="0">
-              <a:spcBef>
-                <a:spcPct val="50000"/>
-              </a:spcBef>
-              <a:spcAft>
-                <a:spcPct val="0"/>
-              </a:spcAft>
-              <a:defRPr sz="1000">
-                <a:solidFill>
-                  <a:schemeClr val="tx1"/>
-                </a:solidFill>
-                <a:latin typeface="Arial" charset="0"/>
-              </a:defRPr>
-            </a:lvl8pPr>
-            <a:lvl9pPr marL="3886200" indent="-228600" eaLnBrk="0" fontAlgn="base" hangingPunct="0">
-              <a:spcBef>
-                <a:spcPct val="50000"/>
-              </a:spcBef>
-              <a:spcAft>
-                <a:spcPct val="0"/>
-              </a:spcAft>
-              <a:defRPr sz="1000">
-                <a:solidFill>
-                  <a:schemeClr val="tx1"/>
-                </a:solidFill>
-                <a:latin typeface="Arial" charset="0"/>
-              </a:defRPr>
-            </a:lvl9pPr>
-          </a:lstStyle>
-          <a:p>
-            <a:pPr>
-              <a:spcBef>
-                <a:spcPct val="0"/>
-              </a:spcBef>
-            </a:pPr>
-            <a:r>
-              <a:rPr lang="en-US" sz="1800" dirty="0">
-                <a:latin typeface="Courier New" panose="02070309020205020404" pitchFamily="49" charset="0"/>
-              </a:rPr>
-              <a:t>if __name__ == "__main__":</a:t>
-            </a:r>
-          </a:p>
-          <a:p>
-            <a:pPr>
-              <a:spcBef>
-                <a:spcPct val="0"/>
-              </a:spcBef>
-            </a:pPr>
-            <a:r>
-              <a:rPr lang="en-US" sz="1800" dirty="0">
-                <a:latin typeface="Courier New" panose="02070309020205020404" pitchFamily="49" charset="0"/>
-              </a:rPr>
-              <a:t>    import </a:t>
-            </a:r>
-            <a:r>
-              <a:rPr lang="en-US" sz="1800" dirty="0" err="1">
-                <a:latin typeface="Courier New" panose="02070309020205020404" pitchFamily="49" charset="0"/>
-              </a:rPr>
-              <a:t>doctest</a:t>
-            </a:r>
-            <a:endParaRPr lang="en-US" sz="1800" dirty="0">
-              <a:latin typeface="Courier New" panose="02070309020205020404" pitchFamily="49" charset="0"/>
-            </a:endParaRPr>
-          </a:p>
-          <a:p>
-            <a:pPr>
-              <a:spcBef>
-                <a:spcPct val="0"/>
-              </a:spcBef>
-            </a:pPr>
-            <a:r>
-              <a:rPr lang="en-US" sz="1800" dirty="0">
-                <a:latin typeface="Courier New" panose="02070309020205020404" pitchFamily="49" charset="0"/>
-              </a:rPr>
-              <a:t>    </a:t>
-            </a:r>
-            <a:r>
-              <a:rPr lang="en-US" sz="1800" dirty="0" err="1">
-                <a:latin typeface="Courier New" panose="02070309020205020404" pitchFamily="49" charset="0"/>
-              </a:rPr>
-              <a:t>doctest.testmod</a:t>
-            </a:r>
-            <a:r>
-              <a:rPr lang="en-US" sz="1800" dirty="0">
-                <a:latin typeface="Courier New" panose="02070309020205020404" pitchFamily="49" charset="0"/>
-              </a:rPr>
-              <a:t>()</a:t>
-            </a:r>
-            <a:endParaRPr lang="en-GB" sz="1800" dirty="0">
-              <a:latin typeface="Courier New" panose="02070309020205020404" pitchFamily="49" charset="0"/>
-            </a:endParaRPr>
-          </a:p>
-        </p:txBody>
-      </p:sp>
-      <p:sp>
-        <p:nvSpPr>
-          <p:cNvPr id="14341" name="Text Box 6"/>
-          <p:cNvSpPr txBox="1">
-            <a:spLocks noChangeArrowheads="1"/>
-          </p:cNvSpPr>
-          <p:nvPr/>
-        </p:nvSpPr>
-        <p:spPr bwMode="auto">
-          <a:xfrm>
-            <a:off x="1048778" y="3744968"/>
-            <a:ext cx="4227512" cy="2057400"/>
-          </a:xfrm>
-          <a:prstGeom prst="rect">
-            <a:avLst/>
-          </a:prstGeom>
-          <a:solidFill>
-            <a:schemeClr val="tx2">
-              <a:lumMod val="20000"/>
-              <a:lumOff val="80000"/>
-            </a:schemeClr>
-          </a:solidFill>
-          <a:ln w="9525">
-            <a:solidFill>
-              <a:schemeClr val="tx1"/>
-            </a:solidFill>
-            <a:miter lim="800000"/>
-            <a:headEnd/>
-            <a:tailEnd/>
-          </a:ln>
-          <a:effectLst/>
-        </p:spPr>
-        <p:txBody>
-          <a:bodyPr wrap="none">
-            <a:spAutoFit/>
-          </a:bodyPr>
-          <a:lstStyle>
-            <a:lvl1pPr>
-              <a:defRPr sz="1000">
-                <a:solidFill>
-                  <a:schemeClr val="tx1"/>
-                </a:solidFill>
-                <a:latin typeface="Arial" charset="0"/>
-              </a:defRPr>
-            </a:lvl1pPr>
-            <a:lvl2pPr marL="742950" indent="-285750">
-              <a:defRPr sz="1000">
-                <a:solidFill>
-                  <a:schemeClr val="tx1"/>
-                </a:solidFill>
-                <a:latin typeface="Arial" charset="0"/>
-              </a:defRPr>
-            </a:lvl2pPr>
-            <a:lvl3pPr marL="1143000" indent="-228600">
-              <a:defRPr sz="1000">
-                <a:solidFill>
-                  <a:schemeClr val="tx1"/>
-                </a:solidFill>
-                <a:latin typeface="Arial" charset="0"/>
-              </a:defRPr>
-            </a:lvl3pPr>
-            <a:lvl4pPr marL="1600200" indent="-228600">
-              <a:defRPr sz="1000">
-                <a:solidFill>
-                  <a:schemeClr val="tx1"/>
-                </a:solidFill>
-                <a:latin typeface="Arial" charset="0"/>
-              </a:defRPr>
-            </a:lvl4pPr>
-            <a:lvl5pPr marL="2057400" indent="-228600">
-              <a:defRPr sz="1000">
-                <a:solidFill>
-                  <a:schemeClr val="tx1"/>
-                </a:solidFill>
-                <a:latin typeface="Arial" charset="0"/>
-              </a:defRPr>
-            </a:lvl5pPr>
-            <a:lvl6pPr marL="2514600" indent="-228600" eaLnBrk="0" fontAlgn="base" hangingPunct="0">
-              <a:spcBef>
-                <a:spcPct val="50000"/>
-              </a:spcBef>
-              <a:spcAft>
-                <a:spcPct val="0"/>
-              </a:spcAft>
-              <a:defRPr sz="1000">
-                <a:solidFill>
-                  <a:schemeClr val="tx1"/>
-                </a:solidFill>
-                <a:latin typeface="Arial" charset="0"/>
-              </a:defRPr>
-            </a:lvl6pPr>
-            <a:lvl7pPr marL="2971800" indent="-228600" eaLnBrk="0" fontAlgn="base" hangingPunct="0">
-              <a:spcBef>
-                <a:spcPct val="50000"/>
-              </a:spcBef>
-              <a:spcAft>
-                <a:spcPct val="0"/>
-              </a:spcAft>
-              <a:defRPr sz="1000">
-                <a:solidFill>
-                  <a:schemeClr val="tx1"/>
-                </a:solidFill>
-                <a:latin typeface="Arial" charset="0"/>
-              </a:defRPr>
-            </a:lvl7pPr>
-            <a:lvl8pPr marL="3429000" indent="-228600" eaLnBrk="0" fontAlgn="base" hangingPunct="0">
-              <a:spcBef>
-                <a:spcPct val="50000"/>
-              </a:spcBef>
-              <a:spcAft>
-                <a:spcPct val="0"/>
-              </a:spcAft>
-              <a:defRPr sz="1000">
-                <a:solidFill>
-                  <a:schemeClr val="tx1"/>
-                </a:solidFill>
-                <a:latin typeface="Arial" charset="0"/>
-              </a:defRPr>
-            </a:lvl8pPr>
-            <a:lvl9pPr marL="3886200" indent="-228600" eaLnBrk="0" fontAlgn="base" hangingPunct="0">
-              <a:spcBef>
-                <a:spcPct val="50000"/>
-              </a:spcBef>
-              <a:spcAft>
-                <a:spcPct val="0"/>
-              </a:spcAft>
-              <a:defRPr sz="1000">
-                <a:solidFill>
-                  <a:schemeClr val="tx1"/>
-                </a:solidFill>
-                <a:latin typeface="Arial" charset="0"/>
-              </a:defRPr>
-            </a:lvl9pPr>
-          </a:lstStyle>
-          <a:p>
-            <a:pPr>
-              <a:spcBef>
-                <a:spcPct val="0"/>
-              </a:spcBef>
-            </a:pPr>
-            <a:r>
-              <a:rPr lang="en-GB" sz="1600" dirty="0">
-                <a:latin typeface="Courier New" panose="02070309020205020404" pitchFamily="49" charset="0"/>
-              </a:rPr>
-              <a:t>"""</a:t>
-            </a:r>
-          </a:p>
-          <a:p>
-            <a:pPr>
-              <a:spcBef>
-                <a:spcPct val="0"/>
-              </a:spcBef>
-            </a:pPr>
-            <a:r>
-              <a:rPr lang="en-GB" sz="1600" dirty="0">
-                <a:latin typeface="Courier New" panose="02070309020205020404" pitchFamily="49" charset="0"/>
-              </a:rPr>
-              <a:t>    This is a sample module which</a:t>
-            </a:r>
-          </a:p>
-          <a:p>
-            <a:pPr>
-              <a:spcBef>
-                <a:spcPct val="0"/>
-              </a:spcBef>
-            </a:pPr>
-            <a:r>
-              <a:rPr lang="en-GB" sz="1600" dirty="0">
-                <a:latin typeface="Courier New" panose="02070309020205020404" pitchFamily="49" charset="0"/>
-              </a:rPr>
-              <a:t>    does various date operations.</a:t>
-            </a:r>
-          </a:p>
-          <a:p>
-            <a:pPr>
-              <a:spcBef>
-                <a:spcPct val="0"/>
-              </a:spcBef>
-            </a:pPr>
-            <a:r>
-              <a:rPr lang="en-GB" sz="1600" dirty="0">
-                <a:latin typeface="Courier New" panose="02070309020205020404" pitchFamily="49" charset="0"/>
-              </a:rPr>
-              <a:t>       </a:t>
-            </a:r>
-          </a:p>
-          <a:p>
-            <a:pPr>
-              <a:spcBef>
-                <a:spcPct val="0"/>
-              </a:spcBef>
-            </a:pPr>
-            <a:r>
-              <a:rPr lang="en-GB" sz="1600" dirty="0">
-                <a:latin typeface="Courier New" panose="02070309020205020404" pitchFamily="49" charset="0"/>
-              </a:rPr>
-              <a:t>    &gt;&gt;&gt; today = Date(13,12,1949)</a:t>
-            </a:r>
-          </a:p>
-          <a:p>
-            <a:pPr>
-              <a:spcBef>
-                <a:spcPct val="0"/>
-              </a:spcBef>
-            </a:pPr>
-            <a:r>
-              <a:rPr lang="en-GB" sz="1600" dirty="0">
-                <a:latin typeface="Courier New" panose="02070309020205020404" pitchFamily="49" charset="0"/>
-              </a:rPr>
-              <a:t>    &gt;&gt;&gt; print(today)</a:t>
-            </a:r>
-          </a:p>
-          <a:p>
-            <a:pPr>
-              <a:spcBef>
-                <a:spcPct val="0"/>
-              </a:spcBef>
-            </a:pPr>
-            <a:r>
-              <a:rPr lang="en-GB" sz="1600" dirty="0">
-                <a:latin typeface="Courier New" panose="02070309020205020404" pitchFamily="49" charset="0"/>
-              </a:rPr>
-              <a:t>    13/12/1949</a:t>
-            </a:r>
-          </a:p>
-          <a:p>
-            <a:pPr>
-              <a:spcBef>
-                <a:spcPct val="0"/>
-              </a:spcBef>
-            </a:pPr>
-            <a:r>
-              <a:rPr lang="en-GB" sz="1600" dirty="0">
-                <a:latin typeface="Courier New" panose="02070309020205020404" pitchFamily="49" charset="0"/>
-              </a:rPr>
-              <a:t>"""</a:t>
-            </a:r>
-          </a:p>
-        </p:txBody>
-      </p:sp>
-      <p:sp>
-        <p:nvSpPr>
-          <p:cNvPr id="14342" name="Text Box 7"/>
-          <p:cNvSpPr txBox="1">
-            <a:spLocks noChangeArrowheads="1"/>
-          </p:cNvSpPr>
-          <p:nvPr/>
-        </p:nvSpPr>
-        <p:spPr bwMode="auto">
-          <a:xfrm>
-            <a:off x="5576023" y="3741448"/>
-            <a:ext cx="3963393" cy="3035300"/>
-          </a:xfrm>
-          <a:prstGeom prst="rect">
-            <a:avLst/>
-          </a:prstGeom>
-          <a:solidFill>
-            <a:schemeClr val="accent2"/>
-          </a:solidFill>
-          <a:ln w="9525">
-            <a:solidFill>
-              <a:schemeClr val="tx1"/>
-            </a:solidFill>
-            <a:miter lim="800000"/>
-            <a:headEnd/>
-            <a:tailEnd/>
-          </a:ln>
-        </p:spPr>
-        <p:txBody>
-          <a:bodyPr wrap="square">
-            <a:spAutoFit/>
-          </a:bodyPr>
-          <a:lstStyle>
-            <a:lvl1pPr>
-              <a:defRPr sz="1000">
-                <a:solidFill>
-                  <a:schemeClr val="tx1"/>
-                </a:solidFill>
-                <a:latin typeface="Arial" charset="0"/>
-              </a:defRPr>
-            </a:lvl1pPr>
-            <a:lvl2pPr marL="742950" indent="-285750">
-              <a:defRPr sz="1000">
-                <a:solidFill>
-                  <a:schemeClr val="tx1"/>
-                </a:solidFill>
-                <a:latin typeface="Arial" charset="0"/>
-              </a:defRPr>
-            </a:lvl2pPr>
-            <a:lvl3pPr marL="1143000" indent="-228600">
-              <a:defRPr sz="1000">
-                <a:solidFill>
-                  <a:schemeClr val="tx1"/>
-                </a:solidFill>
-                <a:latin typeface="Arial" charset="0"/>
-              </a:defRPr>
-            </a:lvl3pPr>
-            <a:lvl4pPr marL="1600200" indent="-228600">
-              <a:defRPr sz="1000">
-                <a:solidFill>
-                  <a:schemeClr val="tx1"/>
-                </a:solidFill>
-                <a:latin typeface="Arial" charset="0"/>
-              </a:defRPr>
-            </a:lvl4pPr>
-            <a:lvl5pPr marL="2057400" indent="-228600">
-              <a:defRPr sz="1000">
-                <a:solidFill>
-                  <a:schemeClr val="tx1"/>
-                </a:solidFill>
-                <a:latin typeface="Arial" charset="0"/>
-              </a:defRPr>
-            </a:lvl5pPr>
-            <a:lvl6pPr marL="2514600" indent="-228600" eaLnBrk="0" fontAlgn="base" hangingPunct="0">
-              <a:spcBef>
-                <a:spcPct val="50000"/>
-              </a:spcBef>
-              <a:spcAft>
-                <a:spcPct val="0"/>
-              </a:spcAft>
-              <a:defRPr sz="1000">
-                <a:solidFill>
-                  <a:schemeClr val="tx1"/>
-                </a:solidFill>
-                <a:latin typeface="Arial" charset="0"/>
-              </a:defRPr>
-            </a:lvl6pPr>
-            <a:lvl7pPr marL="2971800" indent="-228600" eaLnBrk="0" fontAlgn="base" hangingPunct="0">
-              <a:spcBef>
-                <a:spcPct val="50000"/>
-              </a:spcBef>
-              <a:spcAft>
-                <a:spcPct val="0"/>
-              </a:spcAft>
-              <a:defRPr sz="1000">
-                <a:solidFill>
-                  <a:schemeClr val="tx1"/>
-                </a:solidFill>
-                <a:latin typeface="Arial" charset="0"/>
-              </a:defRPr>
-            </a:lvl7pPr>
-            <a:lvl8pPr marL="3429000" indent="-228600" eaLnBrk="0" fontAlgn="base" hangingPunct="0">
-              <a:spcBef>
-                <a:spcPct val="50000"/>
-              </a:spcBef>
-              <a:spcAft>
-                <a:spcPct val="0"/>
-              </a:spcAft>
-              <a:defRPr sz="1000">
-                <a:solidFill>
-                  <a:schemeClr val="tx1"/>
-                </a:solidFill>
-                <a:latin typeface="Arial" charset="0"/>
-              </a:defRPr>
-            </a:lvl8pPr>
-            <a:lvl9pPr marL="3886200" indent="-228600" eaLnBrk="0" fontAlgn="base" hangingPunct="0">
-              <a:spcBef>
-                <a:spcPct val="50000"/>
-              </a:spcBef>
-              <a:spcAft>
-                <a:spcPct val="0"/>
-              </a:spcAft>
-              <a:defRPr sz="1000">
-                <a:solidFill>
-                  <a:schemeClr val="tx1"/>
-                </a:solidFill>
-                <a:latin typeface="Arial" charset="0"/>
-              </a:defRPr>
-            </a:lvl9pPr>
-          </a:lstStyle>
-          <a:p>
-            <a:pPr>
-              <a:spcBef>
-                <a:spcPct val="0"/>
-              </a:spcBef>
-            </a:pPr>
-            <a:r>
-              <a:rPr lang="en-GB" sz="1600" dirty="0">
-                <a:latin typeface="Courier New" panose="02070309020205020404" pitchFamily="49" charset="0"/>
-              </a:rPr>
-              <a:t>$ </a:t>
-            </a:r>
-            <a:r>
-              <a:rPr lang="en-GB" sz="1600" b="1" dirty="0">
-                <a:latin typeface="Courier New" panose="02070309020205020404" pitchFamily="49" charset="0"/>
-              </a:rPr>
-              <a:t>date.py -v</a:t>
-            </a:r>
-          </a:p>
-          <a:p>
-            <a:pPr>
-              <a:spcBef>
-                <a:spcPct val="0"/>
-              </a:spcBef>
-            </a:pPr>
-            <a:r>
-              <a:rPr lang="en-GB" sz="1600" dirty="0">
-                <a:latin typeface="Courier New" panose="02070309020205020404" pitchFamily="49" charset="0"/>
-              </a:rPr>
-              <a:t>Trying:</a:t>
-            </a:r>
-          </a:p>
-          <a:p>
-            <a:pPr>
-              <a:spcBef>
-                <a:spcPct val="0"/>
-              </a:spcBef>
-            </a:pPr>
-            <a:r>
-              <a:rPr lang="en-GB" sz="1600" dirty="0">
-                <a:latin typeface="Courier New" panose="02070309020205020404" pitchFamily="49" charset="0"/>
-              </a:rPr>
-              <a:t>    today = Date(13,12,1949)</a:t>
-            </a:r>
-          </a:p>
-          <a:p>
-            <a:pPr>
-              <a:spcBef>
-                <a:spcPct val="0"/>
-              </a:spcBef>
-            </a:pPr>
-            <a:r>
-              <a:rPr lang="en-GB" sz="1600" dirty="0">
-                <a:latin typeface="Courier New" panose="02070309020205020404" pitchFamily="49" charset="0"/>
-              </a:rPr>
-              <a:t>Expecting nothing</a:t>
-            </a:r>
-          </a:p>
-          <a:p>
-            <a:pPr>
-              <a:spcBef>
-                <a:spcPct val="0"/>
-              </a:spcBef>
-            </a:pPr>
-            <a:r>
-              <a:rPr lang="en-GB" sz="1600" dirty="0">
-                <a:latin typeface="Courier New" panose="02070309020205020404" pitchFamily="49" charset="0"/>
-              </a:rPr>
-              <a:t>ok</a:t>
-            </a:r>
-          </a:p>
-          <a:p>
-            <a:pPr>
-              <a:spcBef>
-                <a:spcPct val="0"/>
-              </a:spcBef>
-            </a:pPr>
-            <a:r>
-              <a:rPr lang="en-GB" sz="1600" dirty="0">
-                <a:latin typeface="Courier New" panose="02070309020205020404" pitchFamily="49" charset="0"/>
-              </a:rPr>
-              <a:t>Trying:</a:t>
-            </a:r>
-          </a:p>
-          <a:p>
-            <a:pPr>
-              <a:spcBef>
-                <a:spcPct val="0"/>
-              </a:spcBef>
-            </a:pPr>
-            <a:r>
-              <a:rPr lang="en-GB" sz="1600" dirty="0">
-                <a:latin typeface="Courier New" panose="02070309020205020404" pitchFamily="49" charset="0"/>
-              </a:rPr>
-              <a:t>    print (today)</a:t>
-            </a:r>
-          </a:p>
-          <a:p>
-            <a:pPr>
-              <a:spcBef>
-                <a:spcPct val="0"/>
-              </a:spcBef>
-            </a:pPr>
-            <a:r>
-              <a:rPr lang="en-GB" sz="1600" dirty="0">
-                <a:latin typeface="Courier New" panose="02070309020205020404" pitchFamily="49" charset="0"/>
-              </a:rPr>
-              <a:t>Expecting:</a:t>
-            </a:r>
-          </a:p>
-          <a:p>
-            <a:pPr>
-              <a:spcBef>
-                <a:spcPct val="0"/>
-              </a:spcBef>
-            </a:pPr>
-            <a:r>
-              <a:rPr lang="en-GB" sz="1600" dirty="0">
-                <a:latin typeface="Courier New" panose="02070309020205020404" pitchFamily="49" charset="0"/>
-              </a:rPr>
-              <a:t>    13/12/1949</a:t>
-            </a:r>
-          </a:p>
-          <a:p>
-            <a:pPr>
-              <a:spcBef>
-                <a:spcPct val="0"/>
-              </a:spcBef>
-            </a:pPr>
-            <a:r>
-              <a:rPr lang="en-GB" sz="1600" dirty="0">
-                <a:latin typeface="Courier New" panose="02070309020205020404" pitchFamily="49" charset="0"/>
-              </a:rPr>
-              <a:t>ok</a:t>
-            </a:r>
-          </a:p>
-          <a:p>
-            <a:pPr>
-              <a:spcBef>
-                <a:spcPct val="0"/>
-              </a:spcBef>
-            </a:pPr>
-            <a:r>
-              <a:rPr lang="en-GB" sz="1600" dirty="0">
-                <a:latin typeface="Courier New" panose="02070309020205020404" pitchFamily="49" charset="0"/>
-              </a:rPr>
-              <a:t>...</a:t>
-            </a:r>
-          </a:p>
-          <a:p>
-            <a:pPr>
-              <a:spcBef>
-                <a:spcPct val="0"/>
-              </a:spcBef>
-            </a:pPr>
-            <a:r>
-              <a:rPr lang="en-GB" sz="1600" dirty="0">
-                <a:latin typeface="Courier New" panose="02070309020205020404" pitchFamily="49" charset="0"/>
-              </a:rPr>
-              <a:t>Test passed.</a:t>
-            </a:r>
-          </a:p>
-        </p:txBody>
-      </p:sp>
-    </p:spTree>
-    <p:extLst>
-      <p:ext uri="{BB962C8B-B14F-4D97-AF65-F5344CB8AC3E}">
-        <p14:creationId xmlns:p14="http://schemas.microsoft.com/office/powerpoint/2010/main" val="3968388398"/>
-      </p:ext>
-    </p:extLst>
-  </p:cSld>
-  <p:clrMapOvr>
-    <a:masterClrMapping/>
-  </p:clrMapOvr>
-</p:sld>
-</file>
-
-<file path=ppt/slides/slide16.xml><?xml version="1.0" encoding="utf-8"?>
-<p:sld xmlns:a="http://schemas.openxmlformats.org/drawingml/2006/main" xmlns:r="http://schemas.openxmlformats.org/officeDocument/2006/relationships" xmlns:p="http://schemas.openxmlformats.org/presentationml/2006/main">
-  <p:cSld>
-    <p:spTree>
-      <p:nvGrpSpPr>
-        <p:cNvPr id="1" name=""/>
-        <p:cNvGrpSpPr/>
-        <p:nvPr/>
-      </p:nvGrpSpPr>
-      <p:grpSpPr>
-        <a:xfrm>
-          <a:off x="0" y="0"/>
-          <a:ext cx="0" cy="0"/>
-          <a:chOff x="0" y="0"/>
-          <a:chExt cx="0" cy="0"/>
-        </a:xfrm>
-      </p:grpSpPr>
-      <p:sp>
-        <p:nvSpPr>
-          <p:cNvPr id="15362" name="Title 1"/>
-          <p:cNvSpPr>
-            <a:spLocks noGrp="1"/>
-          </p:cNvSpPr>
-          <p:nvPr>
-            <p:ph type="title"/>
-          </p:nvPr>
-        </p:nvSpPr>
-        <p:spPr/>
-        <p:txBody>
-          <a:bodyPr/>
-          <a:lstStyle/>
-          <a:p>
-            <a:r>
-              <a:rPr lang="en-GB" dirty="0"/>
-              <a:t>Python debugger</a:t>
-            </a:r>
-          </a:p>
-        </p:txBody>
-      </p:sp>
-      <p:sp>
-        <p:nvSpPr>
-          <p:cNvPr id="15363" name="Content Placeholder 2"/>
-          <p:cNvSpPr>
-            <a:spLocks noGrp="1"/>
-          </p:cNvSpPr>
-          <p:nvPr>
-            <p:ph idx="1"/>
-          </p:nvPr>
-        </p:nvSpPr>
-        <p:spPr>
-          <a:xfrm>
-            <a:off x="334489" y="1406255"/>
-            <a:ext cx="11516239" cy="4955354"/>
-          </a:xfrm>
-        </p:spPr>
-        <p:txBody>
-          <a:bodyPr/>
-          <a:lstStyle/>
-          <a:p>
-            <a:r>
-              <a:rPr lang="en-GB" b="1" dirty="0"/>
-              <a:t>Can be run from a script</a:t>
-            </a:r>
-          </a:p>
-          <a:p>
-            <a:endParaRPr lang="en-GB" b="1" dirty="0"/>
-          </a:p>
-          <a:p>
-            <a:endParaRPr lang="en-GB" b="1" dirty="0"/>
-          </a:p>
-          <a:p>
-            <a:endParaRPr lang="en-GB" sz="1000" b="1" dirty="0"/>
-          </a:p>
-          <a:p>
-            <a:endParaRPr lang="en-GB" b="1" dirty="0"/>
-          </a:p>
-          <a:p>
-            <a:endParaRPr lang="en-GB" b="1" dirty="0"/>
-          </a:p>
-          <a:p>
-            <a:endParaRPr lang="en-GB" b="1" dirty="0"/>
-          </a:p>
-          <a:p>
-            <a:pPr>
-              <a:buFontTx/>
-              <a:buNone/>
-            </a:pPr>
-            <a:endParaRPr lang="en-GB" b="1" dirty="0"/>
-          </a:p>
-          <a:p>
-            <a:pPr>
-              <a:buFontTx/>
-              <a:buNone/>
-            </a:pPr>
-            <a:endParaRPr lang="en-GB" b="1" dirty="0"/>
-          </a:p>
-          <a:p>
-            <a:pPr>
-              <a:buFontTx/>
-              <a:buNone/>
-            </a:pPr>
-            <a:endParaRPr lang="en-GB" b="1" dirty="0"/>
-          </a:p>
-          <a:p>
-            <a:pPr>
-              <a:buFontTx/>
-              <a:buNone/>
-            </a:pPr>
-            <a:endParaRPr lang="en-GB" b="1" dirty="0"/>
-          </a:p>
-          <a:p>
-            <a:r>
-              <a:rPr lang="en-GB" b="1" dirty="0"/>
-              <a:t>Or from the command-line</a:t>
-            </a:r>
-          </a:p>
-        </p:txBody>
-      </p:sp>
-      <p:sp>
-        <p:nvSpPr>
-          <p:cNvPr id="15364" name="TextBox 3"/>
-          <p:cNvSpPr txBox="1">
-            <a:spLocks noChangeArrowheads="1"/>
-          </p:cNvSpPr>
-          <p:nvPr/>
-        </p:nvSpPr>
-        <p:spPr bwMode="auto">
-          <a:xfrm>
-            <a:off x="341272" y="1765267"/>
-            <a:ext cx="6964196" cy="1785104"/>
-          </a:xfrm>
-          <a:prstGeom prst="rect">
-            <a:avLst/>
-          </a:prstGeom>
-          <a:solidFill>
-            <a:schemeClr val="tx2">
-              <a:lumMod val="20000"/>
-              <a:lumOff val="80000"/>
-            </a:schemeClr>
-          </a:solidFill>
-          <a:ln w="9525">
-            <a:solidFill>
-              <a:schemeClr val="tx1"/>
-            </a:solidFill>
-            <a:miter lim="800000"/>
-            <a:headEnd/>
-            <a:tailEnd/>
-          </a:ln>
-        </p:spPr>
-        <p:txBody>
-          <a:bodyPr wrap="square">
-            <a:spAutoFit/>
-          </a:bodyPr>
-          <a:lstStyle>
-            <a:lvl1pPr>
-              <a:defRPr sz="1000">
-                <a:solidFill>
-                  <a:schemeClr val="tx1"/>
-                </a:solidFill>
-                <a:latin typeface="Arial" charset="0"/>
-              </a:defRPr>
-            </a:lvl1pPr>
-            <a:lvl2pPr marL="742950" indent="-285750">
-              <a:defRPr sz="1000">
-                <a:solidFill>
-                  <a:schemeClr val="tx1"/>
-                </a:solidFill>
-                <a:latin typeface="Arial" charset="0"/>
-              </a:defRPr>
-            </a:lvl2pPr>
-            <a:lvl3pPr marL="1143000" indent="-228600">
-              <a:defRPr sz="1000">
-                <a:solidFill>
-                  <a:schemeClr val="tx1"/>
-                </a:solidFill>
-                <a:latin typeface="Arial" charset="0"/>
-              </a:defRPr>
-            </a:lvl3pPr>
-            <a:lvl4pPr marL="1600200" indent="-228600">
-              <a:defRPr sz="1000">
-                <a:solidFill>
-                  <a:schemeClr val="tx1"/>
-                </a:solidFill>
-                <a:latin typeface="Arial" charset="0"/>
-              </a:defRPr>
-            </a:lvl4pPr>
-            <a:lvl5pPr marL="2057400" indent="-228600">
-              <a:defRPr sz="1000">
-                <a:solidFill>
-                  <a:schemeClr val="tx1"/>
-                </a:solidFill>
-                <a:latin typeface="Arial" charset="0"/>
-              </a:defRPr>
-            </a:lvl5pPr>
-            <a:lvl6pPr marL="2514600" indent="-228600" eaLnBrk="0" fontAlgn="base" hangingPunct="0">
-              <a:spcBef>
-                <a:spcPct val="50000"/>
-              </a:spcBef>
-              <a:spcAft>
-                <a:spcPct val="0"/>
-              </a:spcAft>
-              <a:defRPr sz="1000">
-                <a:solidFill>
-                  <a:schemeClr val="tx1"/>
-                </a:solidFill>
-                <a:latin typeface="Arial" charset="0"/>
-              </a:defRPr>
-            </a:lvl6pPr>
-            <a:lvl7pPr marL="2971800" indent="-228600" eaLnBrk="0" fontAlgn="base" hangingPunct="0">
-              <a:spcBef>
-                <a:spcPct val="50000"/>
-              </a:spcBef>
-              <a:spcAft>
-                <a:spcPct val="0"/>
-              </a:spcAft>
-              <a:defRPr sz="1000">
-                <a:solidFill>
-                  <a:schemeClr val="tx1"/>
-                </a:solidFill>
-                <a:latin typeface="Arial" charset="0"/>
-              </a:defRPr>
-            </a:lvl7pPr>
-            <a:lvl8pPr marL="3429000" indent="-228600" eaLnBrk="0" fontAlgn="base" hangingPunct="0">
-              <a:spcBef>
-                <a:spcPct val="50000"/>
-              </a:spcBef>
-              <a:spcAft>
-                <a:spcPct val="0"/>
-              </a:spcAft>
-              <a:defRPr sz="1000">
-                <a:solidFill>
-                  <a:schemeClr val="tx1"/>
-                </a:solidFill>
-                <a:latin typeface="Arial" charset="0"/>
-              </a:defRPr>
-            </a:lvl8pPr>
-            <a:lvl9pPr marL="3886200" indent="-228600" eaLnBrk="0" fontAlgn="base" hangingPunct="0">
-              <a:spcBef>
-                <a:spcPct val="50000"/>
-              </a:spcBef>
-              <a:spcAft>
-                <a:spcPct val="0"/>
-              </a:spcAft>
-              <a:defRPr sz="1000">
-                <a:solidFill>
-                  <a:schemeClr val="tx1"/>
-                </a:solidFill>
-                <a:latin typeface="Arial" charset="0"/>
-              </a:defRPr>
-            </a:lvl9pPr>
-          </a:lstStyle>
-          <a:p>
-            <a:pPr>
-              <a:spcBef>
-                <a:spcPct val="0"/>
-              </a:spcBef>
-            </a:pPr>
-            <a:r>
-              <a:rPr lang="en-GB" sz="1600" dirty="0">
-                <a:latin typeface="Courier New" panose="02070309020205020404" pitchFamily="49" charset="0"/>
-              </a:rPr>
-              <a:t>import sys</a:t>
-            </a:r>
-          </a:p>
-          <a:p>
-            <a:pPr>
-              <a:spcBef>
-                <a:spcPct val="0"/>
-              </a:spcBef>
-            </a:pPr>
-            <a:r>
-              <a:rPr lang="en-GB" sz="1600" b="1" dirty="0">
-                <a:latin typeface="Courier New" panose="02070309020205020404" pitchFamily="49" charset="0"/>
-              </a:rPr>
-              <a:t>import </a:t>
-            </a:r>
-            <a:r>
-              <a:rPr lang="en-GB" sz="1600" b="1" dirty="0" err="1">
-                <a:latin typeface="Courier New" panose="02070309020205020404" pitchFamily="49" charset="0"/>
-              </a:rPr>
-              <a:t>pdb</a:t>
-            </a:r>
-            <a:endParaRPr lang="en-GB" sz="1600" b="1" dirty="0">
-              <a:latin typeface="Courier New" panose="02070309020205020404" pitchFamily="49" charset="0"/>
-            </a:endParaRPr>
-          </a:p>
-          <a:p>
-            <a:pPr>
-              <a:spcBef>
-                <a:spcPct val="0"/>
-              </a:spcBef>
-            </a:pPr>
-            <a:endParaRPr lang="en-GB" sz="700" dirty="0">
-              <a:latin typeface="Courier New" panose="02070309020205020404" pitchFamily="49" charset="0"/>
-            </a:endParaRPr>
-          </a:p>
-          <a:p>
-            <a:pPr>
-              <a:spcBef>
-                <a:spcPct val="0"/>
-              </a:spcBef>
-            </a:pPr>
-            <a:r>
-              <a:rPr lang="en-GB" sz="1600" dirty="0" err="1">
-                <a:latin typeface="Courier New" panose="02070309020205020404" pitchFamily="49" charset="0"/>
-              </a:rPr>
-              <a:t>sys.path.append</a:t>
-            </a:r>
-            <a:r>
-              <a:rPr lang="en-GB" sz="1600" dirty="0">
-                <a:latin typeface="Courier New" panose="02070309020205020404" pitchFamily="49" charset="0"/>
-              </a:rPr>
-              <a:t>('./</a:t>
-            </a:r>
-            <a:r>
-              <a:rPr lang="en-GB" sz="1600" dirty="0" err="1">
-                <a:latin typeface="Courier New" panose="02070309020205020404" pitchFamily="49" charset="0"/>
-              </a:rPr>
-              <a:t>demomodules</a:t>
-            </a:r>
-            <a:r>
-              <a:rPr lang="en-GB" sz="1600" dirty="0">
-                <a:latin typeface="Courier New" panose="02070309020205020404" pitchFamily="49" charset="0"/>
-              </a:rPr>
-              <a:t>')</a:t>
-            </a:r>
-          </a:p>
-          <a:p>
-            <a:pPr>
-              <a:spcBef>
-                <a:spcPct val="0"/>
-              </a:spcBef>
-            </a:pPr>
-            <a:r>
-              <a:rPr lang="en-GB" sz="1600" dirty="0">
-                <a:latin typeface="Courier New" panose="02070309020205020404" pitchFamily="49" charset="0"/>
-              </a:rPr>
-              <a:t>from person import Person</a:t>
-            </a:r>
-          </a:p>
-          <a:p>
-            <a:pPr>
-              <a:spcBef>
-                <a:spcPct val="0"/>
-              </a:spcBef>
-            </a:pPr>
-            <a:endParaRPr lang="en-GB" sz="700" dirty="0">
-              <a:latin typeface="Courier New" panose="02070309020205020404" pitchFamily="49" charset="0"/>
-            </a:endParaRPr>
-          </a:p>
-          <a:p>
-            <a:pPr>
-              <a:spcBef>
-                <a:spcPct val="0"/>
-              </a:spcBef>
-            </a:pPr>
-            <a:r>
-              <a:rPr lang="en-GB" sz="1600" b="1" dirty="0" err="1">
-                <a:latin typeface="Courier New" panose="02070309020205020404" pitchFamily="49" charset="0"/>
-              </a:rPr>
-              <a:t>pdb.run</a:t>
-            </a:r>
-            <a:r>
-              <a:rPr lang="en-GB" sz="1600" dirty="0">
-                <a:latin typeface="Courier New" panose="02070309020205020404" pitchFamily="49" charset="0"/>
-              </a:rPr>
-              <a:t>('me = Person("Fred Bloggs", "m")')</a:t>
-            </a:r>
-          </a:p>
-          <a:p>
-            <a:pPr>
-              <a:spcBef>
-                <a:spcPct val="0"/>
-              </a:spcBef>
-            </a:pPr>
-            <a:r>
-              <a:rPr lang="en-GB" sz="1600" dirty="0">
-                <a:latin typeface="Courier New" panose="02070309020205020404" pitchFamily="49" charset="0"/>
-              </a:rPr>
-              <a:t>print('This is me', me)</a:t>
-            </a:r>
-          </a:p>
-        </p:txBody>
-      </p:sp>
-      <p:sp>
-        <p:nvSpPr>
-          <p:cNvPr id="15365" name="TextBox 4"/>
-          <p:cNvSpPr txBox="1">
-            <a:spLocks noChangeArrowheads="1"/>
-          </p:cNvSpPr>
-          <p:nvPr/>
-        </p:nvSpPr>
-        <p:spPr bwMode="auto">
-          <a:xfrm>
-            <a:off x="1936543" y="3613997"/>
-            <a:ext cx="5368925" cy="1816100"/>
-          </a:xfrm>
-          <a:prstGeom prst="rect">
-            <a:avLst/>
-          </a:prstGeom>
-          <a:solidFill>
-            <a:srgbClr val="000000"/>
-          </a:solidFill>
-          <a:ln w="9525">
-            <a:noFill/>
-            <a:miter lim="800000"/>
-            <a:headEnd/>
-            <a:tailEnd/>
-          </a:ln>
-          <a:effectLst>
-            <a:outerShdw blurRad="107950" dist="12700" dir="5400000" algn="ctr">
-              <a:srgbClr val="000000"/>
-            </a:outerShdw>
-          </a:effectLst>
-          <a:scene3d>
-            <a:camera prst="orthographicFront">
-              <a:rot lat="0" lon="0" rev="0"/>
-            </a:camera>
-            <a:lightRig rig="soft" dir="t">
-              <a:rot lat="0" lon="0" rev="0"/>
-            </a:lightRig>
-          </a:scene3d>
-          <a:sp3d contourW="44450" prstMaterial="matte">
-            <a:bevelT w="63500" h="63500" prst="artDeco"/>
-            <a:contourClr>
-              <a:srgbClr val="FFFFFF"/>
-            </a:contourClr>
-          </a:sp3d>
-        </p:spPr>
-        <p:txBody>
-          <a:bodyPr wrap="none">
-            <a:spAutoFit/>
-          </a:bodyPr>
-          <a:lstStyle/>
-          <a:p>
-            <a:pPr>
-              <a:spcBef>
-                <a:spcPct val="0"/>
-              </a:spcBef>
-              <a:defRPr/>
-            </a:pPr>
-            <a:r>
-              <a:rPr lang="en-GB" sz="1600" dirty="0">
-                <a:solidFill>
-                  <a:schemeClr val="bg1"/>
-                </a:solidFill>
-                <a:latin typeface="Courier New" panose="02070309020205020404" pitchFamily="49" charset="0"/>
-              </a:rPr>
-              <a:t>C:\QA&gt;thing.py</a:t>
-            </a:r>
-          </a:p>
-          <a:p>
-            <a:pPr>
-              <a:spcBef>
-                <a:spcPct val="0"/>
-              </a:spcBef>
-              <a:defRPr/>
-            </a:pPr>
-            <a:r>
-              <a:rPr lang="en-GB" sz="1600" dirty="0">
-                <a:solidFill>
-                  <a:schemeClr val="bg1"/>
-                </a:solidFill>
-                <a:latin typeface="Courier New" panose="02070309020205020404" pitchFamily="49" charset="0"/>
-              </a:rPr>
-              <a:t>&gt; &lt;string&gt;(1)&lt;module&gt;()</a:t>
-            </a:r>
-          </a:p>
-          <a:p>
-            <a:pPr>
-              <a:spcBef>
-                <a:spcPct val="0"/>
-              </a:spcBef>
-              <a:defRPr/>
-            </a:pPr>
-            <a:r>
-              <a:rPr lang="en-GB" sz="1600" dirty="0">
-                <a:solidFill>
-                  <a:schemeClr val="bg1"/>
-                </a:solidFill>
-                <a:latin typeface="Courier New" panose="02070309020205020404" pitchFamily="49" charset="0"/>
-              </a:rPr>
-              <a:t>(</a:t>
-            </a:r>
-            <a:r>
-              <a:rPr lang="en-GB" sz="1600" dirty="0" err="1">
-                <a:solidFill>
-                  <a:schemeClr val="bg1"/>
-                </a:solidFill>
-                <a:latin typeface="Courier New" panose="02070309020205020404" pitchFamily="49" charset="0"/>
-              </a:rPr>
-              <a:t>Pdb</a:t>
-            </a:r>
-            <a:r>
-              <a:rPr lang="en-GB" sz="1600" dirty="0">
-                <a:solidFill>
-                  <a:schemeClr val="bg1"/>
-                </a:solidFill>
-                <a:latin typeface="Courier New" panose="02070309020205020404" pitchFamily="49" charset="0"/>
-              </a:rPr>
-              <a:t>) s</a:t>
-            </a:r>
-          </a:p>
-          <a:p>
-            <a:pPr>
-              <a:spcBef>
-                <a:spcPct val="0"/>
-              </a:spcBef>
-              <a:defRPr/>
-            </a:pPr>
-            <a:r>
-              <a:rPr lang="en-GB" sz="1600" dirty="0">
-                <a:solidFill>
-                  <a:schemeClr val="bg1"/>
-                </a:solidFill>
-                <a:latin typeface="Courier New" panose="02070309020205020404" pitchFamily="49" charset="0"/>
-              </a:rPr>
-              <a:t>--Call--</a:t>
-            </a:r>
-          </a:p>
-          <a:p>
-            <a:pPr>
-              <a:spcBef>
-                <a:spcPct val="0"/>
-              </a:spcBef>
-              <a:defRPr/>
-            </a:pPr>
-            <a:r>
-              <a:rPr lang="en-GB" sz="1600" dirty="0">
-                <a:solidFill>
-                  <a:schemeClr val="bg1"/>
-                </a:solidFill>
-                <a:latin typeface="Courier New" panose="02070309020205020404" pitchFamily="49" charset="0"/>
-              </a:rPr>
-              <a:t>&gt; c:\qa\demomodules\person.py(3)__init__()</a:t>
-            </a:r>
-          </a:p>
-          <a:p>
-            <a:pPr>
-              <a:spcBef>
-                <a:spcPct val="0"/>
-              </a:spcBef>
-              <a:defRPr/>
-            </a:pPr>
-            <a:r>
-              <a:rPr lang="en-GB" sz="1600" dirty="0">
-                <a:solidFill>
-                  <a:schemeClr val="bg1"/>
-                </a:solidFill>
-                <a:latin typeface="Courier New" panose="02070309020205020404" pitchFamily="49" charset="0"/>
-              </a:rPr>
-              <a:t>-&gt; def __init__ (self, name, gender):</a:t>
-            </a:r>
-          </a:p>
-          <a:p>
-            <a:pPr>
-              <a:spcBef>
-                <a:spcPct val="0"/>
-              </a:spcBef>
-              <a:defRPr/>
-            </a:pPr>
-            <a:r>
-              <a:rPr lang="en-GB" sz="1600" dirty="0">
-                <a:solidFill>
-                  <a:schemeClr val="bg1"/>
-                </a:solidFill>
-                <a:latin typeface="Courier New" panose="02070309020205020404" pitchFamily="49" charset="0"/>
-              </a:rPr>
-              <a:t>(</a:t>
-            </a:r>
-            <a:r>
-              <a:rPr lang="en-GB" sz="1600" dirty="0" err="1">
-                <a:solidFill>
-                  <a:schemeClr val="bg1"/>
-                </a:solidFill>
-                <a:latin typeface="Courier New" panose="02070309020205020404" pitchFamily="49" charset="0"/>
-              </a:rPr>
-              <a:t>Pdb</a:t>
-            </a:r>
-            <a:r>
-              <a:rPr lang="en-GB" sz="1600" dirty="0">
-                <a:solidFill>
-                  <a:schemeClr val="bg1"/>
-                </a:solidFill>
-                <a:latin typeface="Courier New" panose="02070309020205020404" pitchFamily="49" charset="0"/>
-              </a:rPr>
-              <a:t>) s</a:t>
-            </a:r>
-          </a:p>
-        </p:txBody>
-      </p:sp>
-      <p:sp>
-        <p:nvSpPr>
-          <p:cNvPr id="15366" name="TextBox 5"/>
-          <p:cNvSpPr txBox="1">
-            <a:spLocks noChangeArrowheads="1"/>
-          </p:cNvSpPr>
-          <p:nvPr/>
-        </p:nvSpPr>
-        <p:spPr bwMode="auto">
-          <a:xfrm>
-            <a:off x="1877806" y="6055348"/>
-            <a:ext cx="5427662" cy="369887"/>
-          </a:xfrm>
-          <a:prstGeom prst="rect">
-            <a:avLst/>
-          </a:prstGeom>
-          <a:solidFill>
-            <a:srgbClr val="000000"/>
-          </a:solidFill>
-          <a:ln w="9525">
-            <a:noFill/>
-            <a:miter lim="800000"/>
-            <a:headEnd/>
-            <a:tailEnd/>
-          </a:ln>
-          <a:effectLst>
-            <a:outerShdw blurRad="107950" dist="12700" dir="5400000" algn="ctr">
-              <a:srgbClr val="000000"/>
-            </a:outerShdw>
-          </a:effectLst>
-          <a:scene3d>
-            <a:camera prst="orthographicFront">
-              <a:rot lat="0" lon="0" rev="0"/>
-            </a:camera>
-            <a:lightRig rig="soft" dir="t">
-              <a:rot lat="0" lon="0" rev="0"/>
-            </a:lightRig>
-          </a:scene3d>
-          <a:sp3d contourW="44450" prstMaterial="matte">
-            <a:bevelT w="63500" h="63500" prst="artDeco"/>
-            <a:contourClr>
-              <a:srgbClr val="FFFFFF"/>
-            </a:contourClr>
-          </a:sp3d>
-        </p:spPr>
-        <p:txBody>
-          <a:bodyPr>
-            <a:spAutoFit/>
-          </a:bodyPr>
-          <a:lstStyle/>
-          <a:p>
-            <a:pPr>
-              <a:defRPr/>
-            </a:pPr>
-            <a:r>
-              <a:rPr lang="en-GB" dirty="0">
-                <a:solidFill>
-                  <a:schemeClr val="bg1"/>
-                </a:solidFill>
-                <a:latin typeface="Courier New" panose="02070309020205020404" pitchFamily="49" charset="0"/>
-              </a:rPr>
-              <a:t>C:\QA&gt;python -m </a:t>
-            </a:r>
-            <a:r>
-              <a:rPr lang="en-GB" dirty="0" err="1">
-                <a:solidFill>
-                  <a:schemeClr val="bg1"/>
-                </a:solidFill>
-                <a:latin typeface="Courier New" panose="02070309020205020404" pitchFamily="49" charset="0"/>
-              </a:rPr>
-              <a:t>pdb</a:t>
-            </a:r>
-            <a:r>
-              <a:rPr lang="en-GB" dirty="0">
-                <a:solidFill>
-                  <a:schemeClr val="bg1"/>
-                </a:solidFill>
-                <a:latin typeface="Courier New" panose="02070309020205020404" pitchFamily="49" charset="0"/>
-              </a:rPr>
-              <a:t> thing.py</a:t>
-            </a:r>
-          </a:p>
-        </p:txBody>
-      </p:sp>
-    </p:spTree>
-    <p:extLst>
-      <p:ext uri="{BB962C8B-B14F-4D97-AF65-F5344CB8AC3E}">
-        <p14:creationId xmlns:p14="http://schemas.microsoft.com/office/powerpoint/2010/main" val="3685210724"/>
-      </p:ext>
-    </p:extLst>
-  </p:cSld>
-  <p:clrMapOvr>
-    <a:masterClrMapping/>
-  </p:clrMapOvr>
-</p:sld>
-</file>
-
-<file path=ppt/slides/slide17.xml><?xml version="1.0" encoding="utf-8"?>
 <p:sld xmlns:a="http://schemas.openxmlformats.org/drawingml/2006/main" xmlns:r="http://schemas.openxmlformats.org/officeDocument/2006/relationships" xmlns:p="http://schemas.openxmlformats.org/presentationml/2006/main">
   <p:cSld>
     <p:spTree>
@@ -32553,22 +30761,43 @@
           <a:bodyPr/>
           <a:lstStyle/>
           <a:p>
-            <a:pPr marL="342900" indent="-342900">
+            <a:r>
+              <a:rPr lang="en-GB" b="1" dirty="0"/>
+              <a:t>The </a:t>
+            </a:r>
+            <a:r>
+              <a:rPr lang="en-GB" b="1" dirty="0" err="1"/>
+              <a:t>cProfile</a:t>
+            </a:r>
+            <a:r>
+              <a:rPr lang="en-GB" b="1" dirty="0"/>
+              <a:t> module</a:t>
+            </a:r>
+          </a:p>
+          <a:p>
+            <a:pPr marL="441325" lvl="1" indent="-258763">
               <a:buFont typeface="Arial" panose="020B0604020202020204" pitchFamily="34" charset="0"/>
               <a:buChar char="•"/>
             </a:pPr>
             <a:r>
-              <a:rPr lang="en-GB" b="1" dirty="0"/>
-              <a:t>The </a:t>
-            </a:r>
-            <a:r>
-              <a:rPr lang="en-GB" b="1" dirty="0" err="1"/>
-              <a:t>cProfile</a:t>
-            </a:r>
-            <a:r>
-              <a:rPr lang="en-GB" b="1" dirty="0"/>
-              <a:t> module</a:t>
-            </a:r>
+              <a:rPr lang="en-GB" sz="1600" dirty="0"/>
+              <a:t>Profile a specific function from a script</a:t>
+            </a:r>
+          </a:p>
+          <a:p>
+            <a:pPr lvl="1"/>
+            <a:endParaRPr lang="en-GB" dirty="0"/>
+          </a:p>
+          <a:p>
+            <a:pPr lvl="1"/>
+            <a:endParaRPr lang="en-GB" sz="800" dirty="0"/>
+          </a:p>
+          <a:p>
+            <a:pPr lvl="1"/>
+            <a:endParaRPr lang="en-GB" dirty="0"/>
+          </a:p>
+          <a:p>
+            <a:endParaRPr lang="en-GB" dirty="0"/>
           </a:p>
           <a:p>
             <a:pPr lvl="1">
@@ -32576,35 +30805,7 @@
               <a:buChar char="•"/>
             </a:pPr>
             <a:r>
-              <a:rPr lang="en-GB" dirty="0"/>
-              <a:t>Profile a specific function from a script</a:t>
-            </a:r>
-          </a:p>
-          <a:p>
-            <a:pPr lvl="1"/>
-            <a:endParaRPr lang="en-GB" dirty="0"/>
-          </a:p>
-          <a:p>
-            <a:pPr lvl="1"/>
-            <a:endParaRPr lang="en-GB" sz="800" dirty="0"/>
-          </a:p>
-          <a:p>
-            <a:pPr lvl="1"/>
-            <a:endParaRPr lang="en-GB" dirty="0"/>
-          </a:p>
-          <a:p>
-            <a:endParaRPr lang="en-GB" dirty="0"/>
-          </a:p>
-          <a:p>
-            <a:endParaRPr lang="en-GB" dirty="0"/>
-          </a:p>
-          <a:p>
-            <a:pPr lvl="1">
-              <a:buFont typeface="Arial" panose="020B0604020202020204" pitchFamily="34" charset="0"/>
-              <a:buChar char="•"/>
-            </a:pPr>
-            <a:r>
-              <a:rPr lang="en-GB" dirty="0"/>
+              <a:rPr lang="en-GB" sz="1800" dirty="0"/>
               <a:t>Or the whole script from the command-line</a:t>
             </a:r>
           </a:p>
@@ -32620,20 +30821,20 @@
             <a:endParaRPr lang="en-GB" dirty="0"/>
           </a:p>
           <a:p>
-            <a:pPr marL="342900" indent="-342900">
+            <a:pPr marL="365125" indent="-273050">
               <a:buFont typeface="Arial" panose="020B0604020202020204" pitchFamily="34" charset="0"/>
               <a:buChar char="•"/>
             </a:pPr>
             <a:r>
-              <a:rPr lang="en-GB" b="1" dirty="0"/>
-              <a:t>Analyse the output file using </a:t>
-            </a:r>
-            <a:r>
-              <a:rPr lang="en-GB" b="1" dirty="0" err="1"/>
+              <a:rPr lang="en-GB" sz="1800" dirty="0"/>
+              <a:t>Or analyse the output file using </a:t>
+            </a:r>
+            <a:r>
+              <a:rPr lang="en-GB" sz="1800" dirty="0" err="1"/>
               <a:t>pstats</a:t>
             </a:r>
             <a:r>
-              <a:rPr lang="en-GB" b="1" dirty="0"/>
+              <a:rPr lang="en-GB" sz="1800" dirty="0"/>
               <a:t> shell</a:t>
             </a:r>
           </a:p>
@@ -32649,10 +30850,10 @@
         </p:nvGrpSpPr>
         <p:grpSpPr bwMode="auto">
           <a:xfrm>
-            <a:off x="1638762" y="2167411"/>
-            <a:ext cx="6599237" cy="1706562"/>
+            <a:off x="770082" y="2167412"/>
+            <a:ext cx="10639244" cy="1120185"/>
             <a:chOff x="1204686" y="2017487"/>
-            <a:chExt cx="6599884" cy="1706747"/>
+            <a:chExt cx="10640288" cy="1120306"/>
           </a:xfrm>
         </p:grpSpPr>
         <p:sp>
@@ -32685,6 +30886,13 @@
               <a:headEnd/>
               <a:tailEnd/>
             </a:ln>
+            <a:effectLst>
+              <a:outerShdw blurRad="50800" dist="38100" dir="2700000" algn="tl" rotWithShape="0">
+                <a:prstClr val="black">
+                  <a:alpha val="40000"/>
+                </a:prstClr>
+              </a:outerShdw>
+            </a:effectLst>
           </p:spPr>
           <p:txBody>
             <a:bodyPr wrap="none">
@@ -32887,7 +31095,7 @@
           </p:nvSpPr>
           <p:spPr bwMode="auto">
             <a:xfrm>
-              <a:off x="2322863" y="3062514"/>
+              <a:off x="8236814" y="2476073"/>
               <a:ext cx="3608160" cy="661720"/>
             </a:xfrm>
             <a:prstGeom prst="rect">
@@ -32902,6 +31110,7 @@
               <a:headEnd/>
               <a:tailEnd/>
             </a:ln>
+            <a:effectLst/>
             <a:extLst>
               <a:ext uri="{909E8E84-426E-40dd-AFC4-6F175D3DCCD1}">
                 <a14:hiddenFill xmlns="" xmlns:a14="http://schemas.microsoft.com/office/drawing/2010/main">
@@ -33048,14 +31257,14 @@
             <p:cNvPr id="16397" name="Straight Arrow Connector 6"/>
             <p:cNvCxnSpPr>
               <a:cxnSpLocks noChangeShapeType="1"/>
-              <a:stCxn id="16396" idx="3"/>
+              <a:stCxn id="16396" idx="1"/>
             </p:cNvCxnSpPr>
             <p:nvPr/>
           </p:nvCxnSpPr>
           <p:spPr bwMode="auto">
-            <a:xfrm flipV="1">
-              <a:off x="5931022" y="2931888"/>
-              <a:ext cx="643949" cy="461486"/>
+            <a:xfrm flipH="1">
+              <a:off x="7628513" y="2806932"/>
+              <a:ext cx="608301" cy="0"/>
             </a:xfrm>
             <a:prstGeom prst="straightConnector1">
               <a:avLst/>
@@ -33089,7 +31298,7 @@
         </p:nvSpPr>
         <p:spPr bwMode="auto">
           <a:xfrm>
-            <a:off x="1638762" y="4343501"/>
+            <a:off x="781136" y="3932785"/>
             <a:ext cx="6588183" cy="369332"/>
           </a:xfrm>
           <a:prstGeom prst="rect">
@@ -33171,7 +31380,7 @@
         </p:nvSpPr>
         <p:spPr>
           <a:xfrm>
-            <a:off x="1638762" y="5544590"/>
+            <a:off x="781168" y="5144260"/>
             <a:ext cx="6588151" cy="1077218"/>
           </a:xfrm>
           <a:prstGeom prst="rect">
@@ -33307,7 +31516,7 @@
 </p:sld>
 </file>
 
-<file path=ppt/slides/slide18.xml><?xml version="1.0" encoding="utf-8"?>
+<file path=ppt/slides/slide16.xml><?xml version="1.0" encoding="utf-8"?>
 <p:sld xmlns:a="http://schemas.openxmlformats.org/drawingml/2006/main" xmlns:r="http://schemas.openxmlformats.org/officeDocument/2006/relationships" xmlns:p="http://schemas.openxmlformats.org/presentationml/2006/main">
   <p:cSld>
     <p:spTree>
@@ -33390,7 +31599,7 @@
             </a:r>
           </a:p>
           <a:p>
-            <a:pPr lvl="1"/>
+            <a:pPr marL="179705" lvl="1" indent="-179705"/>
             <a:r>
               <a:rPr lang="en-GB" dirty="0"/>
               <a:t>Just a bunch of code in a file</a:t>
@@ -33428,7 +31637,7 @@
             </a:r>
           </a:p>
           <a:p>
-            <a:pPr lvl="1"/>
+            <a:pPr marL="179705" lvl="1" indent="-179705"/>
             <a:r>
               <a:rPr lang="en-GB" dirty="0"/>
               <a:t>Can also specify importing names into our namespace</a:t>
@@ -33448,7 +31657,7 @@
             </a:r>
           </a:p>
           <a:p>
-            <a:pPr lvl="1"/>
+            <a:pPr marL="179705" lvl="1" indent="-179705"/>
             <a:r>
               <a:rPr lang="en-GB" dirty="0"/>
               <a:t>Require the </a:t>
@@ -33472,17 +31681,13 @@
               <a:buFont typeface="Arial" panose="020B0604020202020204" pitchFamily="34" charset="0"/>
               <a:buChar char="•"/>
             </a:pPr>
-            <a:r>
-              <a:rPr lang="en-GB" b="1" dirty="0"/>
-              <a:t>Python supports module documentation</a:t>
-            </a:r>
-          </a:p>
-          <a:p>
-            <a:pPr lvl="1"/>
-            <a:r>
-              <a:rPr lang="en-GB" dirty="0"/>
-              <a:t>docstrings</a:t>
-            </a:r>
+            <a:endParaRPr lang="en-GB" b="1" dirty="0"/>
+          </a:p>
+          <a:p>
+            <a:pPr marL="0" lvl="1" indent="0">
+              <a:buNone/>
+            </a:pPr>
+            <a:endParaRPr lang="en-GB" dirty="0"/>
           </a:p>
           <a:p>
             <a:pPr marL="342900" indent="-342900">
@@ -33512,7 +31717,7 @@
 </p:sld>
 </file>
 
-<file path=ppt/slides/slide19.xml><?xml version="1.0" encoding="utf-8"?>
+<file path=ppt/slides/slide17.xml><?xml version="1.0" encoding="utf-8"?>
 <p:sld xmlns:a="http://schemas.openxmlformats.org/drawingml/2006/main" xmlns:r="http://schemas.openxmlformats.org/officeDocument/2006/relationships" xmlns:p="http://schemas.openxmlformats.org/presentationml/2006/main">
   <p:cSld>
     <p:spTree>
@@ -33571,67 +31776,55 @@
           <a:bodyPr/>
           <a:lstStyle/>
           <a:p>
-            <a:pPr marL="342900" indent="-342900">
+            <a:r>
+              <a:rPr lang="en-GB" b="1" dirty="0"/>
+              <a:t>Enables programs, modules, and packages to be bundled and unbundled in a standard way</a:t>
+            </a:r>
+          </a:p>
+          <a:p>
+            <a:pPr marL="441325" lvl="1" indent="-258763">
               <a:buFont typeface="Arial" panose="020B0604020202020204" pitchFamily="34" charset="0"/>
               <a:buChar char="•"/>
             </a:pPr>
             <a:r>
+              <a:rPr lang="en-GB" dirty="0"/>
+              <a:t>Part of the standard library</a:t>
+            </a:r>
+          </a:p>
+          <a:p>
+            <a:r>
               <a:rPr lang="en-GB" b="1" dirty="0"/>
-              <a:t>Enables programs, modules, and packages to be bundled and unbundled in a standard way</a:t>
-            </a:r>
-          </a:p>
-          <a:p>
-            <a:pPr lvl="1">
+              <a:t>Based on setup.py written by the distributer (see over)</a:t>
+            </a:r>
+          </a:p>
+          <a:p>
+            <a:r>
+              <a:rPr lang="en-GB" b="1" dirty="0"/>
+              <a:t>Creating a distribution</a:t>
+            </a:r>
+          </a:p>
+          <a:p>
+            <a:pPr marL="441325" lvl="1" indent="-258763">
               <a:buFont typeface="Arial" panose="020B0604020202020204" pitchFamily="34" charset="0"/>
               <a:buChar char="•"/>
             </a:pPr>
             <a:r>
-              <a:rPr lang="en-GB" dirty="0"/>
-              <a:t>Part of the standard library</a:t>
-            </a:r>
-          </a:p>
-          <a:p>
-            <a:pPr marL="342900" indent="-342900">
-              <a:buFont typeface="Arial" panose="020B0604020202020204" pitchFamily="34" charset="0"/>
-              <a:buChar char="•"/>
-            </a:pPr>
-            <a:r>
-              <a:rPr lang="en-GB" b="1" dirty="0"/>
-              <a:t>Based on setup.py written by the distributer (see over)</a:t>
-            </a:r>
-          </a:p>
-          <a:p>
-            <a:pPr marL="342900" indent="-342900">
-              <a:buFont typeface="Arial" panose="020B0604020202020204" pitchFamily="34" charset="0"/>
-              <a:buChar char="•"/>
-            </a:pPr>
-            <a:r>
-              <a:rPr lang="en-GB" b="1" dirty="0"/>
-              <a:t>Creating a distribution</a:t>
-            </a:r>
-          </a:p>
-          <a:p>
-            <a:pPr lvl="1">
-              <a:buFont typeface="Arial" panose="020B0604020202020204" pitchFamily="34" charset="0"/>
-              <a:buChar char="•"/>
-            </a:pPr>
-            <a:r>
-              <a:rPr lang="en-GB" dirty="0"/>
+              <a:rPr lang="en-GB" sz="1800" dirty="0"/>
               <a:t>Compressed file is placed into sub-directory </a:t>
             </a:r>
             <a:r>
-              <a:rPr lang="en-GB" dirty="0">
+              <a:rPr lang="en-GB" sz="1800" dirty="0">
                 <a:latin typeface="Courier New" panose="02070309020205020404" pitchFamily="49" charset="0"/>
               </a:rPr>
               <a:t>./</a:t>
             </a:r>
             <a:r>
-              <a:rPr lang="en-GB" dirty="0" err="1">
+              <a:rPr lang="en-GB" sz="1800" dirty="0" err="1">
                 <a:latin typeface="Courier New" panose="02070309020205020404" pitchFamily="49" charset="0"/>
               </a:rPr>
               <a:t>dist</a:t>
             </a:r>
-            <a:endParaRPr lang="en-GB" dirty="0">
+            <a:endParaRPr lang="en-GB" sz="1800" dirty="0">
               <a:latin typeface="Courier New" panose="02070309020205020404" pitchFamily="49" charset="0"/>
             </a:endParaRPr>
           </a:p>
@@ -33642,20 +31835,12 @@
             </a:endParaRPr>
           </a:p>
           <a:p>
-            <a:pPr lvl="1"/>
-            <a:endParaRPr lang="en-GB" sz="800" dirty="0">
-              <a:latin typeface="Courier New" panose="02070309020205020404" pitchFamily="49" charset="0"/>
-            </a:endParaRPr>
-          </a:p>
-          <a:p>
-            <a:pPr lvl="1"/>
+            <a:pPr marL="88900" lvl="1" indent="0">
+              <a:buNone/>
+            </a:pPr>
             <a:endParaRPr lang="en-GB" dirty="0"/>
           </a:p>
           <a:p>
-            <a:pPr marL="342900" indent="-342900">
-              <a:buFont typeface="Arial" panose="020B0604020202020204" pitchFamily="34" charset="0"/>
-              <a:buChar char="•"/>
-            </a:pPr>
             <a:r>
               <a:rPr lang="en-GB" b="1" dirty="0"/>
               <a:t>Installing a distribution</a:t>
@@ -33673,7 +31858,7 @@
         </p:nvSpPr>
         <p:spPr bwMode="auto">
           <a:xfrm>
-            <a:off x="1045778" y="3843321"/>
+            <a:off x="801938" y="3658377"/>
             <a:ext cx="5770563" cy="369888"/>
           </a:xfrm>
           <a:prstGeom prst="rect">
@@ -33693,6 +31878,13 @@
             <a:headEnd/>
             <a:tailEnd/>
           </a:ln>
+          <a:effectLst>
+            <a:outerShdw blurRad="50800" dist="38100" dir="2700000" algn="tl" rotWithShape="0">
+              <a:prstClr val="black">
+                <a:alpha val="40000"/>
+              </a:prstClr>
+            </a:outerShdw>
+          </a:effectLst>
         </p:spPr>
         <p:txBody>
           <a:bodyPr>
@@ -33825,7 +32017,7 @@
         </p:nvSpPr>
         <p:spPr bwMode="auto">
           <a:xfrm>
-            <a:off x="1045778" y="5372612"/>
+            <a:off x="801938" y="4860439"/>
             <a:ext cx="5698996" cy="923330"/>
           </a:xfrm>
           <a:prstGeom prst="rect">
@@ -33845,6 +32037,13 @@
             <a:headEnd/>
             <a:tailEnd/>
           </a:ln>
+          <a:effectLst>
+            <a:outerShdw blurRad="50800" dist="38100" dir="2700000" algn="tl" rotWithShape="0">
+              <a:prstClr val="black">
+                <a:alpha val="40000"/>
+              </a:prstClr>
+            </a:outerShdw>
+          </a:effectLst>
         </p:spPr>
         <p:txBody>
           <a:bodyPr wrap="none">
@@ -33987,172 +32186,7 @@
 </p:sld>
 </file>
 
-<file path=ppt/slides/slide2.xml><?xml version="1.0" encoding="utf-8"?>
-<p:sld xmlns:a="http://schemas.openxmlformats.org/drawingml/2006/main" xmlns:r="http://schemas.openxmlformats.org/officeDocument/2006/relationships" xmlns:p="http://schemas.openxmlformats.org/presentationml/2006/main">
-  <p:cSld>
-    <p:spTree>
-      <p:nvGrpSpPr>
-        <p:cNvPr id="1" name=""/>
-        <p:cNvGrpSpPr/>
-        <p:nvPr/>
-      </p:nvGrpSpPr>
-      <p:grpSpPr>
-        <a:xfrm>
-          <a:off x="0" y="0"/>
-          <a:ext cx="0" cy="0"/>
-          <a:chOff x="0" y="0"/>
-          <a:chExt cx="0" cy="0"/>
-        </a:xfrm>
-      </p:grpSpPr>
-      <p:sp>
-        <p:nvSpPr>
-          <p:cNvPr id="4099" name="Rectangle 3"/>
-          <p:cNvSpPr>
-            <a:spLocks noGrp="1" noChangeArrowheads="1"/>
-          </p:cNvSpPr>
-          <p:nvPr>
-            <p:ph type="body" sz="quarter" idx="10"/>
-          </p:nvPr>
-        </p:nvSpPr>
-        <p:spPr/>
-        <p:txBody>
-          <a:bodyPr/>
-          <a:lstStyle/>
-          <a:p>
-            <a:r>
-              <a:rPr lang="en-GB" dirty="0"/>
-              <a:t>Modules and packages</a:t>
-            </a:r>
-          </a:p>
-        </p:txBody>
-      </p:sp>
-      <p:sp>
-        <p:nvSpPr>
-          <p:cNvPr id="2" name="Text Placeholder 1">
-            <a:extLst>
-              <a:ext uri="{FF2B5EF4-FFF2-40B4-BE49-F238E27FC236}">
-                <a16:creationId xmlns:a16="http://schemas.microsoft.com/office/drawing/2014/main" id="{BDD24834-6781-46F8-9B93-1F23957F04F7}"/>
-              </a:ext>
-            </a:extLst>
-          </p:cNvPr>
-          <p:cNvSpPr>
-            <a:spLocks noGrp="1"/>
-          </p:cNvSpPr>
-          <p:nvPr>
-            <p:ph type="body" sz="quarter" idx="15"/>
-          </p:nvPr>
-        </p:nvSpPr>
-        <p:spPr/>
-        <p:txBody>
-          <a:bodyPr/>
-          <a:lstStyle/>
-          <a:p>
-            <a:r>
-              <a:rPr lang="en-GB" b="1" dirty="0"/>
-              <a:t>Contents</a:t>
-            </a:r>
-          </a:p>
-          <a:p>
-            <a:pPr lvl="1"/>
-            <a:r>
-              <a:rPr lang="en-GB" dirty="0"/>
-              <a:t>What are modules and packages?</a:t>
-            </a:r>
-          </a:p>
-          <a:p>
-            <a:pPr lvl="1"/>
-            <a:r>
-              <a:rPr lang="en-GB" dirty="0"/>
-              <a:t>How does Python find a module?</a:t>
-            </a:r>
-          </a:p>
-          <a:p>
-            <a:pPr lvl="1"/>
-            <a:r>
-              <a:rPr lang="en-GB" dirty="0"/>
-              <a:t>Multiple source files</a:t>
-            </a:r>
-          </a:p>
-          <a:p>
-            <a:pPr lvl="1"/>
-            <a:r>
-              <a:rPr lang="en-GB" dirty="0"/>
-              <a:t>Importing a module</a:t>
-            </a:r>
-          </a:p>
-          <a:p>
-            <a:pPr lvl="1"/>
-            <a:r>
-              <a:rPr lang="en-GB" dirty="0"/>
-              <a:t>Importing names</a:t>
-            </a:r>
-          </a:p>
-          <a:p>
-            <a:pPr lvl="1"/>
-            <a:r>
-              <a:rPr lang="en-GB" dirty="0"/>
-              <a:t>Directories as packages</a:t>
-            </a:r>
-          </a:p>
-          <a:p>
-            <a:pPr lvl="1"/>
-            <a:r>
-              <a:rPr lang="en-GB" dirty="0"/>
-              <a:t>Writing a module</a:t>
-            </a:r>
-          </a:p>
-          <a:p>
-            <a:pPr lvl="1"/>
-            <a:r>
-              <a:rPr lang="en-GB" dirty="0"/>
-              <a:t>Module documentation</a:t>
-            </a:r>
-          </a:p>
-          <a:p>
-            <a:pPr lvl="1"/>
-            <a:r>
-              <a:rPr lang="en-GB" dirty="0"/>
-              <a:t>Testing a module</a:t>
-            </a:r>
-          </a:p>
-          <a:p>
-            <a:r>
-              <a:rPr lang="en-GB" b="1" dirty="0"/>
-              <a:t>Summary</a:t>
-            </a:r>
-          </a:p>
-          <a:p>
-            <a:pPr lvl="1"/>
-            <a:r>
-              <a:rPr lang="en-GB" dirty="0"/>
-              <a:t>Distributing a module - </a:t>
-            </a:r>
-            <a:r>
-              <a:rPr lang="en-GB" dirty="0" err="1"/>
-              <a:t>distutils</a:t>
-            </a:r>
-            <a:endParaRPr lang="en-GB" dirty="0"/>
-          </a:p>
-          <a:p>
-            <a:endParaRPr lang="en-GB" dirty="0"/>
-          </a:p>
-        </p:txBody>
-      </p:sp>
-    </p:spTree>
-    <p:extLst>
-      <p:ext uri="{BB962C8B-B14F-4D97-AF65-F5344CB8AC3E}">
-        <p14:creationId xmlns:p14="http://schemas.microsoft.com/office/powerpoint/2010/main" val="751313883"/>
-      </p:ext>
-    </p:extLst>
-  </p:cSld>
-  <p:clrMapOvr>
-    <a:masterClrMapping/>
-  </p:clrMapOvr>
-  <p:transition/>
-</p:sld>
-</file>
-
-<file path=ppt/slides/slide20.xml><?xml version="1.0" encoding="utf-8"?>
+<file path=ppt/slides/slide18.xml><?xml version="1.0" encoding="utf-8"?>
 <p:sld xmlns:a="http://schemas.openxmlformats.org/drawingml/2006/main" xmlns:r="http://schemas.openxmlformats.org/officeDocument/2006/relationships" xmlns:p="http://schemas.openxmlformats.org/presentationml/2006/main">
   <p:cSld>
     <p:spTree>
@@ -34258,6 +32292,13 @@
             <a:headEnd/>
             <a:tailEnd/>
           </a:ln>
+          <a:effectLst>
+            <a:outerShdw blurRad="50800" dist="38100" dir="2700000" algn="tl" rotWithShape="0">
+              <a:prstClr val="black">
+                <a:alpha val="40000"/>
+              </a:prstClr>
+            </a:outerShdw>
+          </a:effectLst>
         </p:spPr>
         <p:txBody>
           <a:bodyPr wrap="none">
@@ -34678,6 +32719,13 @@
             <a:headEnd/>
             <a:tailEnd/>
           </a:ln>
+          <a:effectLst>
+            <a:outerShdw blurRad="50800" dist="38100" dir="2700000" algn="tl" rotWithShape="0">
+              <a:prstClr val="black">
+                <a:alpha val="40000"/>
+              </a:prstClr>
+            </a:outerShdw>
+          </a:effectLst>
         </p:spPr>
         <p:txBody>
           <a:bodyPr wrap="none">
@@ -35127,6 +33175,163 @@
 </p:sld>
 </file>
 
+<file path=ppt/slides/slide2.xml><?xml version="1.0" encoding="utf-8"?>
+<p:sld xmlns:a="http://schemas.openxmlformats.org/drawingml/2006/main" xmlns:r="http://schemas.openxmlformats.org/officeDocument/2006/relationships" xmlns:p="http://schemas.openxmlformats.org/presentationml/2006/main">
+  <p:cSld>
+    <p:spTree>
+      <p:nvGrpSpPr>
+        <p:cNvPr id="1" name=""/>
+        <p:cNvGrpSpPr/>
+        <p:nvPr/>
+      </p:nvGrpSpPr>
+      <p:grpSpPr>
+        <a:xfrm>
+          <a:off x="0" y="0"/>
+          <a:ext cx="0" cy="0"/>
+          <a:chOff x="0" y="0"/>
+          <a:chExt cx="0" cy="0"/>
+        </a:xfrm>
+      </p:grpSpPr>
+      <p:sp>
+        <p:nvSpPr>
+          <p:cNvPr id="4099" name="Rectangle 3"/>
+          <p:cNvSpPr>
+            <a:spLocks noGrp="1" noChangeArrowheads="1"/>
+          </p:cNvSpPr>
+          <p:nvPr>
+            <p:ph type="body" sz="quarter" idx="10"/>
+          </p:nvPr>
+        </p:nvSpPr>
+        <p:spPr/>
+        <p:txBody>
+          <a:bodyPr/>
+          <a:lstStyle/>
+          <a:p>
+            <a:r>
+              <a:rPr lang="en-GB" dirty="0"/>
+              <a:t>Modules and packages</a:t>
+            </a:r>
+          </a:p>
+        </p:txBody>
+      </p:sp>
+      <p:sp>
+        <p:nvSpPr>
+          <p:cNvPr id="2" name="Text Placeholder 1">
+            <a:extLst>
+              <a:ext uri="{FF2B5EF4-FFF2-40B4-BE49-F238E27FC236}">
+                <a16:creationId xmlns:a16="http://schemas.microsoft.com/office/drawing/2014/main" id="{BDD24834-6781-46F8-9B93-1F23957F04F7}"/>
+              </a:ext>
+            </a:extLst>
+          </p:cNvPr>
+          <p:cNvSpPr>
+            <a:spLocks noGrp="1"/>
+          </p:cNvSpPr>
+          <p:nvPr>
+            <p:ph type="body" sz="quarter" idx="15"/>
+          </p:nvPr>
+        </p:nvSpPr>
+        <p:spPr/>
+        <p:txBody>
+          <a:bodyPr/>
+          <a:lstStyle/>
+          <a:p>
+            <a:r>
+              <a:rPr lang="en-GB" b="1" dirty="0"/>
+              <a:t>Contents</a:t>
+            </a:r>
+          </a:p>
+          <a:p>
+            <a:pPr marL="179705" lvl="1" indent="-179705"/>
+            <a:r>
+              <a:rPr lang="en-GB" dirty="0"/>
+              <a:t>What are modules and packages?</a:t>
+            </a:r>
+          </a:p>
+          <a:p>
+            <a:pPr marL="179705" lvl="1" indent="-179705"/>
+            <a:r>
+              <a:rPr lang="en-GB" dirty="0"/>
+              <a:t>How does Python find a module?</a:t>
+            </a:r>
+          </a:p>
+          <a:p>
+            <a:pPr marL="179705" lvl="1" indent="-179705"/>
+            <a:r>
+              <a:rPr lang="en-GB" dirty="0"/>
+              <a:t>Multiple source files</a:t>
+            </a:r>
+          </a:p>
+          <a:p>
+            <a:pPr marL="179705" lvl="1" indent="-179705"/>
+            <a:r>
+              <a:rPr lang="en-GB" dirty="0"/>
+              <a:t>Importing a module</a:t>
+            </a:r>
+          </a:p>
+          <a:p>
+            <a:pPr marL="179705" lvl="1" indent="-179705"/>
+            <a:r>
+              <a:rPr lang="en-GB" dirty="0"/>
+              <a:t>Importing names</a:t>
+            </a:r>
+          </a:p>
+          <a:p>
+            <a:pPr marL="179705" lvl="1" indent="-179705"/>
+            <a:r>
+              <a:rPr lang="en-GB" dirty="0"/>
+              <a:t>Directories as packages</a:t>
+            </a:r>
+          </a:p>
+          <a:p>
+            <a:pPr marL="179705" lvl="1" indent="-179705"/>
+            <a:r>
+              <a:rPr lang="en-GB" dirty="0"/>
+              <a:t>Writing a module</a:t>
+            </a:r>
+          </a:p>
+          <a:p>
+            <a:pPr marL="0" lvl="1" indent="0">
+              <a:buNone/>
+            </a:pPr>
+            <a:endParaRPr lang="en-GB" dirty="0"/>
+          </a:p>
+          <a:p>
+            <a:r>
+              <a:rPr lang="en-GB" b="1" dirty="0"/>
+              <a:t>Summary</a:t>
+            </a:r>
+          </a:p>
+          <a:p>
+            <a:pPr marL="179705" lvl="1" indent="-179705"/>
+            <a:r>
+              <a:rPr lang="en-GB" dirty="0"/>
+              <a:t>Distributing a module - </a:t>
+            </a:r>
+            <a:r>
+              <a:rPr lang="en-GB" dirty="0" err="1"/>
+              <a:t>distutils</a:t>
+            </a:r>
+            <a:endParaRPr lang="en-GB" dirty="0"/>
+          </a:p>
+          <a:p>
+            <a:endParaRPr lang="en-GB" dirty="0"/>
+          </a:p>
+        </p:txBody>
+      </p:sp>
+    </p:spTree>
+    <p:extLst>
+      <p:ext uri="{BB962C8B-B14F-4D97-AF65-F5344CB8AC3E}">
+        <p14:creationId xmlns:p14="http://schemas.microsoft.com/office/powerpoint/2010/main" val="751313883"/>
+      </p:ext>
+    </p:extLst>
+  </p:cSld>
+  <p:clrMapOvr>
+    <a:masterClrMapping/>
+  </p:clrMapOvr>
+  <p:transition/>
+</p:sld>
+</file>
+
 <file path=ppt/slides/slide3.xml><?xml version="1.0" encoding="utf-8"?>
 <p:sld xmlns:a="http://schemas.openxmlformats.org/drawingml/2006/main" xmlns:r="http://schemas.openxmlformats.org/officeDocument/2006/relationships" xmlns:p="http://schemas.openxmlformats.org/presentationml/2006/main">
   <p:cSld>
@@ -35182,60 +33387,52 @@
           <a:bodyPr/>
           <a:lstStyle/>
           <a:p>
-            <a:pPr marL="342900" indent="-342900">
+            <a:r>
+              <a:rPr lang="en-GB" b="1" dirty="0"/>
+              <a:t>A module is a file containing code</a:t>
+            </a:r>
+          </a:p>
+          <a:p>
+            <a:pPr marL="444500" lvl="1" indent="-258763">
               <a:buFont typeface="Arial" panose="020B0604020202020204" pitchFamily="34" charset="0"/>
               <a:buChar char="•"/>
             </a:pPr>
             <a:r>
-              <a:rPr lang="en-GB" b="1" dirty="0"/>
-              <a:t>A module is a file containing code</a:t>
-            </a:r>
-          </a:p>
-          <a:p>
-            <a:pPr lvl="1">
+              <a:rPr lang="en-GB" sz="1800" dirty="0"/>
+              <a:t>Usually, but not exclusively, written in Python</a:t>
+            </a:r>
+          </a:p>
+          <a:p>
+            <a:pPr marL="444500" lvl="1" indent="-258763">
               <a:buFont typeface="Arial" panose="020B0604020202020204" pitchFamily="34" charset="0"/>
               <a:buChar char="•"/>
             </a:pPr>
             <a:r>
               <a:rPr lang="en-GB" sz="1800" dirty="0"/>
-              <a:t>Usually, but not exclusively, written in Python</a:t>
-            </a:r>
-          </a:p>
-          <a:p>
-            <a:pPr lvl="1">
+              <a:t>Usually with a .</a:t>
+            </a:r>
+            <a:r>
+              <a:rPr lang="en-GB" sz="1800" dirty="0" err="1"/>
+              <a:t>py</a:t>
+            </a:r>
+            <a:r>
+              <a:rPr lang="en-GB" sz="1800" dirty="0"/>
+              <a:t> filename suffix (some modules are built-in)</a:t>
+            </a:r>
+          </a:p>
+          <a:p>
+            <a:r>
+              <a:rPr lang="en-GB" b="1" dirty="0"/>
+              <a:t>A module might be byte-code</a:t>
+            </a:r>
+          </a:p>
+          <a:p>
+            <a:pPr marL="444500" lvl="1" indent="-258763">
               <a:buFont typeface="Arial" panose="020B0604020202020204" pitchFamily="34" charset="0"/>
               <a:buChar char="•"/>
             </a:pPr>
             <a:r>
               <a:rPr lang="en-GB" sz="1800" dirty="0"/>
-              <a:t>Usually with a .</a:t>
-            </a:r>
-            <a:r>
-              <a:rPr lang="en-GB" sz="1800" dirty="0" err="1"/>
-              <a:t>py</a:t>
-            </a:r>
-            <a:r>
-              <a:rPr lang="en-GB" sz="1800" dirty="0"/>
-              <a:t> filename suffix (some modules are built-in)</a:t>
-            </a:r>
-          </a:p>
-          <a:p>
-            <a:pPr marL="342900" indent="-342900">
-              <a:buFont typeface="Arial" panose="020B0604020202020204" pitchFamily="34" charset="0"/>
-              <a:buChar char="•"/>
-            </a:pPr>
-            <a:r>
-              <a:rPr lang="en-GB" b="1" dirty="0"/>
-              <a:t>A module might be byte-code</a:t>
-            </a:r>
-          </a:p>
-          <a:p>
-            <a:pPr lvl="1">
-              <a:buFont typeface="Arial" panose="020B0604020202020204" pitchFamily="34" charset="0"/>
-              <a:buChar char="•"/>
-            </a:pPr>
-            <a:r>
-              <a:rPr lang="en-GB" sz="1800" dirty="0"/>
               <a:t>Python will create a .</a:t>
             </a:r>
             <a:r>
@@ -35248,7 +33445,7 @@
             </a:r>
           </a:p>
           <a:p>
-            <a:pPr lvl="1">
+            <a:pPr marL="444500" lvl="1" indent="-258763">
               <a:buFont typeface="Arial" panose="020B0604020202020204" pitchFamily="34" charset="0"/>
               <a:buChar char="•"/>
             </a:pPr>
@@ -35280,7 +33477,7 @@
             </a:r>
           </a:p>
           <a:p>
-            <a:pPr lvl="1">
+            <a:pPr marL="444500" lvl="1" indent="-258763">
               <a:buFont typeface="Arial" panose="020B0604020202020204" pitchFamily="34" charset="0"/>
               <a:buChar char="•"/>
             </a:pPr>
@@ -35298,21 +33495,17 @@
             </a:r>
           </a:p>
           <a:p>
-            <a:pPr marL="342900" indent="-342900">
+            <a:r>
+              <a:rPr lang="en-GB" b="1" dirty="0"/>
+              <a:t>A module might be a DLL or shared object</a:t>
+            </a:r>
+          </a:p>
+          <a:p>
+            <a:pPr marL="444500" lvl="1" indent="-258763">
               <a:buFont typeface="Arial" panose="020B0604020202020204" pitchFamily="34" charset="0"/>
               <a:buChar char="•"/>
             </a:pPr>
             <a:r>
-              <a:rPr lang="en-GB" b="1" dirty="0"/>
-              <a:t>A module might be a DLL or shared object</a:t>
-            </a:r>
-          </a:p>
-          <a:p>
-            <a:pPr lvl="1">
-              <a:buFont typeface="Arial" panose="020B0604020202020204" pitchFamily="34" charset="0"/>
-              <a:buChar char="•"/>
-            </a:pPr>
-            <a:r>
               <a:rPr lang="en-GB" sz="1800" dirty="0"/>
               <a:t>With a .</a:t>
             </a:r>
@@ -35326,7 +33519,7 @@
             </a:r>
           </a:p>
           <a:p>
-            <a:pPr lvl="1">
+            <a:pPr marL="444500" lvl="1" indent="-258763">
               <a:buFont typeface="Arial" panose="020B0604020202020204" pitchFamily="34" charset="0"/>
               <a:buChar char="•"/>
             </a:pPr>
@@ -35449,30 +33642,18 @@
           </a:bodyPr>
           <a:lstStyle/>
           <a:p>
-            <a:pPr marL="342900" indent="-342900">
-              <a:buFont typeface="Arial" panose="020B0604020202020204" pitchFamily="34" charset="0"/>
-              <a:buChar char="•"/>
-            </a:pPr>
             <a:r>
               <a:rPr lang="en-GB" b="1" dirty="0"/>
               <a:t>A package is a logical group of modules</a:t>
             </a:r>
           </a:p>
           <a:p>
-            <a:pPr marL="342900" indent="-342900">
-              <a:buFont typeface="Arial" panose="020B0604020202020204" pitchFamily="34" charset="0"/>
-              <a:buChar char="•"/>
-            </a:pPr>
             <a:r>
               <a:rPr lang="en-GB" b="1" dirty="0"/>
               <a:t>A directory containing a set of modules is a package</a:t>
             </a:r>
           </a:p>
           <a:p>
-            <a:pPr marL="342900" indent="-342900">
-              <a:buFont typeface="Arial" panose="020B0604020202020204" pitchFamily="34" charset="0"/>
-              <a:buChar char="•"/>
-            </a:pPr>
             <a:r>
               <a:rPr lang="en-GB" b="1" dirty="0"/>
               <a:t>The difference is a file called </a:t>
@@ -35485,56 +33666,59 @@
             </a:r>
           </a:p>
           <a:p>
-            <a:pPr lvl="1">
+            <a:pPr marL="444500" lvl="1" indent="-258763">
               <a:buFont typeface="Arial" panose="020B0604020202020204" pitchFamily="34" charset="0"/>
               <a:buChar char="•"/>
             </a:pPr>
             <a:r>
-              <a:rPr lang="en-GB" dirty="0"/>
+              <a:rPr lang="en-GB" sz="1800" dirty="0"/>
               <a:t>Often empty</a:t>
             </a:r>
           </a:p>
           <a:p>
-            <a:pPr lvl="1">
+            <a:pPr marL="444500" lvl="1" indent="-258763">
               <a:buFont typeface="Arial" panose="020B0604020202020204" pitchFamily="34" charset="0"/>
               <a:buChar char="•"/>
             </a:pPr>
             <a:r>
-              <a:rPr lang="en-GB" dirty="0"/>
+              <a:rPr lang="en-GB" sz="1800" dirty="0"/>
               <a:t>Can contain initialisation code</a:t>
             </a:r>
           </a:p>
           <a:p>
-            <a:pPr lvl="1">
+            <a:pPr marL="444500" lvl="1" indent="-258763">
               <a:buFont typeface="Arial" panose="020B0604020202020204" pitchFamily="34" charset="0"/>
               <a:buChar char="•"/>
             </a:pPr>
             <a:r>
-              <a:rPr lang="en-GB" dirty="0"/>
+              <a:rPr lang="en-GB" sz="1800" dirty="0"/>
               <a:t>Can even contain functions</a:t>
             </a:r>
           </a:p>
           <a:p>
-            <a:pPr lvl="1">
+            <a:pPr marL="444500" lvl="1" indent="-258763">
               <a:buFont typeface="Arial" panose="020B0604020202020204" pitchFamily="34" charset="0"/>
               <a:buChar char="•"/>
             </a:pPr>
             <a:r>
-              <a:rPr lang="en-GB" dirty="0"/>
+              <a:rPr lang="en-GB" sz="1800" dirty="0"/>
               <a:t>Can contain a list of the public interfaces as attribute </a:t>
             </a:r>
             <a:r>
-              <a:rPr lang="en-GB" dirty="0">
+              <a:rPr lang="en-GB" sz="1800" dirty="0">
                 <a:latin typeface="Courier New" panose="02070309020205020404" pitchFamily="49" charset="0"/>
               </a:rPr>
               <a:t>__all__</a:t>
             </a:r>
           </a:p>
           <a:p>
-            <a:pPr lvl="2"/>
+            <a:pPr marL="444500" lvl="2" indent="-258763">
+              <a:buFont typeface="Arial" panose="020B0604020202020204" pitchFamily="34" charset="0"/>
+              <a:buChar char="•"/>
+            </a:pPr>
             <a:r>
               <a:rPr lang="en-GB" sz="1800" dirty="0"/>
-              <a:t> These are the names imported with </a:t>
+              <a:t>These are the names imported with </a:t>
             </a:r>
             <a:r>
               <a:rPr lang="en-US" sz="1800" dirty="0">
@@ -35570,23 +33754,23 @@
             <a:endParaRPr lang="en-US" dirty="0"/>
           </a:p>
           <a:p>
-            <a:pPr lvl="1">
+            <a:pPr marL="444500" lvl="1" indent="-258763">
               <a:buFont typeface="Arial" panose="020B0604020202020204" pitchFamily="34" charset="0"/>
               <a:buChar char="•"/>
             </a:pPr>
             <a:r>
-              <a:rPr lang="en-US" dirty="0"/>
+              <a:rPr lang="en-US" sz="1800" dirty="0"/>
               <a:t>See </a:t>
             </a:r>
             <a:r>
-              <a:rPr lang="en-US" i="1" dirty="0"/>
+              <a:rPr lang="en-US" sz="1800" i="1" dirty="0"/>
               <a:t>Namespace packages</a:t>
             </a:r>
             <a:r>
-              <a:rPr lang="en-US" dirty="0"/>
+              <a:rPr lang="en-US" sz="1800" dirty="0"/>
               <a:t> later…</a:t>
             </a:r>
-            <a:endParaRPr lang="en-US" dirty="0">
+            <a:endParaRPr lang="en-US" sz="1800" dirty="0">
               <a:latin typeface="Courier New" panose="02070309020205020404" pitchFamily="49" charset="0"/>
             </a:endParaRPr>
           </a:p>
@@ -35606,7 +33790,7 @@
         </p:nvSpPr>
         <p:spPr bwMode="auto">
           <a:xfrm>
-            <a:off x="1748633" y="4575169"/>
+            <a:off x="809520" y="4402175"/>
             <a:ext cx="6739345" cy="646331"/>
           </a:xfrm>
           <a:prstGeom prst="rect">
@@ -35626,6 +33810,13 @@
             <a:headEnd/>
             <a:tailEnd/>
           </a:ln>
+          <a:effectLst>
+            <a:outerShdw blurRad="50800" dist="38100" dir="2700000" algn="tl" rotWithShape="0">
+              <a:prstClr val="black">
+                <a:alpha val="40000"/>
+              </a:prstClr>
+            </a:outerShdw>
+          </a:effectLst>
         </p:spPr>
         <p:txBody>
           <a:bodyPr wrap="none">
@@ -35851,132 +34042,112 @@
           </a:bodyPr>
           <a:lstStyle/>
           <a:p>
-            <a:pPr marL="342900" indent="-342900">
+            <a:r>
+              <a:rPr lang="en-GB" b="1" dirty="0"/>
+              <a:t>Increase maintainability</a:t>
+            </a:r>
+          </a:p>
+          <a:p>
+            <a:pPr marL="441325" lvl="1" indent="-261938">
               <a:buFont typeface="Arial" panose="020B0604020202020204" pitchFamily="34" charset="0"/>
               <a:buChar char="•"/>
             </a:pPr>
             <a:r>
+              <a:rPr lang="en-GB" sz="1800" dirty="0"/>
+              <a:t>Independent modules can be understood easily</a:t>
+            </a:r>
+          </a:p>
+          <a:p>
+            <a:r>
               <a:rPr lang="en-GB" b="1" dirty="0"/>
-              <a:t>Increase maintainability</a:t>
-            </a:r>
-          </a:p>
-          <a:p>
-            <a:pPr lvl="1">
+              <a:t>Functional decomposition</a:t>
+            </a:r>
+          </a:p>
+          <a:p>
+            <a:pPr marL="441325" lvl="1" indent="-261938">
               <a:buFont typeface="Arial" panose="020B0604020202020204" pitchFamily="34" charset="0"/>
               <a:buChar char="•"/>
             </a:pPr>
             <a:r>
-              <a:rPr lang="en-GB" dirty="0"/>
-              <a:t>Independent modules can be understood easily</a:t>
-            </a:r>
-          </a:p>
-          <a:p>
-            <a:pPr marL="342900" indent="-342900">
+              <a:rPr lang="en-GB" sz="1800" dirty="0"/>
+              <a:t>Simplify the implementation</a:t>
+            </a:r>
+          </a:p>
+          <a:p>
+            <a:r>
+              <a:rPr lang="en-GB" b="1" dirty="0"/>
+              <a:t>Encapsulation &amp; information hiding</a:t>
+            </a:r>
+          </a:p>
+          <a:p>
+            <a:pPr marL="441325" lvl="1" indent="-261938">
               <a:buFont typeface="Arial" panose="020B0604020202020204" pitchFamily="34" charset="0"/>
               <a:buChar char="•"/>
             </a:pPr>
             <a:r>
-              <a:rPr lang="en-GB" b="1" dirty="0"/>
-              <a:t>Functional decomposition</a:t>
-            </a:r>
-          </a:p>
-          <a:p>
-            <a:pPr lvl="1">
+              <a:rPr lang="en-GB" sz="1800" dirty="0"/>
+              <a:t>Easier re-use of modules in a different program</a:t>
+            </a:r>
+          </a:p>
+          <a:p>
+            <a:pPr marL="441325" lvl="1" indent="-261938">
               <a:buFont typeface="Arial" panose="020B0604020202020204" pitchFamily="34" charset="0"/>
               <a:buChar char="•"/>
             </a:pPr>
             <a:r>
-              <a:rPr lang="en-GB" dirty="0"/>
-              <a:t>Simplify the implementation</a:t>
-            </a:r>
-          </a:p>
-          <a:p>
-            <a:pPr marL="342900" indent="-342900">
+              <a:rPr lang="en-GB" sz="1800" dirty="0"/>
+              <a:t>Easier to change module without affecting the entire program</a:t>
+            </a:r>
+          </a:p>
+          <a:p>
+            <a:r>
+              <a:rPr lang="en-GB" b="1" dirty="0"/>
+              <a:t>Support concurrent development</a:t>
+            </a:r>
+          </a:p>
+          <a:p>
+            <a:pPr marL="441325" lvl="1" indent="-261938">
               <a:buFont typeface="Arial" panose="020B0604020202020204" pitchFamily="34" charset="0"/>
               <a:buChar char="•"/>
             </a:pPr>
             <a:r>
-              <a:rPr lang="en-GB" b="1" dirty="0"/>
-              <a:t>Encapsulation &amp; information hiding</a:t>
-            </a:r>
-          </a:p>
-          <a:p>
-            <a:pPr lvl="1">
+              <a:rPr lang="en-GB" sz="1800" dirty="0"/>
+              <a:t>Multiple people working simultaneously</a:t>
+            </a:r>
+          </a:p>
+          <a:p>
+            <a:pPr marL="441325" lvl="1" indent="-261938">
               <a:buFont typeface="Arial" panose="020B0604020202020204" pitchFamily="34" charset="0"/>
               <a:buChar char="•"/>
             </a:pPr>
             <a:r>
-              <a:rPr lang="en-GB" dirty="0"/>
-              <a:t>Easier re-use of modules in a different program</a:t>
-            </a:r>
-          </a:p>
-          <a:p>
-            <a:pPr lvl="1">
+              <a:rPr lang="en-GB" sz="1800" dirty="0"/>
+              <a:t>Debug separately in discrete units</a:t>
+            </a:r>
+          </a:p>
+          <a:p>
+            <a:r>
+              <a:rPr lang="en-GB" b="1" dirty="0"/>
+              <a:t>Promote reuse</a:t>
+            </a:r>
+          </a:p>
+          <a:p>
+            <a:pPr marL="441325" lvl="1" indent="-261938">
               <a:buFont typeface="Arial" panose="020B0604020202020204" pitchFamily="34" charset="0"/>
               <a:buChar char="•"/>
             </a:pPr>
             <a:r>
-              <a:rPr lang="en-GB" dirty="0"/>
-              <a:t>Easier to change module without affecting the entire program</a:t>
-            </a:r>
-          </a:p>
-          <a:p>
-            <a:pPr marL="342900" indent="-342900">
+              <a:rPr lang="en-GB" sz="1800" dirty="0"/>
+              <a:t>Logical variable and function names can safely be reused</a:t>
+            </a:r>
+          </a:p>
+          <a:p>
+            <a:pPr marL="441325" lvl="1" indent="-261938">
               <a:buFont typeface="Arial" panose="020B0604020202020204" pitchFamily="34" charset="0"/>
               <a:buChar char="•"/>
             </a:pPr>
             <a:r>
-              <a:rPr lang="en-GB" b="1" dirty="0"/>
-              <a:t>Support concurrent development</a:t>
-            </a:r>
-          </a:p>
-          <a:p>
-            <a:pPr lvl="1">
-              <a:buFont typeface="Arial" panose="020B0604020202020204" pitchFamily="34" charset="0"/>
-              <a:buChar char="•"/>
-            </a:pPr>
-            <a:r>
-              <a:rPr lang="en-GB" dirty="0"/>
-              <a:t>Multiple people working simultaneously</a:t>
-            </a:r>
-          </a:p>
-          <a:p>
-            <a:pPr lvl="1">
-              <a:buFont typeface="Arial" panose="020B0604020202020204" pitchFamily="34" charset="0"/>
-              <a:buChar char="•"/>
-            </a:pPr>
-            <a:r>
-              <a:rPr lang="en-GB" dirty="0"/>
-              <a:t>Debug separately in discrete units</a:t>
-            </a:r>
-          </a:p>
-          <a:p>
-            <a:pPr marL="342900" indent="-342900">
-              <a:buFont typeface="Arial" panose="020B0604020202020204" pitchFamily="34" charset="0"/>
-              <a:buChar char="•"/>
-            </a:pPr>
-            <a:r>
-              <a:rPr lang="en-GB" b="1" dirty="0"/>
-              <a:t>Promote reuse</a:t>
-            </a:r>
-          </a:p>
-          <a:p>
-            <a:pPr lvl="1">
-              <a:buFont typeface="Arial" panose="020B0604020202020204" pitchFamily="34" charset="0"/>
-              <a:buChar char="•"/>
-            </a:pPr>
-            <a:r>
-              <a:rPr lang="en-GB" dirty="0"/>
-              <a:t>Logical variable and function names can safely be reused</a:t>
-            </a:r>
-          </a:p>
-          <a:p>
-            <a:pPr lvl="1">
-              <a:buFont typeface="Arial" panose="020B0604020202020204" pitchFamily="34" charset="0"/>
-              <a:buChar char="•"/>
-            </a:pPr>
-            <a:r>
-              <a:rPr lang="en-GB" dirty="0"/>
+              <a:rPr lang="en-GB" sz="1800" dirty="0"/>
               <a:t>Use or adapt available standard modules </a:t>
             </a:r>
           </a:p>
@@ -36052,125 +34223,114 @@
           </a:bodyPr>
           <a:lstStyle/>
           <a:p>
-            <a:pPr marL="342900" indent="-342900">
+            <a:r>
+              <a:rPr lang="en-GB" b="1" dirty="0"/>
+              <a:t>The initial path is from </a:t>
+            </a:r>
+            <a:r>
+              <a:rPr lang="en-GB" b="1" dirty="0" err="1"/>
+              <a:t>sys.path</a:t>
+            </a:r>
+            <a:endParaRPr lang="en-GB" b="1" dirty="0"/>
+          </a:p>
+          <a:p>
+            <a:pPr marL="441325" lvl="1" indent="-261938">
               <a:buFont typeface="Arial" panose="020B0604020202020204" pitchFamily="34" charset="0"/>
               <a:buChar char="•"/>
             </a:pPr>
             <a:r>
-              <a:rPr lang="en-GB" b="1" dirty="0"/>
-              <a:t>The initial path is from </a:t>
-            </a:r>
-            <a:r>
-              <a:rPr lang="en-GB" b="1" dirty="0" err="1"/>
-              <a:t>sys.path</a:t>
-            </a:r>
-            <a:endParaRPr lang="en-GB" b="1" dirty="0"/>
-          </a:p>
-          <a:p>
-            <a:pPr lvl="1">
+              <a:rPr lang="en-GB" sz="1800" dirty="0"/>
+              <a:t>May be modified using </a:t>
+            </a:r>
+            <a:r>
+              <a:rPr lang="en-GB" sz="1800" dirty="0" err="1">
+                <a:latin typeface="Courier New" panose="02070309020205020404" pitchFamily="49" charset="0"/>
+              </a:rPr>
+              <a:t>sys.path.append</a:t>
+            </a:r>
+            <a:r>
+              <a:rPr lang="en-GB" sz="1800" dirty="0">
+                <a:latin typeface="Courier New" panose="02070309020205020404" pitchFamily="49" charset="0"/>
+              </a:rPr>
+              <a:t>(</a:t>
+            </a:r>
+            <a:r>
+              <a:rPr lang="en-GB" sz="1800" b="0" i="1" dirty="0" err="1"/>
+              <a:t>dirname</a:t>
+            </a:r>
+            <a:r>
+              <a:rPr lang="en-GB" sz="1800" dirty="0">
+                <a:latin typeface="Courier New" panose="02070309020205020404" pitchFamily="49" charset="0"/>
+              </a:rPr>
+              <a:t>)</a:t>
+            </a:r>
+          </a:p>
+          <a:p>
+            <a:pPr marL="441325" lvl="1" indent="-261938">
               <a:buFont typeface="Arial" panose="020B0604020202020204" pitchFamily="34" charset="0"/>
               <a:buChar char="•"/>
             </a:pPr>
             <a:r>
-              <a:rPr lang="en-GB" dirty="0"/>
-              <a:t>May be modified using </a:t>
-            </a:r>
-            <a:r>
-              <a:rPr lang="en-GB" dirty="0" err="1">
-                <a:latin typeface="Courier New" panose="02070309020205020404" pitchFamily="49" charset="0"/>
-              </a:rPr>
-              <a:t>sys.path.append</a:t>
-            </a:r>
-            <a:r>
-              <a:rPr lang="en-GB" dirty="0">
-                <a:latin typeface="Courier New" panose="02070309020205020404" pitchFamily="49" charset="0"/>
-              </a:rPr>
-              <a:t>(</a:t>
-            </a:r>
-            <a:r>
-              <a:rPr lang="en-GB" b="0" i="1" dirty="0" err="1"/>
-              <a:t>dirname</a:t>
-            </a:r>
-            <a:r>
-              <a:rPr lang="en-GB" dirty="0">
-                <a:latin typeface="Courier New" panose="02070309020205020404" pitchFamily="49" charset="0"/>
-              </a:rPr>
-              <a:t>)</a:t>
-            </a:r>
-          </a:p>
-          <a:p>
-            <a:pPr lvl="1">
+              <a:rPr lang="en-GB" sz="1800" dirty="0"/>
+              <a:t>Starts with the directory from which the main program was loaded</a:t>
+            </a:r>
+          </a:p>
+          <a:p>
+            <a:pPr lvl="1"/>
+            <a:endParaRPr lang="en-GB" dirty="0"/>
+          </a:p>
+          <a:p>
+            <a:pPr lvl="1"/>
+            <a:endParaRPr lang="en-GB" dirty="0"/>
+          </a:p>
+          <a:p>
+            <a:pPr lvl="1"/>
+            <a:endParaRPr lang="en-GB" dirty="0"/>
+          </a:p>
+          <a:p>
+            <a:pPr lvl="1"/>
+            <a:endParaRPr lang="en-GB" dirty="0"/>
+          </a:p>
+          <a:p>
+            <a:pPr lvl="1"/>
+            <a:endParaRPr lang="en-GB" dirty="0"/>
+          </a:p>
+          <a:p>
+            <a:pPr lvl="1"/>
+            <a:endParaRPr lang="en-GB" dirty="0"/>
+          </a:p>
+          <a:p>
+            <a:r>
+              <a:rPr lang="en-GB" b="1" dirty="0"/>
+              <a:t>Or change environment variable PYTHONPATH</a:t>
+            </a:r>
+          </a:p>
+          <a:p>
+            <a:pPr marL="441325" lvl="1" indent="-261938">
               <a:buFont typeface="Arial" panose="020B0604020202020204" pitchFamily="34" charset="0"/>
               <a:buChar char="•"/>
             </a:pPr>
             <a:r>
-              <a:rPr lang="en-GB" dirty="0"/>
-              <a:t>Starts with the directory from which the main program was loaded</a:t>
-            </a:r>
-          </a:p>
-          <a:p>
-            <a:pPr lvl="1"/>
-            <a:endParaRPr lang="en-GB" dirty="0"/>
-          </a:p>
-          <a:p>
-            <a:pPr lvl="1"/>
-            <a:endParaRPr lang="en-GB" dirty="0"/>
-          </a:p>
-          <a:p>
-            <a:pPr lvl="1"/>
-            <a:endParaRPr lang="en-GB" dirty="0"/>
-          </a:p>
-          <a:p>
-            <a:pPr lvl="1"/>
-            <a:endParaRPr lang="en-GB" dirty="0"/>
-          </a:p>
-          <a:p>
-            <a:pPr lvl="1"/>
-            <a:endParaRPr lang="en-GB" dirty="0"/>
-          </a:p>
-          <a:p>
-            <a:pPr lvl="1"/>
-            <a:endParaRPr lang="en-GB" dirty="0"/>
-          </a:p>
-          <a:p>
-            <a:pPr marL="342900" indent="-342900">
+              <a:rPr lang="en-GB" sz="1800" dirty="0"/>
+              <a:t>Contains a list of directories to be searched</a:t>
+            </a:r>
+          </a:p>
+          <a:p>
+            <a:pPr marL="441325" lvl="1" indent="-261938">
               <a:buFont typeface="Arial" panose="020B0604020202020204" pitchFamily="34" charset="0"/>
               <a:buChar char="•"/>
             </a:pPr>
             <a:r>
-              <a:rPr lang="en-GB" b="1" dirty="0"/>
-              <a:t>Or change environment variable PYTHONPATH</a:t>
-            </a:r>
-          </a:p>
-          <a:p>
-            <a:pPr lvl="1">
-              <a:buFont typeface="Arial" panose="020B0604020202020204" pitchFamily="34" charset="0"/>
-              <a:buChar char="•"/>
-            </a:pPr>
-            <a:r>
-              <a:rPr lang="en-GB" dirty="0"/>
-              <a:t>Contains a list of directories to be searched</a:t>
-            </a:r>
-          </a:p>
-          <a:p>
-            <a:pPr lvl="1">
-              <a:buFont typeface="Arial" panose="020B0604020202020204" pitchFamily="34" charset="0"/>
-              <a:buChar char="•"/>
-            </a:pPr>
-            <a:r>
-              <a:rPr lang="en-GB" dirty="0"/>
-              <a:t>Separator is the same as your system's PATH</a:t>
-            </a:r>
-          </a:p>
-          <a:p>
-            <a:pPr lvl="2"/>
+              <a:rPr lang="en-GB" sz="1800" dirty="0"/>
+              <a:t>Separator is the same as your system's PATH -</a:t>
+            </a:r>
             <a:r>
               <a:rPr lang="en-GB" sz="1800" b="1" dirty="0"/>
               <a:t> :</a:t>
             </a:r>
             <a:r>
               <a:rPr lang="en-GB" sz="1800" dirty="0"/>
-              <a:t> for *NIX     </a:t>
+              <a:t> for *NIX  and  </a:t>
             </a:r>
             <a:r>
               <a:rPr lang="en-GB" sz="1800" b="1" dirty="0"/>
@@ -36193,7 +34353,7 @@
         </p:nvSpPr>
         <p:spPr bwMode="auto">
           <a:xfrm>
-            <a:off x="1546113" y="3767146"/>
+            <a:off x="1103808" y="3704425"/>
             <a:ext cx="7513638" cy="650875"/>
           </a:xfrm>
           <a:prstGeom prst="rect">
@@ -36210,6 +34370,13 @@
             <a:headEnd/>
             <a:tailEnd/>
           </a:ln>
+          <a:effectLst>
+            <a:outerShdw blurRad="50800" dist="38100" dir="2700000" algn="tl" rotWithShape="0">
+              <a:prstClr val="black">
+                <a:alpha val="40000"/>
+              </a:prstClr>
+            </a:outerShdw>
+          </a:effectLst>
         </p:spPr>
         <p:txBody>
           <a:bodyPr wrap="none">
@@ -36375,7 +34542,7 @@
         </p:nvSpPr>
         <p:spPr bwMode="auto">
           <a:xfrm>
-            <a:off x="1546113" y="2504275"/>
+            <a:off x="729684" y="2503078"/>
             <a:ext cx="7499350" cy="1200150"/>
           </a:xfrm>
           <a:prstGeom prst="rect">
@@ -36395,7 +34562,13 @@
             <a:headEnd/>
             <a:tailEnd/>
           </a:ln>
-          <a:effectLst/>
+          <a:effectLst>
+            <a:outerShdw blurRad="50800" dist="38100" dir="2700000" algn="tl" rotWithShape="0">
+              <a:prstClr val="black">
+                <a:alpha val="40000"/>
+              </a:prstClr>
+            </a:outerShdw>
+          </a:effectLst>
         </p:spPr>
         <p:txBody>
           <a:bodyPr wrap="square">
@@ -36668,12 +34841,12 @@
             </a:r>
           </a:p>
           <a:p>
-            <a:pPr lvl="1">
+            <a:pPr marL="441325" lvl="1" indent="-261938">
               <a:buFont typeface="Arial" panose="020B0604020202020204" pitchFamily="34" charset="0"/>
               <a:buChar char="•"/>
             </a:pPr>
             <a:r>
-              <a:rPr lang="en-GB" dirty="0"/>
+              <a:rPr lang="en-GB" sz="1800" dirty="0"/>
               <a:t>At the top of your program, by convention</a:t>
             </a:r>
           </a:p>
@@ -36694,52 +34867,52 @@
             <a:endParaRPr lang="en-GB" sz="900" dirty="0"/>
           </a:p>
           <a:p>
-            <a:pPr lvl="1">
+            <a:pPr marL="441325" lvl="1" indent="-261938">
               <a:buFont typeface="Arial" panose="020B0604020202020204" pitchFamily="34" charset="0"/>
               <a:buChar char="•"/>
             </a:pPr>
             <a:r>
-              <a:rPr lang="en-GB" dirty="0"/>
+              <a:rPr lang="en-GB" sz="1800" dirty="0"/>
               <a:t>Can specify a comma-separated list of module names</a:t>
             </a:r>
           </a:p>
           <a:p>
-            <a:pPr lvl="1"/>
-            <a:endParaRPr lang="en-GB" dirty="0"/>
-          </a:p>
-          <a:p>
-            <a:pPr lvl="1"/>
-            <a:endParaRPr lang="en-GB" dirty="0"/>
-          </a:p>
-          <a:p>
-            <a:pPr lvl="1">
+            <a:pPr marL="441325" lvl="1" indent="-261938"/>
+            <a:endParaRPr lang="en-GB" sz="1800" dirty="0"/>
+          </a:p>
+          <a:p>
+            <a:pPr marL="441325" lvl="1" indent="-261938"/>
+            <a:endParaRPr lang="en-GB" sz="1800" dirty="0"/>
+          </a:p>
+          <a:p>
+            <a:pPr marL="441325" lvl="1" indent="-261938">
               <a:buFont typeface="Arial" panose="020B0604020202020204" pitchFamily="34" charset="0"/>
               <a:buChar char="•"/>
             </a:pPr>
             <a:r>
-              <a:rPr lang="en-GB" dirty="0"/>
+              <a:rPr lang="en-GB" sz="1800" dirty="0"/>
               <a:t>Can specify an alias for a module name</a:t>
             </a:r>
           </a:p>
           <a:p>
-            <a:pPr lvl="1"/>
-            <a:endParaRPr lang="en-GB" dirty="0"/>
-          </a:p>
-          <a:p>
-            <a:pPr lvl="1"/>
-            <a:endParaRPr lang="en-GB" dirty="0"/>
-          </a:p>
-          <a:p>
-            <a:pPr lvl="1"/>
-            <a:endParaRPr lang="en-GB" sz="800" dirty="0"/>
-          </a:p>
-          <a:p>
-            <a:pPr lvl="1">
+            <a:pPr marL="441325" lvl="1" indent="-261938"/>
+            <a:endParaRPr lang="en-GB" sz="1800" dirty="0"/>
+          </a:p>
+          <a:p>
+            <a:pPr marL="441325" lvl="1" indent="-261938"/>
+            <a:endParaRPr lang="en-GB" sz="1800" dirty="0"/>
+          </a:p>
+          <a:p>
+            <a:pPr marL="441325" lvl="1" indent="-261938"/>
+            <a:endParaRPr lang="en-GB" sz="1800" dirty="0"/>
+          </a:p>
+          <a:p>
+            <a:pPr marL="441325" lvl="1" indent="-261938">
               <a:buFont typeface="Arial" panose="020B0604020202020204" pitchFamily="34" charset="0"/>
               <a:buChar char="•"/>
             </a:pPr>
             <a:r>
-              <a:rPr lang="en-GB" dirty="0"/>
+              <a:rPr lang="en-GB" sz="1800" dirty="0"/>
               <a:t>Trouble is, you have to specify the module name for each call</a:t>
             </a:r>
           </a:p>
@@ -36755,7 +34928,7 @@
         </p:nvSpPr>
         <p:spPr bwMode="auto">
           <a:xfrm>
-            <a:off x="1028394" y="2281500"/>
+            <a:off x="799794" y="2179638"/>
             <a:ext cx="6990397" cy="711200"/>
           </a:xfrm>
           <a:prstGeom prst="rect">
@@ -36775,7 +34948,13 @@
             <a:headEnd/>
             <a:tailEnd/>
           </a:ln>
-          <a:effectLst/>
+          <a:effectLst>
+            <a:outerShdw blurRad="50800" dist="38100" dir="2700000" algn="tl" rotWithShape="0">
+              <a:prstClr val="black">
+                <a:alpha val="40000"/>
+              </a:prstClr>
+            </a:outerShdw>
+          </a:effectLst>
         </p:spPr>
         <p:txBody>
           <a:bodyPr wrap="square">
@@ -36947,7 +35126,7 @@
         </p:nvSpPr>
         <p:spPr bwMode="auto">
           <a:xfrm>
-            <a:off x="1028394" y="3865301"/>
+            <a:off x="782331" y="3716370"/>
             <a:ext cx="7007860" cy="400110"/>
           </a:xfrm>
           <a:prstGeom prst="rect">
@@ -36967,7 +35146,13 @@
             <a:headEnd/>
             <a:tailEnd/>
           </a:ln>
-          <a:effectLst/>
+          <a:effectLst>
+            <a:outerShdw blurRad="50800" dist="38100" dir="2700000" algn="tl" rotWithShape="0">
+              <a:prstClr val="black">
+                <a:alpha val="40000"/>
+              </a:prstClr>
+            </a:outerShdw>
+          </a:effectLst>
         </p:spPr>
         <p:txBody>
           <a:bodyPr wrap="square">
@@ -37138,7 +35323,7 @@
         </p:nvSpPr>
         <p:spPr bwMode="auto">
           <a:xfrm>
-            <a:off x="1028394" y="4942012"/>
+            <a:off x="799794" y="4778544"/>
             <a:ext cx="6996747" cy="711200"/>
           </a:xfrm>
           <a:prstGeom prst="rect">
@@ -37158,7 +35343,13 @@
             <a:headEnd/>
             <a:tailEnd/>
           </a:ln>
-          <a:effectLst/>
+          <a:effectLst>
+            <a:outerShdw blurRad="50800" dist="38100" dir="2700000" algn="tl" rotWithShape="0">
+              <a:prstClr val="black">
+                <a:alpha val="40000"/>
+              </a:prstClr>
+            </a:outerShdw>
+          </a:effectLst>
         </p:spPr>
         <p:txBody>
           <a:bodyPr wrap="square">
@@ -37347,6 +35538,13 @@
             <a:headEnd/>
             <a:tailEnd/>
           </a:ln>
+          <a:effectLst>
+            <a:outerShdw blurRad="50800" dist="38100" dir="2700000" algn="tl" rotWithShape="0">
+              <a:prstClr val="black">
+                <a:alpha val="40000"/>
+              </a:prstClr>
+            </a:outerShdw>
+          </a:effectLst>
         </p:spPr>
         <p:txBody>
           <a:bodyPr wrap="none">
@@ -37564,30 +35762,18 @@
           <a:bodyPr/>
           <a:lstStyle/>
           <a:p>
-            <a:pPr marL="342900" indent="-342900">
+            <a:r>
+              <a:rPr lang="en-GB" b="1" dirty="0"/>
+              <a:t>Alternatively, import the names into your namespace</a:t>
+            </a:r>
+          </a:p>
+          <a:p>
+            <a:pPr marL="441325" lvl="1" indent="-261938">
               <a:buFont typeface="Arial" panose="020B0604020202020204" pitchFamily="34" charset="0"/>
               <a:buChar char="•"/>
             </a:pPr>
             <a:r>
-              <a:rPr lang="en-GB" b="1" dirty="0"/>
-              <a:t>Alternatively, import the names into your namespace</a:t>
-            </a:r>
-          </a:p>
-          <a:p>
-            <a:pPr lvl="1"/>
-            <a:endParaRPr lang="en-GB" sz="2400" dirty="0"/>
-          </a:p>
-          <a:p>
-            <a:pPr lvl="1"/>
-            <a:endParaRPr lang="en-GB" sz="1800" dirty="0"/>
-          </a:p>
-          <a:p>
-            <a:pPr lvl="1">
-              <a:buFont typeface="Arial" panose="020B0604020202020204" pitchFamily="34" charset="0"/>
-              <a:buChar char="•"/>
-            </a:pPr>
-            <a:r>
-              <a:rPr lang="en-GB" dirty="0"/>
+              <a:rPr lang="en-GB" sz="1800" dirty="0"/>
               <a:t>Beware!  Risk of name collisions!</a:t>
             </a:r>
           </a:p>
@@ -37596,10 +35782,10 @@
             <a:endParaRPr lang="en-GB" sz="800" dirty="0"/>
           </a:p>
           <a:p>
-            <a:pPr marL="342900" indent="-342900">
-              <a:buFont typeface="Arial" panose="020B0604020202020204" pitchFamily="34" charset="0"/>
-              <a:buChar char="•"/>
-            </a:pPr>
+            <a:pPr lvl="1"/>
+            <a:endParaRPr lang="en-GB" sz="800" dirty="0"/>
+          </a:p>
+          <a:p>
             <a:r>
               <a:rPr lang="en-GB" b="1" dirty="0"/>
               <a:t>Specify specific object name(s)</a:t>
@@ -37621,10 +35807,6 @@
             <a:endParaRPr lang="en-GB" sz="1800" dirty="0"/>
           </a:p>
           <a:p>
-            <a:pPr marL="342900" indent="-342900">
-              <a:buFont typeface="Arial" panose="020B0604020202020204" pitchFamily="34" charset="0"/>
-              <a:buChar char="•"/>
-            </a:pPr>
             <a:r>
               <a:rPr lang="en-GB" b="1" dirty="0"/>
               <a:t>Or use an alias</a:t>
@@ -37646,7 +35828,7 @@
         </p:nvSpPr>
         <p:spPr bwMode="auto">
           <a:xfrm>
-            <a:off x="1037968" y="3812080"/>
+            <a:off x="776711" y="3025268"/>
             <a:ext cx="5561139" cy="925513"/>
           </a:xfrm>
           <a:prstGeom prst="rect">
@@ -37666,7 +35848,13 @@
             <a:headEnd/>
             <a:tailEnd/>
           </a:ln>
-          <a:effectLst/>
+          <a:effectLst>
+            <a:outerShdw blurRad="50800" dist="38100" dir="2700000" algn="tl" rotWithShape="0">
+              <a:prstClr val="black">
+                <a:alpha val="40000"/>
+              </a:prstClr>
+            </a:outerShdw>
+          </a:effectLst>
         </p:spPr>
         <p:txBody>
           <a:bodyPr wrap="square">
@@ -37836,7 +36024,7 @@
         </p:nvSpPr>
         <p:spPr bwMode="auto">
           <a:xfrm>
-            <a:off x="5950121" y="4291828"/>
+            <a:off x="6586935" y="3304450"/>
             <a:ext cx="3278188" cy="646331"/>
           </a:xfrm>
           <a:prstGeom prst="rect">
@@ -37853,6 +36041,13 @@
             <a:headEnd/>
             <a:tailEnd/>
           </a:ln>
+          <a:effectLst>
+            <a:outerShdw blurRad="50800" dist="38100" dir="2700000" algn="tl" rotWithShape="0">
+              <a:prstClr val="black">
+                <a:alpha val="40000"/>
+              </a:prstClr>
+            </a:outerShdw>
+          </a:effectLst>
         </p:spPr>
         <p:txBody>
           <a:bodyPr>
@@ -37974,7 +36169,7 @@
         </p:nvSpPr>
         <p:spPr bwMode="auto">
           <a:xfrm>
-            <a:off x="3116285" y="5237904"/>
+            <a:off x="776712" y="4934592"/>
             <a:ext cx="5561138" cy="1323439"/>
           </a:xfrm>
           <a:prstGeom prst="rect">
@@ -37994,7 +36189,13 @@
             <a:headEnd/>
             <a:tailEnd/>
           </a:ln>
-          <a:effectLst/>
+          <a:effectLst>
+            <a:outerShdw blurRad="50800" dist="38100" dir="2700000" algn="tl" rotWithShape="0">
+              <a:prstClr val="black">
+                <a:alpha val="40000"/>
+              </a:prstClr>
+            </a:outerShdw>
+          </a:effectLst>
         </p:spPr>
         <p:txBody>
           <a:bodyPr wrap="none">
@@ -38187,7 +36388,7 @@
         </p:nvSpPr>
         <p:spPr bwMode="auto">
           <a:xfrm>
-            <a:off x="1037968" y="1849826"/>
+            <a:off x="776711" y="2078060"/>
             <a:ext cx="5561138" cy="376237"/>
           </a:xfrm>
           <a:prstGeom prst="rect">
@@ -38207,7 +36408,13 @@
             <a:headEnd/>
             <a:tailEnd/>
           </a:ln>
-          <a:effectLst/>
+          <a:effectLst>
+            <a:outerShdw blurRad="50800" dist="38100" dir="2700000" algn="tl" rotWithShape="0">
+              <a:prstClr val="black">
+                <a:alpha val="40000"/>
+              </a:prstClr>
+            </a:outerShdw>
+          </a:effectLst>
         </p:spPr>
         <p:txBody>
           <a:bodyPr wrap="square">
@@ -38348,7 +36555,7 @@
         </p:nvSpPr>
         <p:spPr bwMode="auto">
           <a:xfrm>
-            <a:off x="6741727" y="6295942"/>
+            <a:off x="6586935" y="5866142"/>
             <a:ext cx="3278188" cy="376238"/>
           </a:xfrm>
           <a:prstGeom prst="rect">
@@ -38365,6 +36572,13 @@
             <a:headEnd/>
             <a:tailEnd/>
           </a:ln>
+          <a:effectLst>
+            <a:outerShdw blurRad="50800" dist="38100" dir="2700000" algn="tl" rotWithShape="0">
+              <a:prstClr val="black">
+                <a:alpha val="40000"/>
+              </a:prstClr>
+            </a:outerShdw>
+          </a:effectLst>
         </p:spPr>
         <p:txBody>
           <a:bodyPr>
@@ -38546,30 +36760,22 @@
           </a:bodyPr>
           <a:lstStyle/>
           <a:p>
-            <a:pPr marL="342900" indent="-342900">
+            <a:r>
+              <a:rPr lang="en-GB" b="1" dirty="0"/>
+              <a:t>Keep related modules together in the same directory</a:t>
+            </a:r>
+          </a:p>
+          <a:p>
+            <a:pPr marL="441325" lvl="1" indent="-261938">
               <a:buFont typeface="Arial" panose="020B0604020202020204" pitchFamily="34" charset="0"/>
               <a:buChar char="•"/>
             </a:pPr>
             <a:r>
-              <a:rPr lang="en-GB" b="1" dirty="0"/>
-              <a:t>Keep related modules together in the same directory</a:t>
-            </a:r>
-          </a:p>
-          <a:p>
-            <a:pPr lvl="1">
-              <a:buFont typeface="Arial" panose="020B0604020202020204" pitchFamily="34" charset="0"/>
-              <a:buChar char="•"/>
-            </a:pPr>
-            <a:r>
-              <a:rPr lang="en-GB" dirty="0"/>
+              <a:rPr lang="en-GB" sz="1800" dirty="0"/>
               <a:t>The name should not be the same as a Python system directory</a:t>
             </a:r>
           </a:p>
           <a:p>
-            <a:pPr marL="342900" indent="-342900">
-              <a:buFont typeface="Arial" panose="020B0604020202020204" pitchFamily="34" charset="0"/>
-              <a:buChar char="•"/>
-            </a:pPr>
             <a:r>
               <a:rPr lang="en-GB" b="1" dirty="0"/>
               <a:t>An </a:t>
@@ -38586,12 +36792,12 @@
             </a:r>
           </a:p>
           <a:p>
-            <a:pPr lvl="1">
+            <a:pPr marL="441325" lvl="1" indent="-261938">
               <a:buFont typeface="Arial" panose="020B0604020202020204" pitchFamily="34" charset="0"/>
               <a:buChar char="•"/>
             </a:pPr>
             <a:r>
-              <a:rPr lang="en-GB" dirty="0"/>
+              <a:rPr lang="en-GB" sz="1800" dirty="0"/>
               <a:t>Might be empty</a:t>
             </a:r>
           </a:p>
@@ -38612,74 +36818,73 @@
             <a:endParaRPr lang="en-GB" dirty="0"/>
           </a:p>
           <a:p>
-            <a:pPr marL="342900" indent="-342900">
+            <a:r>
+              <a:rPr lang="en-GB" b="1" dirty="0"/>
+              <a:t>May be nested</a:t>
+            </a:r>
+          </a:p>
+          <a:p>
+            <a:pPr marL="441325" lvl="1" indent="-261938">
               <a:buFont typeface="Arial" panose="020B0604020202020204" pitchFamily="34" charset="0"/>
               <a:buChar char="•"/>
             </a:pPr>
             <a:r>
-              <a:rPr lang="en-GB" b="1" dirty="0"/>
-              <a:t>May be nested</a:t>
-            </a:r>
-          </a:p>
-          <a:p>
-            <a:pPr lvl="1">
+              <a:rPr lang="en-GB" sz="1800" dirty="0"/>
+              <a:t>Each nested sub-directory should have a </a:t>
+            </a:r>
+            <a:r>
+              <a:rPr lang="en-GB" sz="1800" dirty="0">
+                <a:latin typeface="Courier New" panose="02070309020205020404" pitchFamily="49" charset="0"/>
+              </a:rPr>
+              <a:t>__init__.py </a:t>
+            </a:r>
+            <a:r>
+              <a:rPr lang="en-GB" sz="1800" dirty="0"/>
+              <a:t> file</a:t>
+            </a:r>
+          </a:p>
+          <a:p>
+            <a:pPr marL="441325" lvl="1" indent="-261938">
               <a:buFont typeface="Arial" panose="020B0604020202020204" pitchFamily="34" charset="0"/>
               <a:buChar char="•"/>
             </a:pPr>
             <a:r>
-              <a:rPr lang="en-GB" dirty="0"/>
-              <a:t>Each nested sub-directory should have a </a:t>
-            </a:r>
-            <a:r>
-              <a:rPr lang="en-GB" dirty="0">
-                <a:latin typeface="Courier New" panose="02070309020205020404" pitchFamily="49" charset="0"/>
-              </a:rPr>
-              <a:t>__init__.py </a:t>
-            </a:r>
-            <a:r>
-              <a:rPr lang="en-GB" dirty="0"/>
-              <a:t> file</a:t>
-            </a:r>
-          </a:p>
-          <a:p>
-            <a:pPr lvl="1">
+              <a:rPr lang="en-GB" sz="1800" dirty="0"/>
+              <a:t>Each is just another name in the hierarchy</a:t>
+            </a:r>
+          </a:p>
+          <a:p>
+            <a:pPr marL="441325" lvl="1" indent="-261938">
               <a:buFont typeface="Arial" panose="020B0604020202020204" pitchFamily="34" charset="0"/>
               <a:buChar char="•"/>
             </a:pPr>
             <a:r>
-              <a:rPr lang="en-GB" dirty="0"/>
-              <a:t>Each is just another name in the hierarchy</a:t>
-            </a:r>
-          </a:p>
-          <a:p>
-            <a:pPr lvl="1">
+              <a:rPr lang="en-GB" sz="1800" dirty="0"/>
+              <a:t>Import relative to the current package using </a:t>
+            </a:r>
+            <a:r>
+              <a:rPr lang="en-GB" sz="1800" dirty="0">
+                <a:latin typeface="Courier New" panose="02070309020205020404" pitchFamily="49" charset="0"/>
+              </a:rPr>
+              <a:t>.</a:t>
+            </a:r>
+            <a:r>
+              <a:rPr lang="en-GB" sz="1800" b="0" i="1" dirty="0"/>
+              <a:t>module</a:t>
+            </a:r>
+            <a:r>
+              <a:rPr lang="en-GB" sz="1800" dirty="0"/>
+              <a:t> </a:t>
+            </a:r>
+          </a:p>
+          <a:p>
+            <a:pPr marL="441325" lvl="2" indent="-261938">
               <a:buFont typeface="Arial" panose="020B0604020202020204" pitchFamily="34" charset="0"/>
               <a:buChar char="•"/>
             </a:pPr>
             <a:r>
-              <a:rPr lang="en-GB" dirty="0"/>
-              <a:t>Import relative to the current package using </a:t>
-            </a:r>
-            <a:r>
-              <a:rPr lang="en-GB" dirty="0">
-                <a:latin typeface="Courier New" panose="02070309020205020404" pitchFamily="49" charset="0"/>
-              </a:rPr>
-              <a:t>.</a:t>
-            </a:r>
-            <a:r>
-              <a:rPr lang="en-GB" b="0" i="1" dirty="0"/>
-              <a:t>module</a:t>
-            </a:r>
-            <a:r>
-              <a:rPr lang="en-GB" dirty="0"/>
-              <a:t> </a:t>
-            </a:r>
-          </a:p>
-          <a:p>
-            <a:pPr lvl="2"/>
-            <a:r>
               <a:rPr lang="en-GB" sz="1800" dirty="0"/>
-              <a:t> Import relative to the parent using </a:t>
+              <a:t>Import relative to the parent using </a:t>
             </a:r>
             <a:r>
               <a:rPr lang="en-GB" sz="1800" b="1" dirty="0">
@@ -38704,11 +36909,18 @@
         </p:nvGrpSpPr>
         <p:grpSpPr bwMode="auto">
           <a:xfrm>
-            <a:off x="2278063" y="2214217"/>
-            <a:ext cx="6427787" cy="1557338"/>
-            <a:chOff x="475" y="1913"/>
-            <a:chExt cx="4049" cy="981"/>
+            <a:off x="758826" y="2803179"/>
+            <a:ext cx="6292849" cy="930275"/>
+            <a:chOff x="-482" y="2284"/>
+            <a:chExt cx="3964" cy="586"/>
           </a:xfrm>
+          <a:effectLst>
+            <a:outerShdw blurRad="50800" dist="38100" dir="2700000" algn="tl" rotWithShape="0">
+              <a:prstClr val="black">
+                <a:alpha val="40000"/>
+              </a:prstClr>
+            </a:outerShdw>
+          </a:effectLst>
         </p:grpSpPr>
         <p:sp>
           <p:nvSpPr>
@@ -38720,7 +36932,7 @@
           </p:nvSpPr>
           <p:spPr bwMode="auto">
             <a:xfrm>
-              <a:off x="475" y="2312"/>
+              <a:off x="-482" y="2288"/>
               <a:ext cx="3191" cy="582"/>
             </a:xfrm>
             <a:prstGeom prst="rect">
@@ -38901,8 +37113,8 @@
           </p:nvSpPr>
           <p:spPr bwMode="auto">
             <a:xfrm>
-              <a:off x="2368" y="1913"/>
-              <a:ext cx="2156" cy="231"/>
+              <a:off x="3366" y="2284"/>
+              <a:ext cx="116" cy="233"/>
             </a:xfrm>
             <a:prstGeom prst="rect">
               <a:avLst/>
@@ -38911,6 +37123,7 @@
             <a:ln>
               <a:noFill/>
             </a:ln>
+            <a:effectLst/>
             <a:extLst>
               <a:ext uri="{909E8E84-426E-40dd-AFC4-6F175D3DCCD1}">
                 <a14:hiddenFill xmlns="" xmlns:a14="http://schemas.microsoft.com/office/drawing/2010/main">
@@ -39034,147 +37247,211 @@
               </a:lvl9pPr>
             </a:lstStyle>
             <a:p>
-              <a:r>
-                <a:rPr lang="en-GB" sz="1800" dirty="0"/>
-                <a:t>Directory name/package name</a:t>
-              </a:r>
-            </a:p>
-          </p:txBody>
-        </p:sp>
-        <p:sp>
-          <p:nvSpPr>
-            <p:cNvPr id="11271" name="Line 6"/>
-            <p:cNvSpPr>
-              <a:spLocks noChangeShapeType="1"/>
-            </p:cNvSpPr>
-            <p:nvPr/>
-          </p:nvSpPr>
-          <p:spPr bwMode="auto">
-            <a:xfrm flipH="1">
-              <a:off x="2157" y="2130"/>
-              <a:ext cx="237" cy="154"/>
-            </a:xfrm>
-            <a:prstGeom prst="line">
-              <a:avLst/>
-            </a:prstGeom>
-            <a:noFill/>
-            <a:ln w="9525">
-              <a:solidFill>
-                <a:schemeClr val="tx1"/>
-              </a:solidFill>
-              <a:round/>
-              <a:headEnd/>
-              <a:tailEnd type="triangle" w="med" len="med"/>
-            </a:ln>
-            <a:extLst>
-              <a:ext uri="{909E8E84-426E-40dd-AFC4-6F175D3DCCD1}">
-                <a14:hiddenFill xmlns="" xmlns:a14="http://schemas.microsoft.com/office/drawing/2010/main">
-                  <a:noFill/>
-                </a14:hiddenFill>
-              </a:ext>
-            </a:extLst>
-          </p:spPr>
-          <p:txBody>
-            <a:bodyPr>
-              <a:spAutoFit/>
-            </a:bodyPr>
-            <a:lstStyle/>
-            <a:p>
-              <a:endParaRPr lang="en-GB"/>
+              <a:endParaRPr lang="en-GB" sz="1800" dirty="0"/>
             </a:p>
           </p:txBody>
         </p:sp>
       </p:grpSp>
-      <p:cxnSp>
-        <p:nvCxnSpPr>
-          <p:cNvPr id="9" name="Straight Connector 8">
+      <p:sp>
+        <p:nvSpPr>
+          <p:cNvPr id="2" name="Text Box 10">
             <a:extLst>
               <a:ext uri="{FF2B5EF4-FFF2-40B4-BE49-F238E27FC236}">
-                <a16:creationId xmlns:a16="http://schemas.microsoft.com/office/drawing/2014/main" id="{CE33636B-5AD3-4737-8786-2C2BB55AFB4C}"/>
+                <a16:creationId xmlns:a16="http://schemas.microsoft.com/office/drawing/2014/main" id="{9A6AF93B-8DD1-6EB9-F007-7C77AB229496}"/>
               </a:ext>
             </a:extLst>
           </p:cNvPr>
-          <p:cNvCxnSpPr>
-            <a:cxnSpLocks/>
-          </p:cNvCxnSpPr>
+          <p:cNvSpPr txBox="1">
+            <a:spLocks noChangeArrowheads="1"/>
+          </p:cNvSpPr>
           <p:nvPr/>
-        </p:nvCxnSpPr>
-        <p:spPr>
+        </p:nvSpPr>
+        <p:spPr bwMode="auto">
           <a:xfrm>
-            <a:off x="3526321" y="3190880"/>
-            <a:ext cx="1939125" cy="0"/>
+            <a:off x="7267571" y="2803179"/>
+            <a:ext cx="3060053" cy="338554"/>
+          </a:xfrm>
+          <a:prstGeom prst="rect">
+            <a:avLst/>
+          </a:prstGeom>
+          <a:solidFill>
+            <a:schemeClr val="bg1"/>
+          </a:solidFill>
+          <a:ln w="9525">
+            <a:solidFill>
+              <a:schemeClr val="tx1"/>
+            </a:solidFill>
+            <a:miter lim="800000"/>
+            <a:headEnd/>
+            <a:tailEnd/>
+          </a:ln>
+          <a:effectLst>
+            <a:outerShdw blurRad="50800" dist="38100" dir="2700000" algn="tl" rotWithShape="0">
+              <a:prstClr val="black">
+                <a:alpha val="40000"/>
+              </a:prstClr>
+            </a:outerShdw>
+          </a:effectLst>
+        </p:spPr>
+        <p:txBody>
+          <a:bodyPr wrap="square">
+            <a:spAutoFit/>
+          </a:bodyPr>
+          <a:lstStyle>
+            <a:lvl1pPr>
+              <a:defRPr sz="1000">
+                <a:solidFill>
+                  <a:schemeClr val="tx1"/>
+                </a:solidFill>
+                <a:latin typeface="Arial" charset="0"/>
+              </a:defRPr>
+            </a:lvl1pPr>
+            <a:lvl2pPr marL="742950" indent="-285750">
+              <a:defRPr sz="1000">
+                <a:solidFill>
+                  <a:schemeClr val="tx1"/>
+                </a:solidFill>
+                <a:latin typeface="Arial" charset="0"/>
+              </a:defRPr>
+            </a:lvl2pPr>
+            <a:lvl3pPr marL="1143000" indent="-228600">
+              <a:defRPr sz="1000">
+                <a:solidFill>
+                  <a:schemeClr val="tx1"/>
+                </a:solidFill>
+                <a:latin typeface="Arial" charset="0"/>
+              </a:defRPr>
+            </a:lvl3pPr>
+            <a:lvl4pPr marL="1600200" indent="-228600">
+              <a:defRPr sz="1000">
+                <a:solidFill>
+                  <a:schemeClr val="tx1"/>
+                </a:solidFill>
+                <a:latin typeface="Arial" charset="0"/>
+              </a:defRPr>
+            </a:lvl4pPr>
+            <a:lvl5pPr marL="2057400" indent="-228600">
+              <a:defRPr sz="1000">
+                <a:solidFill>
+                  <a:schemeClr val="tx1"/>
+                </a:solidFill>
+                <a:latin typeface="Arial" charset="0"/>
+              </a:defRPr>
+            </a:lvl5pPr>
+            <a:lvl6pPr marL="2514600" indent="-228600" eaLnBrk="0" fontAlgn="base" hangingPunct="0">
+              <a:spcBef>
+                <a:spcPct val="50000"/>
+              </a:spcBef>
+              <a:spcAft>
+                <a:spcPct val="0"/>
+              </a:spcAft>
+              <a:defRPr sz="1000">
+                <a:solidFill>
+                  <a:schemeClr val="tx1"/>
+                </a:solidFill>
+                <a:latin typeface="Arial" charset="0"/>
+              </a:defRPr>
+            </a:lvl6pPr>
+            <a:lvl7pPr marL="2971800" indent="-228600" eaLnBrk="0" fontAlgn="base" hangingPunct="0">
+              <a:spcBef>
+                <a:spcPct val="50000"/>
+              </a:spcBef>
+              <a:spcAft>
+                <a:spcPct val="0"/>
+              </a:spcAft>
+              <a:defRPr sz="1000">
+                <a:solidFill>
+                  <a:schemeClr val="tx1"/>
+                </a:solidFill>
+                <a:latin typeface="Arial" charset="0"/>
+              </a:defRPr>
+            </a:lvl7pPr>
+            <a:lvl8pPr marL="3429000" indent="-228600" eaLnBrk="0" fontAlgn="base" hangingPunct="0">
+              <a:spcBef>
+                <a:spcPct val="50000"/>
+              </a:spcBef>
+              <a:spcAft>
+                <a:spcPct val="0"/>
+              </a:spcAft>
+              <a:defRPr sz="1000">
+                <a:solidFill>
+                  <a:schemeClr val="tx1"/>
+                </a:solidFill>
+                <a:latin typeface="Arial" charset="0"/>
+              </a:defRPr>
+            </a:lvl8pPr>
+            <a:lvl9pPr marL="3886200" indent="-228600" eaLnBrk="0" fontAlgn="base" hangingPunct="0">
+              <a:spcBef>
+                <a:spcPct val="50000"/>
+              </a:spcBef>
+              <a:spcAft>
+                <a:spcPct val="0"/>
+              </a:spcAft>
+              <a:defRPr sz="1000">
+                <a:solidFill>
+                  <a:schemeClr val="tx1"/>
+                </a:solidFill>
+                <a:latin typeface="Arial" charset="0"/>
+              </a:defRPr>
+            </a:lvl9pPr>
+          </a:lstStyle>
+          <a:p>
+            <a:r>
+              <a:rPr lang="en-GB" sz="1600" dirty="0"/>
+              <a:t>Directory name/package name</a:t>
+            </a:r>
+          </a:p>
+        </p:txBody>
+      </p:sp>
+      <p:sp>
+        <p:nvSpPr>
+          <p:cNvPr id="4" name="Line 11">
+            <a:extLst>
+              <a:ext uri="{FF2B5EF4-FFF2-40B4-BE49-F238E27FC236}">
+                <a16:creationId xmlns:a16="http://schemas.microsoft.com/office/drawing/2014/main" id="{513F0B3E-2385-5024-97D9-8F1EAA94C8BF}"/>
+              </a:ext>
+            </a:extLst>
+          </p:cNvPr>
+          <p:cNvSpPr>
+            <a:spLocks noChangeShapeType="1"/>
+          </p:cNvSpPr>
+          <p:nvPr/>
+        </p:nvSpPr>
+        <p:spPr bwMode="auto">
+          <a:xfrm flipH="1">
+            <a:off x="5568043" y="2994114"/>
+            <a:ext cx="1699528" cy="0"/>
           </a:xfrm>
           <a:prstGeom prst="line">
             <a:avLst/>
           </a:prstGeom>
-          <a:ln w="38100">
+          <a:noFill/>
+          <a:ln w="9525">
             <a:solidFill>
-              <a:srgbClr val="FF0000"/>
+              <a:schemeClr val="tx1"/>
             </a:solidFill>
+            <a:round/>
+            <a:headEnd/>
+            <a:tailEnd type="triangle" w="med" len="med"/>
           </a:ln>
-        </p:spPr>
-        <p:style>
-          <a:lnRef idx="1">
-            <a:schemeClr val="dk1"/>
-          </a:lnRef>
-          <a:fillRef idx="0">
-            <a:schemeClr val="dk1"/>
-          </a:fillRef>
-          <a:effectRef idx="0">
-            <a:schemeClr val="dk1"/>
-          </a:effectRef>
-          <a:fontRef idx="minor">
-            <a:schemeClr val="tx1"/>
-          </a:fontRef>
-        </p:style>
-      </p:cxnSp>
-      <p:pic>
-        <p:nvPicPr>
-          <p:cNvPr id="3" name="Picture 4" descr="Expired Stamp (PNG Transparent) | OnlyGFX.com">
-            <a:extLst>
-              <a:ext uri="{FF2B5EF4-FFF2-40B4-BE49-F238E27FC236}">
-                <a16:creationId xmlns:a16="http://schemas.microsoft.com/office/drawing/2014/main" id="{953D3C16-BA72-4974-8774-60FC82CDA143}"/>
-              </a:ext>
-            </a:extLst>
-          </p:cNvPr>
-          <p:cNvPicPr>
-            <a:picLocks noChangeAspect="1" noChangeArrowheads="1"/>
-          </p:cNvPicPr>
-          <p:nvPr/>
-        </p:nvPicPr>
-        <p:blipFill>
-          <a:blip r:embed="rId3" cstate="email">
-            <a:extLst>
-              <a:ext uri="{28A0092B-C50C-407E-A947-70E740481C1C}">
-                <a14:useLocalDpi xmlns:a14="http://schemas.microsoft.com/office/drawing/2010/main"/>
-              </a:ext>
-            </a:extLst>
-          </a:blip>
-          <a:srcRect/>
-          <a:stretch>
-            <a:fillRect/>
-          </a:stretch>
-        </p:blipFill>
-        <p:spPr bwMode="auto">
-          <a:xfrm>
-            <a:off x="7464264" y="1172390"/>
-            <a:ext cx="5106510" cy="3639684"/>
-          </a:xfrm>
-          <a:prstGeom prst="rect">
-            <a:avLst/>
-          </a:prstGeom>
-          <a:noFill/>
           <a:extLst>
-            <a:ext uri="{909E8E84-426E-40DD-AFC4-6F175D3DCCD1}">
-              <a14:hiddenFill xmlns:a14="http://schemas.microsoft.com/office/drawing/2010/main">
-                <a:solidFill>
-                  <a:srgbClr val="FFFFFF"/>
-                </a:solidFill>
+            <a:ext uri="{909E8E84-426E-40dd-AFC4-6F175D3DCCD1}">
+              <a14:hiddenFill xmlns="" xmlns:a14="http://schemas.microsoft.com/office/drawing/2010/main">
+                <a:noFill/>
               </a14:hiddenFill>
             </a:ext>
           </a:extLst>
         </p:spPr>
-      </p:pic>
+        <p:txBody>
+          <a:bodyPr wrap="square">
+            <a:spAutoFit/>
+          </a:bodyPr>
+          <a:lstStyle/>
+          <a:p>
+            <a:endParaRPr lang="en-GB"/>
+          </a:p>
+        </p:txBody>
+      </p:sp>
     </p:spTree>
     <p:extLst>
       <p:ext uri="{BB962C8B-B14F-4D97-AF65-F5344CB8AC3E}">
@@ -39996,18 +38273,10 @@
 </file>
 
 <file path=customXml/item1.xml><?xml version="1.0" encoding="utf-8"?>
-<?mso-contentType ?>
-<FormTemplates xmlns="http://schemas.microsoft.com/sharepoint/v3/contenttype/forms">
-  <Display>DocumentLibraryForm</Display>
-  <Edit>DocumentLibraryForm</Edit>
-  <New>DocumentLibraryForm</New>
-</FormTemplates>
-</file>
-
-<file path=customXml/item2.xml><?xml version="1.0" encoding="utf-8"?>
-<ct:contentTypeSchema xmlns:ct="http://schemas.microsoft.com/office/2006/metadata/contentType" xmlns:ma="http://schemas.microsoft.com/office/2006/metadata/properties/metaAttributes" ct:_="" ma:_="" ma:contentTypeName="Document" ma:contentTypeID="0x01010047C9319921AB5D48A79C1CDD69F0ADEE" ma:contentTypeVersion="3" ma:contentTypeDescription="Create a new document." ma:contentTypeScope="" ma:versionID="3811da7f776029654eee27a03d178620">
-  <xsd:schema xmlns:xsd="http://www.w3.org/2001/XMLSchema" xmlns:xs="http://www.w3.org/2001/XMLSchema" xmlns:p="http://schemas.microsoft.com/office/2006/metadata/properties" xmlns:ns2="321e98e5-056b-4fbc-983d-5776ac277f1c" targetNamespace="http://schemas.microsoft.com/office/2006/metadata/properties" ma:root="true" ma:fieldsID="a8d54852964f38499b947f151e317ae7" ns2:_="">
+<ct:contentTypeSchema xmlns:ct="http://schemas.microsoft.com/office/2006/metadata/contentType" xmlns:ma="http://schemas.microsoft.com/office/2006/metadata/properties/metaAttributes" ct:_="" ma:_="" ma:contentTypeName="Document" ma:contentTypeID="0x01010047C9319921AB5D48A79C1CDD69F0ADEE" ma:contentTypeVersion="5" ma:contentTypeDescription="Create a new document." ma:contentTypeScope="" ma:versionID="1c86e08ee19a558daabb270f47811a89">
+  <xsd:schema xmlns:xsd="http://www.w3.org/2001/XMLSchema" xmlns:xs="http://www.w3.org/2001/XMLSchema" xmlns:p="http://schemas.microsoft.com/office/2006/metadata/properties" xmlns:ns2="321e98e5-056b-4fbc-983d-5776ac277f1c" xmlns:ns3="8706a4e6-e72b-4885-96ed-b92b99fed295" targetNamespace="http://schemas.microsoft.com/office/2006/metadata/properties" ma:root="true" ma:fieldsID="451e2ea32cc94e31a40865bb33ac54ea" ns2:_="" ns3:_="">
     <xsd:import namespace="321e98e5-056b-4fbc-983d-5776ac277f1c"/>
+    <xsd:import namespace="8706a4e6-e72b-4885-96ed-b92b99fed295"/>
     <xsd:element name="properties">
       <xsd:complexType>
         <xsd:sequence>
@@ -40017,6 +38286,8 @@
                 <xsd:element ref="ns2:MediaServiceMetadata" minOccurs="0"/>
                 <xsd:element ref="ns2:MediaServiceFastMetadata" minOccurs="0"/>
                 <xsd:element ref="ns2:MediaServiceObjectDetectorVersions" minOccurs="0"/>
+                <xsd:element ref="ns3:SharedWithUsers" minOccurs="0"/>
+                <xsd:element ref="ns3:SharedWithDetails" minOccurs="0"/>
               </xsd:all>
             </xsd:complexType>
           </xsd:element>
@@ -40040,6 +38311,36 @@
     <xsd:element name="MediaServiceObjectDetectorVersions" ma:index="10" nillable="true" ma:displayName="MediaServiceObjectDetectorVersions" ma:hidden="true" ma:indexed="true" ma:internalName="MediaServiceObjectDetectorVersions" ma:readOnly="true">
       <xsd:simpleType>
         <xsd:restriction base="dms:Text"/>
+      </xsd:simpleType>
+    </xsd:element>
+  </xsd:schema>
+  <xsd:schema xmlns:xsd="http://www.w3.org/2001/XMLSchema" xmlns:xs="http://www.w3.org/2001/XMLSchema" xmlns:dms="http://schemas.microsoft.com/office/2006/documentManagement/types" xmlns:pc="http://schemas.microsoft.com/office/infopath/2007/PartnerControls" targetNamespace="8706a4e6-e72b-4885-96ed-b92b99fed295" elementFormDefault="qualified">
+    <xsd:import namespace="http://schemas.microsoft.com/office/2006/documentManagement/types"/>
+    <xsd:import namespace="http://schemas.microsoft.com/office/infopath/2007/PartnerControls"/>
+    <xsd:element name="SharedWithUsers" ma:index="11" nillable="true" ma:displayName="Shared With" ma:internalName="SharedWithUsers" ma:readOnly="true">
+      <xsd:complexType>
+        <xsd:complexContent>
+          <xsd:extension base="dms:UserMulti">
+            <xsd:sequence>
+              <xsd:element name="UserInfo" minOccurs="0" maxOccurs="unbounded">
+                <xsd:complexType>
+                  <xsd:sequence>
+                    <xsd:element name="DisplayName" type="xsd:string" minOccurs="0"/>
+                    <xsd:element name="AccountId" type="dms:UserId" minOccurs="0" nillable="true"/>
+                    <xsd:element name="AccountType" type="xsd:string" minOccurs="0"/>
+                  </xsd:sequence>
+                </xsd:complexType>
+              </xsd:element>
+            </xsd:sequence>
+          </xsd:extension>
+        </xsd:complexContent>
+      </xsd:complexType>
+    </xsd:element>
+    <xsd:element name="SharedWithDetails" ma:index="12" nillable="true" ma:displayName="Shared With Details" ma:internalName="SharedWithDetails" ma:readOnly="true">
+      <xsd:simpleType>
+        <xsd:restriction base="dms:Note">
+          <xsd:maxLength value="255"/>
+        </xsd:restriction>
       </xsd:simpleType>
     </xsd:element>
   </xsd:schema>
@@ -40142,25 +38443,41 @@
 </ct:contentTypeSchema>
 </file>
 
-<file path=customXml/item3.xml><?xml version="1.0" encoding="utf-8"?>
+<file path=customXml/item2.xml><?xml version="1.0" encoding="utf-8"?>
 <p:properties xmlns:p="http://schemas.microsoft.com/office/2006/metadata/properties" xmlns:xsi="http://www.w3.org/2001/XMLSchema-instance" xmlns:pc="http://schemas.microsoft.com/office/infopath/2007/PartnerControls">
   <documentManagement/>
 </p:properties>
 </file>
 
+<file path=customXml/item3.xml><?xml version="1.0" encoding="utf-8"?>
+<?mso-contentType ?>
+<FormTemplates xmlns="http://schemas.microsoft.com/sharepoint/v3/contenttype/forms">
+  <Display>DocumentLibraryForm</Display>
+  <Edit>DocumentLibraryForm</Edit>
+  <New>DocumentLibraryForm</New>
+</FormTemplates>
+</file>
+
 <file path=customXml/itemProps1.xml><?xml version="1.0" encoding="utf-8"?>
-<ds:datastoreItem xmlns:ds="http://schemas.openxmlformats.org/officeDocument/2006/customXml" ds:itemID="{F8581F9B-DDE6-4358-8389-DE5858917DC4}">
+<ds:datastoreItem xmlns:ds="http://schemas.openxmlformats.org/officeDocument/2006/customXml" ds:itemID="{705211B5-6C22-4EF8-BE8F-9D378138CB70}">
   <ds:schemaRefs>
-    <ds:schemaRef ds:uri="http://schemas.microsoft.com/sharepoint/v3/contenttype/forms"/>
+    <ds:schemaRef ds:uri="http://schemas.microsoft.com/office/2006/metadata/contentType"/>
+    <ds:schemaRef ds:uri="http://schemas.microsoft.com/office/2006/metadata/properties/metaAttributes"/>
+    <ds:schemaRef ds:uri="http://www.w3.org/2001/XMLSchema"/>
+    <ds:schemaRef ds:uri="http://schemas.microsoft.com/office/2006/metadata/properties"/>
+    <ds:schemaRef ds:uri="321e98e5-056b-4fbc-983d-5776ac277f1c"/>
+    <ds:schemaRef ds:uri="8706a4e6-e72b-4885-96ed-b92b99fed295"/>
+    <ds:schemaRef ds:uri="http://schemas.microsoft.com/office/2006/documentManagement/types"/>
+    <ds:schemaRef ds:uri="http://schemas.microsoft.com/office/infopath/2007/PartnerControls"/>
+    <ds:schemaRef ds:uri="http://schemas.openxmlformats.org/package/2006/metadata/core-properties"/>
+    <ds:schemaRef ds:uri="http://purl.org/dc/elements/1.1/"/>
+    <ds:schemaRef ds:uri="http://purl.org/dc/terms/"/>
+    <ds:schemaRef ds:uri="http://schemas.microsoft.com/internal/obd"/>
   </ds:schemaRefs>
 </ds:datastoreItem>
 </file>
 
 <file path=customXml/itemProps2.xml><?xml version="1.0" encoding="utf-8"?>
-<ds:datastoreItem xmlns:ds="http://schemas.openxmlformats.org/officeDocument/2006/customXml" ds:itemID="{43001595-2A42-490A-87B9-1FCD1E06976B}"/>
-</file>
-
-<file path=customXml/itemProps3.xml><?xml version="1.0" encoding="utf-8"?>
 <ds:datastoreItem xmlns:ds="http://schemas.openxmlformats.org/officeDocument/2006/customXml" ds:itemID="{FD0FD46D-2696-4A9A-9B3D-1094250502F3}">
   <ds:schemaRefs>
     <ds:schemaRef ds:uri="http://purl.org/dc/terms/"/>
@@ -40175,4 +38492,12 @@
     <ds:schemaRef ds:uri="http://www.w3.org/XML/1998/namespace"/>
   </ds:schemaRefs>
 </ds:datastoreItem>
+</file>
+
+<file path=customXml/itemProps3.xml><?xml version="1.0" encoding="utf-8"?>
+<ds:datastoreItem xmlns:ds="http://schemas.openxmlformats.org/officeDocument/2006/customXml" ds:itemID="{F8581F9B-DDE6-4358-8389-DE5858917DC4}">
+  <ds:schemaRefs>
+    <ds:schemaRef ds:uri="http://schemas.microsoft.com/sharepoint/v3/contenttype/forms"/>
+  </ds:schemaRefs>
+</ds:datastoreItem>
 </file>